--- a/Stock trade and analyst system.pptx
+++ b/Stock trade and analyst system.pptx
@@ -118,6 +118,22 @@
       </a:defRPr>
     </a:lvl9pPr>
   </p:defaultTextStyle>
+  <p:extLst>
+    <p:ext uri="{EFAFB233-063F-42B5-8137-9DF3F51BA10A}">
+      <p15:sldGuideLst xmlns:p15="http://schemas.microsoft.com/office/powerpoint/2012/main">
+        <p15:guide id="1" orient="horz" pos="2160">
+          <p15:clr>
+            <a:srgbClr val="A4A3A4"/>
+          </p15:clr>
+        </p15:guide>
+        <p15:guide id="2" pos="2880">
+          <p15:clr>
+            <a:srgbClr val="A4A3A4"/>
+          </p15:clr>
+        </p15:guide>
+      </p15:sldGuideLst>
+    </p:ext>
+  </p:extLst>
 </p:presentation>
 </file>
 
@@ -3919,11 +3935,7 @@
             </a:pPr>
             <a:r>
               <a:rPr lang="en-CA" sz="3600" b="1" dirty="0" smtClean="0"/>
-              <a:t>Background</a:t>
-            </a:r>
-            <a:r>
-              <a:rPr lang="en-CA" sz="3600" b="1" dirty="0" smtClean="0"/>
-              <a:t>:</a:t>
+              <a:t>Background:</a:t>
             </a:r>
           </a:p>
           <a:p>
@@ -4068,32 +4080,56 @@
       </p:grpSpPr>
       <p:sp>
         <p:nvSpPr>
-          <p:cNvPr id="3" name="Content Placeholder 2"/>
-          <p:cNvSpPr>
-            <a:spLocks noGrp="1"/>
-          </p:cNvSpPr>
-          <p:nvPr>
-            <p:ph idx="1"/>
-          </p:nvPr>
-        </p:nvSpPr>
+          <p:cNvPr id="4" name="Title 3"/>
+          <p:cNvSpPr>
+            <a:spLocks noGrp="1"/>
+          </p:cNvSpPr>
+          <p:nvPr>
+            <p:ph type="title"/>
+          </p:nvPr>
+        </p:nvSpPr>
+        <p:spPr/>
+        <p:txBody>
+          <a:bodyPr>
+            <a:normAutofit/>
+          </a:bodyPr>
+          <a:lstStyle/>
+          <a:p>
+            <a:pPr algn="l"/>
+            <a:r>
+              <a:rPr lang="en-US" sz="3600" dirty="0" smtClean="0"/>
+              <a:t>GUI:</a:t>
+            </a:r>
+            <a:endParaRPr lang="en-US" sz="3600" dirty="0"/>
+          </a:p>
+        </p:txBody>
+      </p:sp>
+      <p:pic>
+        <p:nvPicPr>
+          <p:cNvPr id="2" name="Content Placeholder 1"/>
+          <p:cNvPicPr>
+            <a:picLocks noGrp="1" noChangeAspect="1"/>
+          </p:cNvPicPr>
+          <p:nvPr>
+            <p:ph idx="4294967295"/>
+          </p:nvPr>
+        </p:nvPicPr>
+        <p:blipFill>
+          <a:blip r:embed="rId2"/>
+          <a:stretch>
+            <a:fillRect/>
+          </a:stretch>
+        </p:blipFill>
         <p:spPr>
           <a:xfrm>
-            <a:off x="457200" y="404664"/>
-            <a:ext cx="8229600" cy="5721499"/>
+            <a:off x="-15875" y="1857375"/>
+            <a:ext cx="9159875" cy="4994275"/>
           </a:xfrm>
+          <a:prstGeom prst="rect">
+            <a:avLst/>
+          </a:prstGeom>
         </p:spPr>
-        <p:txBody>
-          <a:bodyPr/>
-          <a:lstStyle/>
-          <a:p>
-            <a:r>
-              <a:rPr lang="en-CA" dirty="0" smtClean="0"/>
-              <a:t>Screen shot main window</a:t>
-            </a:r>
-            <a:endParaRPr lang="en-CA" dirty="0"/>
-          </a:p>
-        </p:txBody>
-      </p:sp>
+      </p:pic>
     </p:spTree>
     <p:extLst>
       <p:ext uri="{BB962C8B-B14F-4D97-AF65-F5344CB8AC3E}">
@@ -4447,6 +4483,22 @@
               <a:rPr lang="en-CA" dirty="0" smtClean="0"/>
               <a:t>    check quantity and cost by stock ticker </a:t>
             </a:r>
+            <a:endParaRPr lang="en-CA" dirty="0"/>
+          </a:p>
+          <a:p>
+            <a:pPr marL="0" indent="0">
+              <a:buNone/>
+            </a:pPr>
+            <a:r>
+              <a:rPr lang="en-CA" dirty="0" smtClean="0"/>
+              <a:t>    write the right query without extra data.</a:t>
+            </a:r>
+          </a:p>
+          <a:p>
+            <a:pPr marL="0" indent="0">
+              <a:buNone/>
+            </a:pPr>
+            <a:endParaRPr lang="en-CA" dirty="0" smtClean="0"/>
           </a:p>
           <a:p>
             <a:pPr marL="0" indent="0">
@@ -4456,6 +4508,11 @@
               <a:rPr lang="en-CA" dirty="0" smtClean="0"/>
               <a:t>    Set action buy=1, sell=-1 </a:t>
             </a:r>
+            <a:r>
+              <a:rPr lang="en-CA" dirty="0" smtClean="0"/>
+              <a:t>, none = 0</a:t>
+            </a:r>
+            <a:endParaRPr lang="en-CA" dirty="0" smtClean="0"/>
           </a:p>
         </p:txBody>
       </p:sp>
@@ -4522,18 +4579,10 @@
               <a:buNone/>
             </a:pPr>
             <a:r>
-              <a:rPr lang="en-CA" dirty="0" smtClean="0"/>
-              <a:t>    check quantity and cost by stock ticker </a:t>
-            </a:r>
-          </a:p>
-          <a:p>
-            <a:pPr marL="0" indent="0">
-              <a:buNone/>
-            </a:pPr>
-            <a:r>
-              <a:rPr lang="en-CA" dirty="0" smtClean="0"/>
-              <a:t>    Set action buy=1, sell=-1 </a:t>
-            </a:r>
+              <a:rPr lang="en-CA" smtClean="0"/>
+              <a:t>    </a:t>
+            </a:r>
+            <a:endParaRPr lang="en-CA" dirty="0" smtClean="0"/>
           </a:p>
         </p:txBody>
       </p:sp>

--- a/Stock trade and analyst system.pptx
+++ b/Stock trade and analyst system.pptx
@@ -3137,18 +3137,18 @@
         </p:nvSpPr>
         <p:spPr>
           <a:xfrm>
-            <a:off x="685800" y="692697"/>
-            <a:ext cx="7702624" cy="1440159"/>
+            <a:off x="971600" y="836712"/>
+            <a:ext cx="6552728" cy="1080120"/>
           </a:xfrm>
         </p:spPr>
         <p:txBody>
           <a:bodyPr>
-            <a:normAutofit/>
+            <a:normAutofit fontScale="90000"/>
           </a:bodyPr>
           <a:lstStyle/>
           <a:p>
             <a:r>
-              <a:rPr lang="en-CA" b="1" dirty="0">
+              <a:rPr lang="en-CA" sz="4200" b="1" dirty="0">
                 <a:effectLst>
                   <a:outerShdw blurRad="38100" dist="38100" dir="2700000" algn="tl">
                     <a:srgbClr val="000000">
@@ -3731,8 +3731,8 @@
         </p:nvSpPr>
         <p:spPr>
           <a:xfrm>
-            <a:off x="457200" y="404664"/>
-            <a:ext cx="8229600" cy="5721499"/>
+            <a:off x="899592" y="692697"/>
+            <a:ext cx="6840760" cy="5184576"/>
           </a:xfrm>
         </p:spPr>
         <p:txBody>
@@ -3848,8 +3848,8 @@
         </p:nvSpPr>
         <p:spPr>
           <a:xfrm>
-            <a:off x="457200" y="404664"/>
-            <a:ext cx="8229600" cy="5721499"/>
+            <a:off x="899592" y="764704"/>
+            <a:ext cx="7344816" cy="5184575"/>
           </a:xfrm>
         </p:spPr>
         <p:txBody>
@@ -3922,8 +3922,8 @@
         </p:nvSpPr>
         <p:spPr>
           <a:xfrm>
-            <a:off x="457200" y="404664"/>
-            <a:ext cx="8229600" cy="5721499"/>
+            <a:off x="899592" y="548681"/>
+            <a:ext cx="6984776" cy="4968552"/>
           </a:xfrm>
         </p:spPr>
         <p:txBody>
@@ -3942,7 +3942,7 @@
             <a:pPr marL="0" indent="0">
               <a:buNone/>
             </a:pPr>
-            <a:endParaRPr lang="en-CA" sz="3600" b="1"/>
+            <a:endParaRPr lang="en-CA" sz="3600" b="1" dirty="0"/>
           </a:p>
           <a:p>
             <a:pPr marL="0" indent="0">
@@ -4000,8 +4000,8 @@
         </p:nvSpPr>
         <p:spPr>
           <a:xfrm>
-            <a:off x="457200" y="404664"/>
-            <a:ext cx="8229600" cy="5721499"/>
+            <a:off x="827584" y="620689"/>
+            <a:ext cx="7344816" cy="5328592"/>
           </a:xfrm>
         </p:spPr>
         <p:txBody>
@@ -4088,7 +4088,12 @@
             <p:ph type="title"/>
           </p:nvPr>
         </p:nvSpPr>
-        <p:spPr/>
+        <p:spPr>
+          <a:xfrm>
+            <a:off x="1043608" y="620688"/>
+            <a:ext cx="6696744" cy="796950"/>
+          </a:xfrm>
+        </p:spPr>
         <p:txBody>
           <a:bodyPr>
             <a:normAutofit/>
@@ -4122,8 +4127,8 @@
         </p:blipFill>
         <p:spPr>
           <a:xfrm>
-            <a:off x="-15875" y="1857375"/>
-            <a:ext cx="9159875" cy="4994275"/>
+            <a:off x="1475656" y="2780928"/>
+            <a:ext cx="5881193" cy="3206626"/>
           </a:xfrm>
           <a:prstGeom prst="rect">
             <a:avLst/>
@@ -4172,8 +4177,8 @@
         </p:nvSpPr>
         <p:spPr>
           <a:xfrm>
-            <a:off x="457200" y="404664"/>
-            <a:ext cx="8229600" cy="5721499"/>
+            <a:off x="683568" y="692697"/>
+            <a:ext cx="7488832" cy="5184576"/>
           </a:xfrm>
         </p:spPr>
         <p:txBody>
@@ -4340,8 +4345,8 @@
         </p:nvSpPr>
         <p:spPr>
           <a:xfrm>
-            <a:off x="457200" y="404664"/>
-            <a:ext cx="8229600" cy="5721499"/>
+            <a:off x="827584" y="836713"/>
+            <a:ext cx="7128792" cy="5040560"/>
           </a:xfrm>
         </p:spPr>
         <p:txBody>
@@ -4459,8 +4464,8 @@
         </p:nvSpPr>
         <p:spPr>
           <a:xfrm>
-            <a:off x="457200" y="404664"/>
-            <a:ext cx="8229600" cy="5721499"/>
+            <a:off x="683568" y="692697"/>
+            <a:ext cx="7344816" cy="5328592"/>
           </a:xfrm>
         </p:spPr>
         <p:txBody>
@@ -4506,13 +4511,8 @@
             </a:pPr>
             <a:r>
               <a:rPr lang="en-CA" dirty="0" smtClean="0"/>
-              <a:t>    Set action buy=1, sell=-1 </a:t>
-            </a:r>
-            <a:r>
-              <a:rPr lang="en-CA" dirty="0" smtClean="0"/>
-              <a:t>, none = 0</a:t>
-            </a:r>
-            <a:endParaRPr lang="en-CA" dirty="0" smtClean="0"/>
+              <a:t>    Set action buy=1, sell=-1 , none = 0</a:t>
+            </a:r>
           </a:p>
         </p:txBody>
       </p:sp>
@@ -4558,8 +4558,8 @@
         </p:nvSpPr>
         <p:spPr>
           <a:xfrm>
-            <a:off x="457200" y="404664"/>
-            <a:ext cx="8229600" cy="5721499"/>
+            <a:off x="755576" y="764705"/>
+            <a:ext cx="7344816" cy="5112568"/>
           </a:xfrm>
         </p:spPr>
         <p:txBody>
@@ -4579,10 +4579,9 @@
               <a:buNone/>
             </a:pPr>
             <a:r>
-              <a:rPr lang="en-CA" smtClean="0"/>
+              <a:rPr lang="en-CA" dirty="0" smtClean="0"/>
               <a:t>    </a:t>
             </a:r>
-            <a:endParaRPr lang="en-CA" dirty="0" smtClean="0"/>
           </a:p>
         </p:txBody>
       </p:sp>
@@ -4628,8 +4627,8 @@
         </p:nvSpPr>
         <p:spPr>
           <a:xfrm>
-            <a:off x="457200" y="404664"/>
-            <a:ext cx="8229600" cy="5721499"/>
+            <a:off x="755576" y="620689"/>
+            <a:ext cx="7560840" cy="5400600"/>
           </a:xfrm>
         </p:spPr>
         <p:txBody>

--- a/Stock trade and analyst system.pptx
+++ b/Stock trade and analyst system.pptx
@@ -14,12 +14,9 @@
     <p:sldId id="262" r:id="rId8"/>
     <p:sldId id="263" r:id="rId9"/>
     <p:sldId id="264" r:id="rId10"/>
-    <p:sldId id="265" r:id="rId11"/>
-    <p:sldId id="266" r:id="rId12"/>
-    <p:sldId id="267" r:id="rId13"/>
-    <p:sldId id="268" r:id="rId14"/>
-    <p:sldId id="269" r:id="rId15"/>
-    <p:sldId id="270" r:id="rId16"/>
+    <p:sldId id="271" r:id="rId11"/>
+    <p:sldId id="269" r:id="rId12"/>
+    <p:sldId id="270" r:id="rId13"/>
   </p:sldIdLst>
   <p:sldSz cx="9144000" cy="6858000" type="screen4x3"/>
   <p:notesSz cx="6858000" cy="9144000"/>
@@ -3137,8 +3134,8 @@
         </p:nvSpPr>
         <p:spPr>
           <a:xfrm>
-            <a:off x="971600" y="836712"/>
-            <a:ext cx="6552728" cy="1080120"/>
+            <a:off x="685800" y="692697"/>
+            <a:ext cx="7702624" cy="1440159"/>
           </a:xfrm>
         </p:spPr>
         <p:txBody>
@@ -3148,7 +3145,7 @@
           <a:lstStyle/>
           <a:p>
             <a:r>
-              <a:rPr lang="en-CA" sz="4200" b="1" dirty="0">
+              <a:rPr lang="en-CA" b="1" dirty="0">
                 <a:effectLst>
                   <a:outerShdw blurRad="38100" dist="38100" dir="2700000" algn="tl">
                     <a:srgbClr val="000000">
@@ -3157,7 +3154,31 @@
                   </a:outerShdw>
                 </a:effectLst>
               </a:rPr>
-              <a:t>Stock trade and analyst system</a:t>
+              <a:t>Stock </a:t>
+            </a:r>
+            <a:r>
+              <a:rPr lang="en-CA" b="1" dirty="0" smtClean="0">
+                <a:effectLst>
+                  <a:outerShdw blurRad="38100" dist="38100" dir="2700000" algn="tl">
+                    <a:srgbClr val="000000">
+                      <a:alpha val="43137"/>
+                    </a:srgbClr>
+                  </a:outerShdw>
+                </a:effectLst>
+              </a:rPr>
+              <a:t>trade, analysis and portfolio management </a:t>
+            </a:r>
+            <a:r>
+              <a:rPr lang="en-CA" b="1" dirty="0">
+                <a:effectLst>
+                  <a:outerShdw blurRad="38100" dist="38100" dir="2700000" algn="tl">
+                    <a:srgbClr val="000000">
+                      <a:alpha val="43137"/>
+                    </a:srgbClr>
+                  </a:outerShdw>
+                </a:effectLst>
+              </a:rPr>
+              <a:t>system</a:t>
             </a:r>
             <a:r>
               <a:rPr lang="en-CA" dirty="0"/>
@@ -3426,33 +3447,17 @@
                   <a:schemeClr val="tx1"/>
                 </a:solidFill>
               </a:rPr>
-              <a:t>Stock </a:t>
-            </a:r>
-            <a:r>
-              <a:rPr lang="en-CA" sz="3600" dirty="0">
-                <a:solidFill>
-                  <a:schemeClr val="tx1"/>
-                </a:solidFill>
-              </a:rPr>
-              <a:t>trade and analyst </a:t>
-            </a:r>
+              <a:t>Stock trade, analyst simulator and portfolio management </a:t>
+            </a:r>
+          </a:p>
+          <a:p>
             <a:r>
               <a:rPr lang="en-CA" sz="3600" dirty="0" smtClean="0">
                 <a:solidFill>
                   <a:schemeClr val="tx1"/>
                 </a:solidFill>
               </a:rPr>
-              <a:t>simulator</a:t>
-            </a:r>
-          </a:p>
-          <a:p>
-            <a:r>
-              <a:rPr lang="en-CA" sz="3600" dirty="0" smtClean="0">
-                <a:solidFill>
-                  <a:schemeClr val="tx1"/>
-                </a:solidFill>
-              </a:rPr>
-              <a:t>based on desktop  with windows OS. </a:t>
+              <a:t>For Windows desktop application </a:t>
             </a:r>
           </a:p>
         </p:txBody>
@@ -3499,7 +3504,7 @@
         </p:nvSpPr>
         <p:spPr>
           <a:xfrm>
-            <a:off x="457200" y="404664"/>
+            <a:off x="539552" y="620688"/>
             <a:ext cx="8229600" cy="5721499"/>
           </a:xfrm>
         </p:spPr>
@@ -3507,24 +3512,107 @@
           <a:bodyPr/>
           <a:lstStyle/>
           <a:p>
+            <a:pPr marL="0" indent="0">
+              <a:buNone/>
+            </a:pPr>
             <a:r>
               <a:rPr lang="en-CA" dirty="0" smtClean="0"/>
-              <a:t>Screen shot</a:t>
-            </a:r>
-            <a:endParaRPr lang="en-CA" dirty="0"/>
-          </a:p>
-        </p:txBody>
-      </p:sp>
+              <a:t>Problem</a:t>
+            </a:r>
+            <a:r>
+              <a:rPr lang="en-CA" dirty="0"/>
+              <a:t>: </a:t>
+            </a:r>
+            <a:r>
+              <a:rPr lang="en-CA" dirty="0" smtClean="0"/>
+              <a:t>Read and Insert a non </a:t>
+            </a:r>
+            <a:r>
+              <a:rPr lang="en-CA" dirty="0" err="1" smtClean="0"/>
+              <a:t>nullable</a:t>
+            </a:r>
+            <a:r>
+              <a:rPr lang="en-CA" dirty="0" smtClean="0"/>
+              <a:t> data into database</a:t>
+            </a:r>
+          </a:p>
+          <a:p>
+            <a:pPr marL="0" indent="0">
+              <a:buNone/>
+            </a:pPr>
+            <a:r>
+              <a:rPr lang="en-CA" sz="2400" dirty="0"/>
+              <a:t> </a:t>
+            </a:r>
+            <a:endParaRPr lang="en-CA" sz="2000" dirty="0"/>
+          </a:p>
+        </p:txBody>
+      </p:sp>
+      <p:pic>
+        <p:nvPicPr>
+          <p:cNvPr id="2" name="Picture 1"/>
+          <p:cNvPicPr>
+            <a:picLocks noChangeAspect="1"/>
+          </p:cNvPicPr>
+          <p:nvPr/>
+        </p:nvPicPr>
+        <p:blipFill>
+          <a:blip r:embed="rId2"/>
+          <a:stretch>
+            <a:fillRect/>
+          </a:stretch>
+        </p:blipFill>
+        <p:spPr>
+          <a:xfrm>
+            <a:off x="1030461" y="2072196"/>
+            <a:ext cx="4597899" cy="708732"/>
+          </a:xfrm>
+          <a:prstGeom prst="rect">
+            <a:avLst/>
+          </a:prstGeom>
+        </p:spPr>
+      </p:pic>
+      <p:pic>
+        <p:nvPicPr>
+          <p:cNvPr id="4" name="Picture 3"/>
+          <p:cNvPicPr>
+            <a:picLocks noChangeAspect="1"/>
+          </p:cNvPicPr>
+          <p:nvPr/>
+        </p:nvPicPr>
+        <p:blipFill>
+          <a:blip r:embed="rId3"/>
+          <a:stretch>
+            <a:fillRect/>
+          </a:stretch>
+        </p:blipFill>
+        <p:spPr>
+          <a:xfrm>
+            <a:off x="1030461" y="3429000"/>
+            <a:ext cx="4629150" cy="542925"/>
+          </a:xfrm>
+          <a:prstGeom prst="rect">
+            <a:avLst/>
+          </a:prstGeom>
+        </p:spPr>
+      </p:pic>
     </p:spTree>
     <p:extLst>
       <p:ext uri="{BB962C8B-B14F-4D97-AF65-F5344CB8AC3E}">
-        <p14:creationId xmlns:p14="http://schemas.microsoft.com/office/powerpoint/2010/main" val="2680175932"/>
+        <p14:creationId xmlns:p14="http://schemas.microsoft.com/office/powerpoint/2010/main" val="975996675"/>
       </p:ext>
     </p:extLst>
   </p:cSld>
   <p:clrMapOvr>
     <a:masterClrMapping/>
   </p:clrMapOvr>
+  <p:timing>
+    <p:tnLst>
+      <p:par>
+        <p:cTn id="1" dur="indefinite" restart="never" nodeType="tmRoot"/>
+      </p:par>
+    </p:tnLst>
+  </p:timing>
 </p:sld>
 </file>
 
@@ -3562,13 +3650,68 @@
           </a:xfrm>
         </p:spPr>
         <p:txBody>
-          <a:bodyPr/>
-          <a:lstStyle/>
-          <a:p>
-            <a:r>
-              <a:rPr lang="en-CA" dirty="0" smtClean="0"/>
-              <a:t>Screen shot</a:t>
-            </a:r>
+          <a:bodyPr>
+            <a:normAutofit/>
+          </a:bodyPr>
+          <a:lstStyle/>
+          <a:p>
+            <a:pPr marL="0" indent="0">
+              <a:buNone/>
+            </a:pPr>
+            <a:r>
+              <a:rPr lang="en-CA" sz="3900" b="1" dirty="0" smtClean="0"/>
+              <a:t>Future work</a:t>
+            </a:r>
+          </a:p>
+          <a:p>
+            <a:r>
+              <a:rPr lang="en-CA" sz="3400" dirty="0" smtClean="0"/>
+              <a:t>Live data</a:t>
+            </a:r>
+          </a:p>
+          <a:p>
+            <a:r>
+              <a:rPr lang="en-CA" sz="3400" dirty="0" smtClean="0"/>
+              <a:t>Trend Lines on Chart</a:t>
+            </a:r>
+          </a:p>
+          <a:p>
+            <a:r>
+              <a:rPr lang="en-CA" sz="3400" dirty="0" smtClean="0"/>
+              <a:t>Layout </a:t>
+            </a:r>
+            <a:r>
+              <a:rPr lang="en-CA" sz="3400" dirty="0" smtClean="0"/>
+              <a:t>design</a:t>
+            </a:r>
+          </a:p>
+          <a:p>
+            <a:r>
+              <a:rPr lang="en-CA" sz="3400" dirty="0" smtClean="0"/>
+              <a:t>Risk </a:t>
+            </a:r>
+            <a:r>
+              <a:rPr lang="en-CA" sz="3400" dirty="0" smtClean="0"/>
+              <a:t>analyst</a:t>
+            </a:r>
+          </a:p>
+          <a:p>
+            <a:r>
+              <a:rPr lang="en-CA" sz="3400" dirty="0" smtClean="0"/>
+              <a:t>Delete portfolio and edit portfolio transaction data</a:t>
+            </a:r>
+            <a:endParaRPr lang="en-CA" sz="3600" dirty="0" smtClean="0"/>
+          </a:p>
+          <a:p>
+            <a:pPr marL="0" indent="0">
+              <a:buNone/>
+            </a:pPr>
+            <a:endParaRPr lang="en-CA" sz="3600" b="1" dirty="0" smtClean="0"/>
+          </a:p>
+          <a:p>
+            <a:pPr marL="0" indent="0">
+              <a:buNone/>
+            </a:pPr>
             <a:endParaRPr lang="en-CA" dirty="0"/>
           </a:p>
         </p:txBody>
@@ -3620,177 +3763,18 @@
           </a:xfrm>
         </p:spPr>
         <p:txBody>
-          <a:bodyPr/>
-          <a:lstStyle/>
-          <a:p>
-            <a:r>
-              <a:rPr lang="en-CA" dirty="0" smtClean="0"/>
-              <a:t>Screen shot</a:t>
-            </a:r>
-            <a:endParaRPr lang="en-CA" dirty="0"/>
-          </a:p>
-        </p:txBody>
-      </p:sp>
-    </p:spTree>
-    <p:extLst>
-      <p:ext uri="{BB962C8B-B14F-4D97-AF65-F5344CB8AC3E}">
-        <p14:creationId xmlns:p14="http://schemas.microsoft.com/office/powerpoint/2010/main" val="2680175932"/>
-      </p:ext>
-    </p:extLst>
-  </p:cSld>
-  <p:clrMapOvr>
-    <a:masterClrMapping/>
-  </p:clrMapOvr>
-</p:sld>
-</file>
-
-<file path=ppt/slides/slide13.xml><?xml version="1.0" encoding="utf-8"?>
-<p:sld xmlns:a="http://schemas.openxmlformats.org/drawingml/2006/main" xmlns:r="http://schemas.openxmlformats.org/officeDocument/2006/relationships" xmlns:p="http://schemas.openxmlformats.org/presentationml/2006/main">
-  <p:cSld>
-    <p:spTree>
-      <p:nvGrpSpPr>
-        <p:cNvPr id="1" name=""/>
-        <p:cNvGrpSpPr/>
-        <p:nvPr/>
-      </p:nvGrpSpPr>
-      <p:grpSpPr>
-        <a:xfrm>
-          <a:off x="0" y="0"/>
-          <a:ext cx="0" cy="0"/>
-          <a:chOff x="0" y="0"/>
-          <a:chExt cx="0" cy="0"/>
-        </a:xfrm>
-      </p:grpSpPr>
-      <p:sp>
-        <p:nvSpPr>
-          <p:cNvPr id="3" name="Content Placeholder 2"/>
-          <p:cNvSpPr>
-            <a:spLocks noGrp="1"/>
-          </p:cNvSpPr>
-          <p:nvPr>
-            <p:ph idx="1"/>
-          </p:nvPr>
-        </p:nvSpPr>
-        <p:spPr>
-          <a:xfrm>
-            <a:off x="457200" y="404664"/>
-            <a:ext cx="8229600" cy="5721499"/>
-          </a:xfrm>
-        </p:spPr>
-        <p:txBody>
-          <a:bodyPr/>
-          <a:lstStyle/>
-          <a:p>
-            <a:r>
-              <a:rPr lang="en-CA" dirty="0" smtClean="0"/>
-              <a:t>Screen shot</a:t>
-            </a:r>
-            <a:endParaRPr lang="en-CA" dirty="0"/>
-          </a:p>
-        </p:txBody>
-      </p:sp>
-    </p:spTree>
-    <p:extLst>
-      <p:ext uri="{BB962C8B-B14F-4D97-AF65-F5344CB8AC3E}">
-        <p14:creationId xmlns:p14="http://schemas.microsoft.com/office/powerpoint/2010/main" val="2680175932"/>
-      </p:ext>
-    </p:extLst>
-  </p:cSld>
-  <p:clrMapOvr>
-    <a:masterClrMapping/>
-  </p:clrMapOvr>
-</p:sld>
-</file>
-
-<file path=ppt/slides/slide14.xml><?xml version="1.0" encoding="utf-8"?>
-<p:sld xmlns:a="http://schemas.openxmlformats.org/drawingml/2006/main" xmlns:r="http://schemas.openxmlformats.org/officeDocument/2006/relationships" xmlns:p="http://schemas.openxmlformats.org/presentationml/2006/main">
-  <p:cSld>
-    <p:spTree>
-      <p:nvGrpSpPr>
-        <p:cNvPr id="1" name=""/>
-        <p:cNvGrpSpPr/>
-        <p:nvPr/>
-      </p:nvGrpSpPr>
-      <p:grpSpPr>
-        <a:xfrm>
-          <a:off x="0" y="0"/>
-          <a:ext cx="0" cy="0"/>
-          <a:chOff x="0" y="0"/>
-          <a:chExt cx="0" cy="0"/>
-        </a:xfrm>
-      </p:grpSpPr>
-      <p:sp>
-        <p:nvSpPr>
-          <p:cNvPr id="3" name="Content Placeholder 2"/>
-          <p:cNvSpPr>
-            <a:spLocks noGrp="1"/>
-          </p:cNvSpPr>
-          <p:nvPr>
-            <p:ph idx="1"/>
-          </p:nvPr>
-        </p:nvSpPr>
-        <p:spPr>
-          <a:xfrm>
-            <a:off x="899592" y="692697"/>
-            <a:ext cx="6840760" cy="5184576"/>
-          </a:xfrm>
-        </p:spPr>
-        <p:txBody>
           <a:bodyPr>
             <a:normAutofit/>
           </a:bodyPr>
           <a:lstStyle/>
           <a:p>
-            <a:pPr marL="0" indent="0">
+            <a:pPr marL="0" indent="0" algn="ctr">
               <a:buNone/>
             </a:pPr>
             <a:r>
-              <a:rPr lang="en-CA" sz="3900" b="1" dirty="0" smtClean="0"/>
-              <a:t>Future work</a:t>
-            </a:r>
-          </a:p>
-          <a:p>
-            <a:r>
-              <a:rPr lang="en-CA" sz="3400" dirty="0" smtClean="0"/>
-              <a:t>Live data</a:t>
-            </a:r>
-          </a:p>
-          <a:p>
-            <a:r>
-              <a:rPr lang="en-CA" sz="3400" dirty="0" smtClean="0"/>
-              <a:t>Trend Lines on Chart</a:t>
-            </a:r>
-          </a:p>
-          <a:p>
-            <a:r>
-              <a:rPr lang="en-CA" sz="3400" dirty="0" smtClean="0"/>
-              <a:t>Print</a:t>
-            </a:r>
-          </a:p>
-          <a:p>
-            <a:r>
-              <a:rPr lang="en-CA" sz="3400" dirty="0" smtClean="0"/>
-              <a:t>Layout design</a:t>
-            </a:r>
-          </a:p>
-          <a:p>
-            <a:r>
-              <a:rPr lang="en-CA" sz="3400" dirty="0" smtClean="0"/>
-              <a:t>Account</a:t>
-            </a:r>
-          </a:p>
-          <a:p>
-            <a:r>
-              <a:rPr lang="en-CA" sz="3400" dirty="0" smtClean="0"/>
-              <a:t>Position</a:t>
-            </a:r>
-          </a:p>
-          <a:p>
-            <a:r>
-              <a:rPr lang="en-CA" sz="3400" dirty="0" smtClean="0"/>
-              <a:t>Risk analyst</a:t>
-            </a:r>
-            <a:endParaRPr lang="en-CA" sz="3600" dirty="0" smtClean="0"/>
+              <a:rPr lang="en-CA" sz="3600" b="1" dirty="0" smtClean="0"/>
+              <a:t>Summary</a:t>
+            </a:r>
           </a:p>
           <a:p>
             <a:pPr marL="0" indent="0">
@@ -3799,78 +3783,23 @@
             <a:endParaRPr lang="en-CA" sz="3600" b="1" dirty="0" smtClean="0"/>
           </a:p>
           <a:p>
-            <a:pPr marL="0" indent="0">
-              <a:buNone/>
-            </a:pPr>
-            <a:endParaRPr lang="en-CA" dirty="0"/>
-          </a:p>
-        </p:txBody>
-      </p:sp>
-    </p:spTree>
-    <p:extLst>
-      <p:ext uri="{BB962C8B-B14F-4D97-AF65-F5344CB8AC3E}">
-        <p14:creationId xmlns:p14="http://schemas.microsoft.com/office/powerpoint/2010/main" val="2680175932"/>
-      </p:ext>
-    </p:extLst>
-  </p:cSld>
-  <p:clrMapOvr>
-    <a:masterClrMapping/>
-  </p:clrMapOvr>
-</p:sld>
-</file>
-
-<file path=ppt/slides/slide15.xml><?xml version="1.0" encoding="utf-8"?>
-<p:sld xmlns:a="http://schemas.openxmlformats.org/drawingml/2006/main" xmlns:r="http://schemas.openxmlformats.org/officeDocument/2006/relationships" xmlns:p="http://schemas.openxmlformats.org/presentationml/2006/main">
-  <p:cSld>
-    <p:spTree>
-      <p:nvGrpSpPr>
-        <p:cNvPr id="1" name=""/>
-        <p:cNvGrpSpPr/>
-        <p:nvPr/>
-      </p:nvGrpSpPr>
-      <p:grpSpPr>
-        <a:xfrm>
-          <a:off x="0" y="0"/>
-          <a:ext cx="0" cy="0"/>
-          <a:chOff x="0" y="0"/>
-          <a:chExt cx="0" cy="0"/>
-        </a:xfrm>
-      </p:grpSpPr>
-      <p:sp>
-        <p:nvSpPr>
-          <p:cNvPr id="3" name="Content Placeholder 2"/>
-          <p:cNvSpPr>
-            <a:spLocks noGrp="1"/>
-          </p:cNvSpPr>
-          <p:nvPr>
-            <p:ph idx="1"/>
-          </p:nvPr>
-        </p:nvSpPr>
-        <p:spPr>
-          <a:xfrm>
-            <a:off x="899592" y="764704"/>
-            <a:ext cx="7344816" cy="5184575"/>
-          </a:xfrm>
-        </p:spPr>
-        <p:txBody>
-          <a:bodyPr>
-            <a:normAutofit/>
-          </a:bodyPr>
-          <a:lstStyle/>
-          <a:p>
-            <a:pPr marL="0" indent="0">
-              <a:buNone/>
-            </a:pPr>
-            <a:r>
-              <a:rPr lang="en-CA" sz="3600" b="1" dirty="0" smtClean="0"/>
-              <a:t>Summary</a:t>
-            </a:r>
-          </a:p>
-          <a:p>
-            <a:pPr marL="0" indent="0">
-              <a:buNone/>
-            </a:pPr>
-            <a:endParaRPr lang="en-CA" sz="3600" b="1" dirty="0"/>
+            <a:r>
+              <a:rPr lang="en-CA" sz="2000" b="1" dirty="0" smtClean="0"/>
+              <a:t>Show candle like stock history chart (daily chart)</a:t>
+            </a:r>
+          </a:p>
+          <a:p>
+            <a:r>
+              <a:rPr lang="en-CA" sz="2000" b="1" dirty="0" smtClean="0"/>
+              <a:t>Make paper trade</a:t>
+            </a:r>
+          </a:p>
+          <a:p>
+            <a:r>
+              <a:rPr lang="en-CA" sz="2000" b="1" dirty="0" smtClean="0"/>
+              <a:t>Do investment portfolio management</a:t>
+            </a:r>
+            <a:endParaRPr lang="en-CA" sz="2000" b="1" dirty="0"/>
           </a:p>
           <a:p>
             <a:pPr marL="0" indent="0">
@@ -3922,27 +3851,37 @@
         </p:nvSpPr>
         <p:spPr>
           <a:xfrm>
-            <a:off x="899592" y="548681"/>
-            <a:ext cx="6984776" cy="4968552"/>
+            <a:off x="457200" y="404664"/>
+            <a:ext cx="8229600" cy="5721499"/>
           </a:xfrm>
         </p:spPr>
         <p:txBody>
           <a:bodyPr/>
           <a:lstStyle/>
           <a:p>
+            <a:pPr marL="0" indent="0" algn="ctr">
+              <a:buNone/>
+            </a:pPr>
+            <a:r>
+              <a:rPr lang="en-CA" sz="3600" b="1" dirty="0" smtClean="0"/>
+              <a:t>Background</a:t>
+            </a:r>
+          </a:p>
+          <a:p>
+            <a:pPr marL="0" indent="0" algn="ctr">
+              <a:buNone/>
+            </a:pPr>
+            <a:endParaRPr lang="en-CA" sz="3600" b="1" dirty="0" smtClean="0"/>
+          </a:p>
+          <a:p>
             <a:pPr marL="0" indent="0">
               <a:buNone/>
             </a:pPr>
             <a:r>
-              <a:rPr lang="en-CA" sz="3600" b="1" dirty="0" smtClean="0"/>
-              <a:t>Background:</a:t>
-            </a:r>
-          </a:p>
-          <a:p>
-            <a:pPr marL="0" indent="0">
-              <a:buNone/>
-            </a:pPr>
-            <a:endParaRPr lang="en-CA" sz="3600" b="1" dirty="0"/>
+              <a:rPr lang="en-CA" sz="2400" b="1" dirty="0" smtClean="0"/>
+              <a:t>The purpose is to provide to investor a tool for analysing the history of a stock price, make an informed decision of stock trade, and management his investment portfolio.</a:t>
+            </a:r>
+            <a:endParaRPr lang="en-CA" sz="2400" b="1" dirty="0"/>
           </a:p>
           <a:p>
             <a:pPr marL="0" indent="0">
@@ -4000,8 +3939,8 @@
         </p:nvSpPr>
         <p:spPr>
           <a:xfrm>
-            <a:off x="827584" y="620689"/>
-            <a:ext cx="7344816" cy="5328592"/>
+            <a:off x="457200" y="404664"/>
+            <a:ext cx="8229600" cy="5721499"/>
           </a:xfrm>
         </p:spPr>
         <p:txBody>
@@ -4090,22 +4029,21 @@
         </p:nvSpPr>
         <p:spPr>
           <a:xfrm>
-            <a:off x="1043608" y="620688"/>
-            <a:ext cx="6696744" cy="796950"/>
+            <a:off x="457200" y="274638"/>
+            <a:ext cx="8075240" cy="634082"/>
           </a:xfrm>
         </p:spPr>
         <p:txBody>
           <a:bodyPr>
-            <a:normAutofit/>
+            <a:normAutofit fontScale="90000"/>
           </a:bodyPr>
           <a:lstStyle/>
           <a:p>
-            <a:pPr algn="l"/>
-            <a:r>
-              <a:rPr lang="en-US" sz="3600" dirty="0" smtClean="0"/>
+            <a:r>
+              <a:rPr lang="en-US" sz="3600" b="1" dirty="0" smtClean="0"/>
               <a:t>GUI:</a:t>
             </a:r>
-            <a:endParaRPr lang="en-US" sz="3600" dirty="0"/>
+            <a:endParaRPr lang="en-US" sz="3600" b="1" dirty="0"/>
           </a:p>
         </p:txBody>
       </p:sp>
@@ -4127,8 +4065,8 @@
         </p:blipFill>
         <p:spPr>
           <a:xfrm>
-            <a:off x="1475656" y="2780928"/>
-            <a:ext cx="5881193" cy="3206626"/>
+            <a:off x="827584" y="2564904"/>
+            <a:ext cx="7201873" cy="3926706"/>
           </a:xfrm>
           <a:prstGeom prst="rect">
             <a:avLst/>
@@ -4177,8 +4115,8 @@
         </p:nvSpPr>
         <p:spPr>
           <a:xfrm>
-            <a:off x="683568" y="692697"/>
-            <a:ext cx="7488832" cy="5184576"/>
+            <a:off x="457200" y="404664"/>
+            <a:ext cx="8229600" cy="5721499"/>
           </a:xfrm>
         </p:spPr>
         <p:txBody>
@@ -4192,20 +4130,15 @@
             </a:pPr>
             <a:r>
               <a:rPr lang="en-CA" dirty="0" smtClean="0"/>
-              <a:t>Problem 1:  </a:t>
-            </a:r>
-          </a:p>
-          <a:p>
-            <a:pPr marL="0" indent="0">
-              <a:buNone/>
-            </a:pPr>
-            <a:r>
-              <a:rPr lang="en-CA" dirty="0"/>
-              <a:t> </a:t>
+              <a:t>Problem </a:t>
             </a:r>
             <a:r>
               <a:rPr lang="en-CA" dirty="0" smtClean="0"/>
-              <a:t>     Install new library, try </a:t>
+              <a:t>:     </a:t>
+            </a:r>
+            <a:r>
+              <a:rPr lang="en-CA" dirty="0" smtClean="0"/>
+              <a:t>Install new library, try </a:t>
             </a:r>
             <a:r>
               <a:rPr lang="en-CA" dirty="0" err="1" smtClean="0">
@@ -4345,8 +4278,8 @@
         </p:nvSpPr>
         <p:spPr>
           <a:xfrm>
-            <a:off x="827584" y="836713"/>
-            <a:ext cx="7128792" cy="5040560"/>
+            <a:off x="457200" y="404664"/>
+            <a:ext cx="8229600" cy="5721499"/>
           </a:xfrm>
         </p:spPr>
         <p:txBody>
@@ -4359,17 +4292,39 @@
               <a:buNone/>
             </a:pPr>
             <a:r>
+              <a:rPr lang="en-CA" sz="3600" dirty="0" smtClean="0"/>
+              <a:t>Problem 2: </a:t>
+            </a:r>
+          </a:p>
+          <a:p>
+            <a:pPr marL="0" indent="0">
+              <a:buNone/>
+            </a:pPr>
+            <a:r>
               <a:rPr lang="en-CA" dirty="0" smtClean="0"/>
-              <a:t>Problem 2: </a:t>
-            </a:r>
+              <a:t> </a:t>
+            </a:r>
+            <a:endParaRPr lang="en-CA" dirty="0" smtClean="0"/>
           </a:p>
           <a:p>
             <a:pPr marL="0" indent="0">
               <a:buNone/>
             </a:pPr>
             <a:r>
+              <a:rPr lang="en-CA" dirty="0"/>
+              <a:t> </a:t>
+            </a:r>
+            <a:r>
               <a:rPr lang="en-CA" dirty="0" smtClean="0"/>
-              <a:t> candle line, no rectangle in library</a:t>
+              <a:t>      </a:t>
+            </a:r>
+            <a:r>
+              <a:rPr lang="en-CA" dirty="0" smtClean="0"/>
+              <a:t>candle </a:t>
+            </a:r>
+            <a:r>
+              <a:rPr lang="en-CA" dirty="0" smtClean="0"/>
+              <a:t>line, no rectangle in library</a:t>
             </a:r>
           </a:p>
           <a:p>
@@ -4464,8 +4419,8 @@
         </p:nvSpPr>
         <p:spPr>
           <a:xfrm>
-            <a:off x="683568" y="692697"/>
-            <a:ext cx="7344816" cy="5328592"/>
+            <a:off x="457200" y="404664"/>
+            <a:ext cx="8229600" cy="5721499"/>
           </a:xfrm>
         </p:spPr>
         <p:txBody>
@@ -4477,26 +4432,23 @@
             </a:pPr>
             <a:r>
               <a:rPr lang="en-CA" dirty="0" smtClean="0"/>
-              <a:t>Problem 3: </a:t>
-            </a:r>
-          </a:p>
-          <a:p>
-            <a:pPr marL="0" indent="0">
-              <a:buNone/>
-            </a:pPr>
+              <a:t>Problem </a:t>
+            </a:r>
             <a:r>
               <a:rPr lang="en-CA" dirty="0" smtClean="0"/>
-              <a:t>    check quantity and cost by stock ticker </a:t>
-            </a:r>
-            <a:endParaRPr lang="en-CA" dirty="0"/>
-          </a:p>
-          <a:p>
-            <a:pPr marL="0" indent="0">
-              <a:buNone/>
-            </a:pPr>
+              <a:t>:  check </a:t>
+            </a:r>
             <a:r>
               <a:rPr lang="en-CA" dirty="0" smtClean="0"/>
-              <a:t>    write the right query without extra data.</a:t>
+              <a:t>quantity and cost by stock ticker </a:t>
+            </a:r>
+            <a:r>
+              <a:rPr lang="en-CA" dirty="0" smtClean="0"/>
+              <a:t>  </a:t>
+            </a:r>
+            <a:r>
+              <a:rPr lang="en-CA" dirty="0" smtClean="0"/>
+              <a:t>write the right query without extra data.</a:t>
             </a:r>
           </a:p>
           <a:p>
@@ -4511,7 +4463,15 @@
             </a:pPr>
             <a:r>
               <a:rPr lang="en-CA" dirty="0" smtClean="0"/>
-              <a:t>    Set action buy=1, sell=-1 , none = 0</a:t>
+              <a:t>    </a:t>
+            </a:r>
+            <a:r>
+              <a:rPr lang="en-CA" dirty="0" smtClean="0"/>
+              <a:t>1. Set </a:t>
+            </a:r>
+            <a:r>
+              <a:rPr lang="en-CA" dirty="0" smtClean="0"/>
+              <a:t>action buy=1, sell=-1 , none = 0</a:t>
             </a:r>
           </a:p>
         </p:txBody>
@@ -4526,6 +4486,13 @@
   <p:clrMapOvr>
     <a:masterClrMapping/>
   </p:clrMapOvr>
+  <p:timing>
+    <p:tnLst>
+      <p:par>
+        <p:cTn id="1" dur="indefinite" restart="never" nodeType="tmRoot"/>
+      </p:par>
+    </p:tnLst>
+  </p:timing>
 </p:sld>
 </file>
 
@@ -4558,8 +4525,8 @@
         </p:nvSpPr>
         <p:spPr>
           <a:xfrm>
-            <a:off x="755576" y="764705"/>
-            <a:ext cx="7344816" cy="5112568"/>
+            <a:off x="457200" y="404664"/>
+            <a:ext cx="8229600" cy="5721499"/>
           </a:xfrm>
         </p:spPr>
         <p:txBody>
@@ -4571,7 +4538,7 @@
             </a:pPr>
             <a:r>
               <a:rPr lang="en-CA" dirty="0" smtClean="0"/>
-              <a:t>Problem 4: </a:t>
+              <a:t>Problem: Get history data for stock and import to Azure database</a:t>
             </a:r>
           </a:p>
           <a:p>
@@ -4581,6 +4548,98 @@
             <a:r>
               <a:rPr lang="en-CA" dirty="0" smtClean="0"/>
               <a:t>    </a:t>
+            </a:r>
+          </a:p>
+          <a:p>
+            <a:pPr marL="457200" indent="-457200">
+              <a:buFont typeface="+mj-lt"/>
+              <a:buAutoNum type="arabicPeriod"/>
+            </a:pPr>
+            <a:r>
+              <a:rPr lang="en-US" sz="2000" dirty="0" smtClean="0"/>
+              <a:t>SP500 company as sample</a:t>
+            </a:r>
+          </a:p>
+          <a:p>
+            <a:pPr marL="457200" indent="-457200">
+              <a:buFont typeface="+mj-lt"/>
+              <a:buAutoNum type="arabicPeriod"/>
+            </a:pPr>
+            <a:r>
+              <a:rPr lang="en-US" sz="2000" dirty="0" smtClean="0"/>
+              <a:t>Daily data using </a:t>
+            </a:r>
+            <a:r>
+              <a:rPr lang="en-US" sz="2000" dirty="0" err="1" smtClean="0"/>
+              <a:t>webClient.DownloadFile</a:t>
+            </a:r>
+            <a:r>
+              <a:rPr lang="en-CA" sz="2000" dirty="0" smtClean="0"/>
+              <a:t>   </a:t>
+            </a:r>
+            <a:endParaRPr lang="en-CA" sz="2000" dirty="0" smtClean="0"/>
+          </a:p>
+          <a:p>
+            <a:pPr marL="0" indent="0">
+              <a:buNone/>
+            </a:pPr>
+            <a:r>
+              <a:rPr lang="en-US" sz="2000" dirty="0" smtClean="0"/>
+              <a:t>         http</a:t>
+            </a:r>
+            <a:r>
+              <a:rPr lang="en-US" sz="2000" dirty="0"/>
+              <a:t>://</a:t>
+            </a:r>
+            <a:r>
+              <a:rPr lang="en-US" sz="2000" dirty="0" smtClean="0"/>
+              <a:t>ichart.finance.yahoo.com</a:t>
+            </a:r>
+          </a:p>
+          <a:p>
+            <a:pPr marL="457200" indent="-457200">
+              <a:buFont typeface="+mj-lt"/>
+              <a:buAutoNum type="arabicPeriod" startAt="3"/>
+            </a:pPr>
+            <a:r>
+              <a:rPr lang="en-US" sz="2000" dirty="0" smtClean="0"/>
+              <a:t>Combine the 500 separate file into one file to fit the table structure</a:t>
+            </a:r>
+          </a:p>
+          <a:p>
+            <a:pPr marL="457200" indent="-457200">
+              <a:buFont typeface="+mj-lt"/>
+              <a:buAutoNum type="arabicPeriod" startAt="3"/>
+            </a:pPr>
+            <a:r>
+              <a:rPr lang="en-US" sz="2000" dirty="0" smtClean="0"/>
+              <a:t>Using import tool of MS </a:t>
+            </a:r>
+            <a:r>
+              <a:rPr lang="en-US" sz="2000" dirty="0" err="1" smtClean="0"/>
+              <a:t>Sql</a:t>
+            </a:r>
+            <a:r>
+              <a:rPr lang="en-US" sz="2000" dirty="0" smtClean="0"/>
+              <a:t> Server to Azure database</a:t>
+            </a:r>
+          </a:p>
+          <a:p>
+            <a:pPr lvl="1" indent="-342900">
+              <a:buAutoNum type="alphaUcPeriod"/>
+            </a:pPr>
+            <a:r>
+              <a:rPr lang="en-US" sz="1600" dirty="0" smtClean="0"/>
+              <a:t>Local import, script export, run script on Azure</a:t>
+            </a:r>
+          </a:p>
+          <a:p>
+            <a:pPr lvl="1" indent="-342900">
+              <a:buAutoNum type="alphaUcPeriod"/>
+            </a:pPr>
+            <a:r>
+              <a:rPr lang="en-US" sz="1600" dirty="0" smtClean="0"/>
+              <a:t>Direct</a:t>
             </a:r>
           </a:p>
         </p:txBody>
@@ -4595,6 +4654,13 @@
   <p:clrMapOvr>
     <a:masterClrMapping/>
   </p:clrMapOvr>
+  <p:timing>
+    <p:tnLst>
+      <p:par>
+        <p:cTn id="1" dur="indefinite" restart="never" nodeType="tmRoot"/>
+      </p:par>
+    </p:tnLst>
+  </p:timing>
 </p:sld>
 </file>
 
@@ -4627,19 +4693,81 @@
         </p:nvSpPr>
         <p:spPr>
           <a:xfrm>
-            <a:off x="755576" y="620689"/>
-            <a:ext cx="7560840" cy="5400600"/>
+            <a:off x="539552" y="620688"/>
+            <a:ext cx="8229600" cy="5721499"/>
           </a:xfrm>
         </p:spPr>
         <p:txBody>
           <a:bodyPr/>
           <a:lstStyle/>
           <a:p>
+            <a:pPr marL="0" indent="0">
+              <a:buNone/>
+            </a:pPr>
+            <a:r>
+              <a:rPr lang="en-CA" dirty="0"/>
+              <a:t>Problem: </a:t>
+            </a:r>
             <a:r>
               <a:rPr lang="en-CA" dirty="0" smtClean="0"/>
-              <a:t>Screen shot</a:t>
-            </a:r>
+              <a:t>Show the processed data from database in </a:t>
+            </a:r>
+            <a:r>
+              <a:rPr lang="en-CA" dirty="0" err="1" smtClean="0"/>
+              <a:t>datagrid</a:t>
+            </a:r>
+            <a:endParaRPr lang="en-CA" dirty="0" smtClean="0"/>
+          </a:p>
+          <a:p>
+            <a:pPr marL="0" indent="0">
+              <a:buNone/>
+            </a:pPr>
             <a:endParaRPr lang="en-CA" dirty="0"/>
+          </a:p>
+          <a:p>
+            <a:pPr marL="0" indent="0">
+              <a:buNone/>
+            </a:pPr>
+            <a:r>
+              <a:rPr lang="en-CA" sz="2000" dirty="0" smtClean="0"/>
+              <a:t>Create a separate class  and binding it to </a:t>
+            </a:r>
+            <a:r>
+              <a:rPr lang="en-CA" sz="2000" dirty="0" err="1" smtClean="0"/>
+              <a:t>datagrid</a:t>
+            </a:r>
+            <a:r>
+              <a:rPr lang="en-CA" sz="2000" dirty="0" smtClean="0"/>
+              <a:t> object</a:t>
+            </a:r>
+          </a:p>
+          <a:p>
+            <a:pPr marL="457200" indent="-457200">
+              <a:buAutoNum type="arabicPeriod"/>
+            </a:pPr>
+            <a:endParaRPr lang="en-CA" sz="2000" dirty="0"/>
+          </a:p>
+          <a:p>
+            <a:pPr marL="0" indent="0">
+              <a:buNone/>
+            </a:pPr>
+            <a:r>
+              <a:rPr lang="en-CA" sz="2400" dirty="0" smtClean="0"/>
+              <a:t> </a:t>
+            </a:r>
+            <a:endParaRPr lang="en-CA" sz="2400" dirty="0" smtClean="0"/>
+          </a:p>
+          <a:p>
+            <a:pPr marL="0" indent="0">
+              <a:buNone/>
+            </a:pPr>
+            <a:endParaRPr lang="en-CA" dirty="0"/>
+          </a:p>
+          <a:p>
+            <a:pPr marL="457200" indent="-457200">
+              <a:buAutoNum type="arabicPeriod"/>
+            </a:pPr>
+            <a:endParaRPr lang="en-CA" sz="2000" dirty="0"/>
           </a:p>
         </p:txBody>
       </p:sp>
@@ -4653,6 +4781,13 @@
   <p:clrMapOvr>
     <a:masterClrMapping/>
   </p:clrMapOvr>
+  <p:timing>
+    <p:tnLst>
+      <p:par>
+        <p:cTn id="1" dur="indefinite" restart="never" nodeType="tmRoot"/>
+      </p:par>
+    </p:tnLst>
+  </p:timing>
 </p:sld>
 </file>
 

--- a/Stock trade and analyst system.pptx
+++ b/Stock trade and analyst system.pptx
@@ -3143,7 +3143,7 @@
         </p:spPr>
         <p:txBody>
           <a:bodyPr>
-            <a:normAutofit/>
+            <a:normAutofit fontScale="90000"/>
           </a:bodyPr>
           <a:lstStyle/>
           <a:p>
@@ -3157,7 +3157,31 @@
                   </a:outerShdw>
                 </a:effectLst>
               </a:rPr>
-              <a:t>Stock trade and analyst system</a:t>
+              <a:t>Stock </a:t>
+            </a:r>
+            <a:r>
+              <a:rPr lang="en-CA" b="1" dirty="0" smtClean="0">
+                <a:effectLst>
+                  <a:outerShdw blurRad="38100" dist="38100" dir="2700000" algn="tl">
+                    <a:srgbClr val="000000">
+                      <a:alpha val="43137"/>
+                    </a:srgbClr>
+                  </a:outerShdw>
+                </a:effectLst>
+              </a:rPr>
+              <a:t>trade, analysis and portfolio management </a:t>
+            </a:r>
+            <a:r>
+              <a:rPr lang="en-CA" b="1" dirty="0">
+                <a:effectLst>
+                  <a:outerShdw blurRad="38100" dist="38100" dir="2700000" algn="tl">
+                    <a:srgbClr val="000000">
+                      <a:alpha val="43137"/>
+                    </a:srgbClr>
+                  </a:outerShdw>
+                </a:effectLst>
+              </a:rPr>
+              <a:t>system</a:t>
             </a:r>
             <a:r>
               <a:rPr lang="en-CA" dirty="0"/>
@@ -3429,21 +3453,18 @@
               <a:t>Stock </a:t>
             </a:r>
             <a:r>
-              <a:rPr lang="en-CA" sz="3600" dirty="0">
-                <a:solidFill>
-                  <a:schemeClr val="tx1"/>
-                </a:solidFill>
-              </a:rPr>
-              <a:t>trade and analyst </a:t>
-            </a:r>
-            <a:r>
               <a:rPr lang="en-CA" sz="3600" dirty="0" smtClean="0">
                 <a:solidFill>
                   <a:schemeClr val="tx1"/>
                 </a:solidFill>
               </a:rPr>
-              <a:t>simulator</a:t>
-            </a:r>
+              <a:t>trade, analyst simulator and portfolio management </a:t>
+            </a:r>
+            <a:endParaRPr lang="en-CA" sz="3600" dirty="0" smtClean="0">
+              <a:solidFill>
+                <a:schemeClr val="tx1"/>
+              </a:solidFill>
+            </a:endParaRPr>
           </a:p>
           <a:p>
             <a:r>
@@ -3452,8 +3473,13 @@
                   <a:schemeClr val="tx1"/>
                 </a:solidFill>
               </a:rPr>
-              <a:t>based on desktop  with windows OS. </a:t>
-            </a:r>
+              <a:t>For Windows desktop application </a:t>
+            </a:r>
+            <a:endParaRPr lang="en-CA" sz="3600" dirty="0" smtClean="0">
+              <a:solidFill>
+                <a:schemeClr val="tx1"/>
+              </a:solidFill>
+            </a:endParaRPr>
           </a:p>
         </p:txBody>
       </p:sp>
@@ -3737,7 +3763,7 @@
         </p:spPr>
         <p:txBody>
           <a:bodyPr>
-            <a:normAutofit/>
+            <a:normAutofit lnSpcReduction="10000"/>
           </a:bodyPr>
           <a:lstStyle/>
           <a:p>
@@ -3788,7 +3814,17 @@
           <a:p>
             <a:r>
               <a:rPr lang="en-CA" sz="3400" dirty="0" smtClean="0"/>
-              <a:t>Risk analyst</a:t>
+              <a:t>Risk </a:t>
+            </a:r>
+            <a:r>
+              <a:rPr lang="en-CA" sz="3400" dirty="0" smtClean="0"/>
+              <a:t>analyst</a:t>
+            </a:r>
+          </a:p>
+          <a:p>
+            <a:r>
+              <a:rPr lang="en-CA" sz="3400" dirty="0" smtClean="0"/>
+              <a:t>Delete portfolio and edit portfolio transaction data</a:t>
             </a:r>
             <a:endParaRPr lang="en-CA" sz="3600" dirty="0" smtClean="0"/>
           </a:p>
@@ -3858,7 +3894,7 @@
           </a:bodyPr>
           <a:lstStyle/>
           <a:p>
-            <a:pPr marL="0" indent="0">
+            <a:pPr marL="0" indent="0" algn="ctr">
               <a:buNone/>
             </a:pPr>
             <a:r>
@@ -3870,7 +3906,26 @@
             <a:pPr marL="0" indent="0">
               <a:buNone/>
             </a:pPr>
-            <a:endParaRPr lang="en-CA" sz="3600" b="1" dirty="0"/>
+            <a:endParaRPr lang="en-CA" sz="3600" b="1" dirty="0" smtClean="0"/>
+          </a:p>
+          <a:p>
+            <a:r>
+              <a:rPr lang="en-CA" sz="2000" b="1" dirty="0" smtClean="0"/>
+              <a:t>Show candle like stock history chart (daily chart)</a:t>
+            </a:r>
+          </a:p>
+          <a:p>
+            <a:r>
+              <a:rPr lang="en-CA" sz="2000" b="1" dirty="0" smtClean="0"/>
+              <a:t>Make paper trade</a:t>
+            </a:r>
+          </a:p>
+          <a:p>
+            <a:r>
+              <a:rPr lang="en-CA" sz="2000" b="1" dirty="0" smtClean="0"/>
+              <a:t>Do investment portfolio management</a:t>
+            </a:r>
+            <a:endParaRPr lang="en-CA" sz="2000" b="1" dirty="0"/>
           </a:p>
           <a:p>
             <a:pPr marL="0" indent="0">
@@ -3930,19 +3985,29 @@
           <a:bodyPr/>
           <a:lstStyle/>
           <a:p>
+            <a:pPr marL="0" indent="0" algn="ctr">
+              <a:buNone/>
+            </a:pPr>
+            <a:r>
+              <a:rPr lang="en-CA" sz="3600" b="1" dirty="0" smtClean="0"/>
+              <a:t>Background</a:t>
+            </a:r>
+          </a:p>
+          <a:p>
+            <a:pPr marL="0" indent="0" algn="ctr">
+              <a:buNone/>
+            </a:pPr>
+            <a:endParaRPr lang="en-CA" sz="3600" b="1" dirty="0" smtClean="0"/>
+          </a:p>
+          <a:p>
             <a:pPr marL="0" indent="0">
               <a:buNone/>
             </a:pPr>
             <a:r>
-              <a:rPr lang="en-CA" sz="3600" b="1" dirty="0" smtClean="0"/>
-              <a:t>Background:</a:t>
-            </a:r>
-          </a:p>
-          <a:p>
-            <a:pPr marL="0" indent="0">
-              <a:buNone/>
-            </a:pPr>
-            <a:endParaRPr lang="en-CA" sz="3600" b="1"/>
+              <a:rPr lang="en-CA" sz="2400" b="1" dirty="0" smtClean="0"/>
+              <a:t>The purpose is to provide to investor a tool for analysing the history of a stock price, make an informed decision of stock trade, and management his investment portfolio.</a:t>
+            </a:r>
+            <a:endParaRPr lang="en-CA" sz="2400" b="1" dirty="0"/>
           </a:p>
           <a:p>
             <a:pPr marL="0" indent="0">
@@ -4506,13 +4571,8 @@
             </a:pPr>
             <a:r>
               <a:rPr lang="en-CA" dirty="0" smtClean="0"/>
-              <a:t>    Set action buy=1, sell=-1 </a:t>
-            </a:r>
-            <a:r>
-              <a:rPr lang="en-CA" dirty="0" smtClean="0"/>
-              <a:t>, none = 0</a:t>
-            </a:r>
-            <a:endParaRPr lang="en-CA" dirty="0" smtClean="0"/>
+              <a:t>    Set action buy=1, sell=-1 , none = 0</a:t>
+            </a:r>
           </a:p>
         </p:txBody>
       </p:sp>
@@ -4571,18 +4631,130 @@
             </a:pPr>
             <a:r>
               <a:rPr lang="en-CA" dirty="0" smtClean="0"/>
-              <a:t>Problem 4: </a:t>
-            </a:r>
+              <a:t>Problem: Get history data for stock and import to Azure database</a:t>
+            </a:r>
+            <a:endParaRPr lang="en-CA" dirty="0" smtClean="0"/>
           </a:p>
           <a:p>
             <a:pPr marL="0" indent="0">
               <a:buNone/>
             </a:pPr>
             <a:r>
-              <a:rPr lang="en-CA" smtClean="0"/>
+              <a:rPr lang="en-CA" dirty="0" smtClean="0"/>
               <a:t>    </a:t>
             </a:r>
             <a:endParaRPr lang="en-CA" dirty="0" smtClean="0"/>
+          </a:p>
+          <a:p>
+            <a:pPr marL="457200" indent="-457200">
+              <a:buFont typeface="+mj-lt"/>
+              <a:buAutoNum type="arabicPeriod"/>
+            </a:pPr>
+            <a:r>
+              <a:rPr lang="en-US" sz="2000" dirty="0" smtClean="0"/>
+              <a:t>SP500 company as sample</a:t>
+            </a:r>
+          </a:p>
+          <a:p>
+            <a:pPr marL="457200" indent="-457200">
+              <a:buFont typeface="+mj-lt"/>
+              <a:buAutoNum type="arabicPeriod"/>
+            </a:pPr>
+            <a:r>
+              <a:rPr lang="en-US" sz="2000" dirty="0" smtClean="0"/>
+              <a:t>Daily data using </a:t>
+            </a:r>
+            <a:r>
+              <a:rPr lang="en-US" sz="2000" dirty="0" err="1" smtClean="0"/>
+              <a:t>webClient.DownloadFile</a:t>
+            </a:r>
+            <a:r>
+              <a:rPr lang="en-US" sz="2000" dirty="0" smtClean="0"/>
+              <a:t>(</a:t>
+            </a:r>
+            <a:r>
+              <a:rPr lang="en-US" sz="2000" dirty="0" err="1" smtClean="0"/>
+              <a:t>url</a:t>
+            </a:r>
+            <a:r>
+              <a:rPr lang="en-US" sz="2000" dirty="0" smtClean="0"/>
+              <a:t>, </a:t>
+            </a:r>
+            <a:r>
+              <a:rPr lang="en-US" sz="2000" dirty="0" err="1" smtClean="0"/>
+              <a:t>dayFile</a:t>
+            </a:r>
+            <a:r>
+              <a:rPr lang="en-US" sz="2000" dirty="0" smtClean="0"/>
+              <a:t>)</a:t>
+            </a:r>
+            <a:r>
+              <a:rPr lang="en-CA" sz="2000" dirty="0" smtClean="0"/>
+              <a:t> </a:t>
+            </a:r>
+          </a:p>
+          <a:p>
+            <a:pPr marL="0" indent="0">
+              <a:buNone/>
+            </a:pPr>
+            <a:r>
+              <a:rPr lang="en-CA" sz="2000" dirty="0" smtClean="0"/>
+              <a:t>from yahoo finance</a:t>
+            </a:r>
+            <a:r>
+              <a:rPr lang="en-US" sz="2000" dirty="0"/>
+              <a:t>http://</a:t>
+            </a:r>
+            <a:r>
+              <a:rPr lang="en-US" sz="2000" dirty="0" smtClean="0"/>
+              <a:t>ichart.finance.yahoo.com</a:t>
+            </a:r>
+          </a:p>
+          <a:p>
+            <a:pPr marL="457200" indent="-457200">
+              <a:buFont typeface="+mj-lt"/>
+              <a:buAutoNum type="arabicPeriod" startAt="3"/>
+            </a:pPr>
+            <a:r>
+              <a:rPr lang="en-US" sz="2000" dirty="0" smtClean="0"/>
+              <a:t>Combine the 500 separate file into one file to fit the table structure</a:t>
+            </a:r>
+          </a:p>
+          <a:p>
+            <a:pPr marL="457200" indent="-457200">
+              <a:buFont typeface="+mj-lt"/>
+              <a:buAutoNum type="arabicPeriod" startAt="3"/>
+            </a:pPr>
+            <a:r>
+              <a:rPr lang="en-US" sz="2000" dirty="0" smtClean="0"/>
+              <a:t>Using import tool of MS </a:t>
+            </a:r>
+            <a:r>
+              <a:rPr lang="en-US" sz="2000" dirty="0" err="1" smtClean="0"/>
+              <a:t>Sql</a:t>
+            </a:r>
+            <a:r>
+              <a:rPr lang="en-US" sz="2000" dirty="0" smtClean="0"/>
+              <a:t> Server to Azure database</a:t>
+            </a:r>
+          </a:p>
+          <a:p>
+            <a:pPr lvl="1" indent="-342900">
+              <a:buAutoNum type="alphaUcPeriod"/>
+            </a:pPr>
+            <a:r>
+              <a:rPr lang="en-US" sz="1600" dirty="0" smtClean="0"/>
+              <a:t>Local import, script export, run script on Azure</a:t>
+            </a:r>
+          </a:p>
+          <a:p>
+            <a:pPr lvl="1" indent="-342900">
+              <a:buAutoNum type="alphaUcPeriod"/>
+            </a:pPr>
+            <a:r>
+              <a:rPr lang="en-US" sz="1600" dirty="0" smtClean="0"/>
+              <a:t>Direct</a:t>
+            </a:r>
           </a:p>
         </p:txBody>
       </p:sp>
@@ -4628,7 +4800,7 @@
         </p:nvSpPr>
         <p:spPr>
           <a:xfrm>
-            <a:off x="457200" y="404664"/>
+            <a:off x="539552" y="620688"/>
             <a:ext cx="8229600" cy="5721499"/>
           </a:xfrm>
         </p:spPr>
@@ -4636,14 +4808,146 @@
           <a:bodyPr/>
           <a:lstStyle/>
           <a:p>
+            <a:pPr marL="0" indent="0">
+              <a:buNone/>
+            </a:pPr>
+            <a:r>
+              <a:rPr lang="en-CA" dirty="0"/>
+              <a:t>Problem: </a:t>
+            </a:r>
             <a:r>
               <a:rPr lang="en-CA" dirty="0" smtClean="0"/>
-              <a:t>Screen shot</a:t>
-            </a:r>
+              <a:t>Show the processed data from database in </a:t>
+            </a:r>
+            <a:r>
+              <a:rPr lang="en-CA" dirty="0" err="1" smtClean="0"/>
+              <a:t>datagrid</a:t>
+            </a:r>
+            <a:endParaRPr lang="en-CA" dirty="0" smtClean="0"/>
+          </a:p>
+          <a:p>
+            <a:pPr marL="0" indent="0">
+              <a:buNone/>
+            </a:pPr>
             <a:endParaRPr lang="en-CA" dirty="0"/>
           </a:p>
-        </p:txBody>
-      </p:sp>
+          <a:p>
+            <a:pPr marL="457200" indent="-457200">
+              <a:buAutoNum type="arabicPeriod"/>
+            </a:pPr>
+            <a:r>
+              <a:rPr lang="en-CA" sz="2000" dirty="0" smtClean="0"/>
+              <a:t>Create a separate class  and binding it to </a:t>
+            </a:r>
+            <a:r>
+              <a:rPr lang="en-CA" sz="2000" dirty="0" err="1" smtClean="0"/>
+              <a:t>datagrid</a:t>
+            </a:r>
+            <a:r>
+              <a:rPr lang="en-CA" sz="2000" dirty="0" smtClean="0"/>
+              <a:t> object</a:t>
+            </a:r>
+          </a:p>
+          <a:p>
+            <a:pPr marL="457200" indent="-457200">
+              <a:buAutoNum type="arabicPeriod"/>
+            </a:pPr>
+            <a:endParaRPr lang="en-CA" sz="2000" dirty="0"/>
+          </a:p>
+          <a:p>
+            <a:pPr marL="0" indent="0">
+              <a:buNone/>
+            </a:pPr>
+            <a:r>
+              <a:rPr lang="en-CA" dirty="0"/>
+              <a:t>Problem: </a:t>
+            </a:r>
+            <a:r>
+              <a:rPr lang="en-CA" dirty="0" smtClean="0"/>
+              <a:t>Read and Insert a non </a:t>
+            </a:r>
+            <a:r>
+              <a:rPr lang="en-CA" dirty="0" err="1" smtClean="0"/>
+              <a:t>nullable</a:t>
+            </a:r>
+            <a:r>
+              <a:rPr lang="en-CA" dirty="0" smtClean="0"/>
+              <a:t> data into database</a:t>
+            </a:r>
+          </a:p>
+          <a:p>
+            <a:pPr marL="514350" indent="-514350">
+              <a:buFont typeface="+mj-lt"/>
+              <a:buAutoNum type="arabicPeriod"/>
+            </a:pPr>
+            <a:r>
+              <a:rPr lang="en-CA" sz="2400" dirty="0"/>
+              <a:t> </a:t>
+            </a:r>
+            <a:endParaRPr lang="en-CA" sz="2400" dirty="0" smtClean="0"/>
+          </a:p>
+          <a:p>
+            <a:pPr marL="0" indent="0">
+              <a:buNone/>
+            </a:pPr>
+            <a:endParaRPr lang="en-CA" dirty="0"/>
+          </a:p>
+          <a:p>
+            <a:pPr marL="457200" indent="-457200">
+              <a:buAutoNum type="arabicPeriod"/>
+            </a:pPr>
+            <a:endParaRPr lang="en-CA" sz="2000" dirty="0"/>
+          </a:p>
+        </p:txBody>
+      </p:sp>
+      <p:pic>
+        <p:nvPicPr>
+          <p:cNvPr id="2" name="Picture 1"/>
+          <p:cNvPicPr>
+            <a:picLocks noChangeAspect="1"/>
+          </p:cNvPicPr>
+          <p:nvPr/>
+        </p:nvPicPr>
+        <p:blipFill>
+          <a:blip r:embed="rId2"/>
+          <a:stretch>
+            <a:fillRect/>
+          </a:stretch>
+        </p:blipFill>
+        <p:spPr>
+          <a:xfrm>
+            <a:off x="1187624" y="4077072"/>
+            <a:ext cx="4943475" cy="762000"/>
+          </a:xfrm>
+          <a:prstGeom prst="rect">
+            <a:avLst/>
+          </a:prstGeom>
+        </p:spPr>
+      </p:pic>
+      <p:pic>
+        <p:nvPicPr>
+          <p:cNvPr id="4" name="Picture 3"/>
+          <p:cNvPicPr>
+            <a:picLocks noChangeAspect="1"/>
+          </p:cNvPicPr>
+          <p:nvPr/>
+        </p:nvPicPr>
+        <p:blipFill>
+          <a:blip r:embed="rId3"/>
+          <a:stretch>
+            <a:fillRect/>
+          </a:stretch>
+        </p:blipFill>
+        <p:spPr>
+          <a:xfrm>
+            <a:off x="1187624" y="5047704"/>
+            <a:ext cx="4629150" cy="542925"/>
+          </a:xfrm>
+          <a:prstGeom prst="rect">
+            <a:avLst/>
+          </a:prstGeom>
+        </p:spPr>
+      </p:pic>
     </p:spTree>
     <p:extLst>
       <p:ext uri="{BB962C8B-B14F-4D97-AF65-F5344CB8AC3E}">

--- a/Stock trade and analyst system.pptx
+++ b/Stock trade and analyst system.pptx
@@ -15,8 +15,9 @@
     <p:sldId id="263" r:id="rId9"/>
     <p:sldId id="264" r:id="rId10"/>
     <p:sldId id="271" r:id="rId11"/>
-    <p:sldId id="269" r:id="rId12"/>
-    <p:sldId id="270" r:id="rId13"/>
+    <p:sldId id="272" r:id="rId12"/>
+    <p:sldId id="269" r:id="rId13"/>
+    <p:sldId id="270" r:id="rId14"/>
   </p:sldIdLst>
   <p:sldSz cx="9144000" cy="6858000" type="screen4x3"/>
   <p:notesSz cx="6858000" cy="9144000"/>
@@ -117,7 +118,7 @@
   </p:defaultTextStyle>
   <p:extLst>
     <p:ext uri="{EFAFB233-063F-42B5-8137-9DF3F51BA10A}">
-      <p15:sldGuideLst xmlns:p15="http://schemas.microsoft.com/office/powerpoint/2012/main">
+      <p15:sldGuideLst xmlns:p15="http://schemas.microsoft.com/office/powerpoint/2012/main" xmlns="">
         <p15:guide id="1" orient="horz" pos="2160">
           <p15:clr>
             <a:srgbClr val="A4A3A4"/>
@@ -3645,6 +3646,123 @@
         </p:nvSpPr>
         <p:spPr>
           <a:xfrm>
+            <a:off x="539552" y="620688"/>
+            <a:ext cx="8229600" cy="5721499"/>
+          </a:xfrm>
+        </p:spPr>
+        <p:txBody>
+          <a:bodyPr/>
+          <a:lstStyle/>
+          <a:p>
+            <a:pPr marL="0" indent="0">
+              <a:buNone/>
+            </a:pPr>
+            <a:r>
+              <a:rPr lang="en-CA" b="1" dirty="0" smtClean="0"/>
+              <a:t>What we learn</a:t>
+            </a:r>
+          </a:p>
+          <a:p>
+            <a:pPr marL="0" indent="0">
+              <a:buNone/>
+            </a:pPr>
+            <a:endParaRPr lang="en-CA" b="1" dirty="0" smtClean="0"/>
+          </a:p>
+          <a:p>
+            <a:r>
+              <a:rPr lang="en-CA" dirty="0"/>
+              <a:t>If database can do well for you, do not </a:t>
+            </a:r>
+            <a:r>
+              <a:rPr lang="en-CA" dirty="0" smtClean="0"/>
+              <a:t>code</a:t>
+            </a:r>
+          </a:p>
+          <a:p>
+            <a:r>
+              <a:rPr lang="en-CA" dirty="0" smtClean="0"/>
+              <a:t>Save all the action of database as query</a:t>
+            </a:r>
+          </a:p>
+          <a:p>
+            <a:endParaRPr lang="en-CA" i="1" dirty="0" smtClean="0"/>
+          </a:p>
+          <a:p>
+            <a:endParaRPr lang="en-CA" i="1" dirty="0"/>
+          </a:p>
+          <a:p>
+            <a:pPr marL="0" indent="0">
+              <a:buNone/>
+            </a:pPr>
+            <a:endParaRPr lang="en-CA" b="1" dirty="0" smtClean="0"/>
+          </a:p>
+          <a:p>
+            <a:pPr marL="0" indent="0">
+              <a:buNone/>
+            </a:pPr>
+            <a:endParaRPr lang="en-CA" b="1" dirty="0" smtClean="0"/>
+          </a:p>
+          <a:p>
+            <a:pPr marL="0" indent="0">
+              <a:buNone/>
+            </a:pPr>
+            <a:r>
+              <a:rPr lang="en-CA" sz="2400" dirty="0"/>
+              <a:t> </a:t>
+            </a:r>
+            <a:endParaRPr lang="en-CA" sz="2000" dirty="0"/>
+          </a:p>
+        </p:txBody>
+      </p:sp>
+    </p:spTree>
+    <p:extLst>
+      <p:ext uri="{BB962C8B-B14F-4D97-AF65-F5344CB8AC3E}">
+        <p14:creationId xmlns:p14="http://schemas.microsoft.com/office/powerpoint/2010/main" val="1590797358"/>
+      </p:ext>
+    </p:extLst>
+  </p:cSld>
+  <p:clrMapOvr>
+    <a:masterClrMapping/>
+  </p:clrMapOvr>
+  <p:timing>
+    <p:tnLst>
+      <p:par>
+        <p:cTn id="1" dur="indefinite" restart="never" nodeType="tmRoot"/>
+      </p:par>
+    </p:tnLst>
+  </p:timing>
+</p:sld>
+</file>
+
+<file path=ppt/slides/slide12.xml><?xml version="1.0" encoding="utf-8"?>
+<p:sld xmlns:a="http://schemas.openxmlformats.org/drawingml/2006/main" xmlns:r="http://schemas.openxmlformats.org/officeDocument/2006/relationships" xmlns:p="http://schemas.openxmlformats.org/presentationml/2006/main">
+  <p:cSld>
+    <p:spTree>
+      <p:nvGrpSpPr>
+        <p:cNvPr id="1" name=""/>
+        <p:cNvGrpSpPr/>
+        <p:nvPr/>
+      </p:nvGrpSpPr>
+      <p:grpSpPr>
+        <a:xfrm>
+          <a:off x="0" y="0"/>
+          <a:ext cx="0" cy="0"/>
+          <a:chOff x="0" y="0"/>
+          <a:chExt cx="0" cy="0"/>
+        </a:xfrm>
+      </p:grpSpPr>
+      <p:sp>
+        <p:nvSpPr>
+          <p:cNvPr id="3" name="Content Placeholder 2"/>
+          <p:cNvSpPr>
+            <a:spLocks noGrp="1"/>
+          </p:cNvSpPr>
+          <p:nvPr>
+            <p:ph idx="1"/>
+          </p:nvPr>
+        </p:nvSpPr>
+        <p:spPr>
+          <a:xfrm>
             <a:off x="457200" y="404664"/>
             <a:ext cx="8229600" cy="5721499"/>
           </a:xfrm>
@@ -3678,21 +3796,13 @@
           <a:p>
             <a:r>
               <a:rPr lang="en-CA" sz="3400" dirty="0" smtClean="0"/>
-              <a:t>Layout </a:t>
-            </a:r>
+              <a:t>Layout design</a:t>
+            </a:r>
+          </a:p>
+          <a:p>
             <a:r>
               <a:rPr lang="en-CA" sz="3400" dirty="0" smtClean="0"/>
-              <a:t>design</a:t>
-            </a:r>
-          </a:p>
-          <a:p>
-            <a:r>
-              <a:rPr lang="en-CA" sz="3400" dirty="0" smtClean="0"/>
-              <a:t>Risk </a:t>
-            </a:r>
-            <a:r>
-              <a:rPr lang="en-CA" sz="3400" dirty="0" smtClean="0"/>
-              <a:t>analyst</a:t>
+              <a:t>Risk analyst</a:t>
             </a:r>
           </a:p>
           <a:p>
@@ -3729,7 +3839,7 @@
 </p:sld>
 </file>
 
-<file path=ppt/slides/slide12.xml><?xml version="1.0" encoding="utf-8"?>
+<file path=ppt/slides/slide13.xml><?xml version="1.0" encoding="utf-8"?>
 <p:sld xmlns:a="http://schemas.openxmlformats.org/drawingml/2006/main" xmlns:r="http://schemas.openxmlformats.org/officeDocument/2006/relationships" xmlns:p="http://schemas.openxmlformats.org/presentationml/2006/main">
   <p:cSld>
     <p:spTree>
@@ -3856,7 +3966,9 @@
           </a:xfrm>
         </p:spPr>
         <p:txBody>
-          <a:bodyPr/>
+          <a:bodyPr>
+            <a:normAutofit lnSpcReduction="10000"/>
+          </a:bodyPr>
           <a:lstStyle/>
           <a:p>
             <a:pPr marL="0" indent="0" algn="ctr">
@@ -3868,20 +3980,106 @@
             </a:r>
           </a:p>
           <a:p>
-            <a:pPr marL="0" indent="0" algn="ctr">
+            <a:pPr marL="0" indent="0">
               <a:buNone/>
             </a:pPr>
-            <a:endParaRPr lang="en-CA" sz="3600" b="1" dirty="0" smtClean="0"/>
+            <a:r>
+              <a:rPr lang="en-CA" dirty="0" smtClean="0"/>
+              <a:t>People want to </a:t>
+            </a:r>
+          </a:p>
+          <a:p>
+            <a:r>
+              <a:rPr lang="en-CA" dirty="0" smtClean="0"/>
+              <a:t>practice </a:t>
+            </a:r>
+            <a:r>
+              <a:rPr lang="en-CA" dirty="0"/>
+              <a:t>trading stocks </a:t>
+            </a:r>
+            <a:endParaRPr lang="en-CA" dirty="0" smtClean="0"/>
+          </a:p>
+          <a:p>
+            <a:r>
+              <a:rPr lang="en-CA" dirty="0" smtClean="0"/>
+              <a:t>no </a:t>
+            </a:r>
+            <a:r>
+              <a:rPr lang="en-CA" dirty="0"/>
+              <a:t>financial </a:t>
+            </a:r>
+            <a:r>
+              <a:rPr lang="en-CA" dirty="0" smtClean="0"/>
+              <a:t>risk</a:t>
+            </a:r>
+          </a:p>
+          <a:p>
+            <a:r>
+              <a:rPr lang="en-CA" dirty="0"/>
+              <a:t>different investment strategies</a:t>
+            </a:r>
+            <a:r>
+              <a:rPr lang="en-CA" dirty="0" smtClean="0"/>
+              <a:t> </a:t>
+            </a:r>
           </a:p>
           <a:p>
             <a:pPr marL="0" indent="0">
               <a:buNone/>
             </a:pPr>
-            <a:r>
-              <a:rPr lang="en-CA" sz="2400" b="1" dirty="0" smtClean="0"/>
-              <a:t>The purpose is to provide to investor a tool for analysing the history of a stock price, make an informed decision of stock trade, and management his investment portfolio.</a:t>
-            </a:r>
-            <a:endParaRPr lang="en-CA" sz="2400" b="1" dirty="0"/>
+            <a:endParaRPr lang="en-CA" dirty="0" smtClean="0"/>
+          </a:p>
+          <a:p>
+            <a:pPr marL="0" indent="0">
+              <a:buNone/>
+            </a:pPr>
+            <a:r>
+              <a:rPr lang="en-CA" dirty="0" smtClean="0"/>
+              <a:t>The system can</a:t>
+            </a:r>
+          </a:p>
+          <a:p>
+            <a:r>
+              <a:rPr lang="en-CA" dirty="0" smtClean="0"/>
+              <a:t>Analyse the </a:t>
+            </a:r>
+            <a:r>
+              <a:rPr lang="en-CA" dirty="0" smtClean="0"/>
+              <a:t>history of a stock </a:t>
+            </a:r>
+            <a:r>
+              <a:rPr lang="en-CA" dirty="0" smtClean="0"/>
+              <a:t>price</a:t>
+            </a:r>
+          </a:p>
+          <a:p>
+            <a:r>
+              <a:rPr lang="en-CA" dirty="0" smtClean="0"/>
+              <a:t>Make </a:t>
+            </a:r>
+            <a:r>
+              <a:rPr lang="en-CA" dirty="0" smtClean="0"/>
+              <a:t>an informed decision of stock </a:t>
+            </a:r>
+            <a:r>
+              <a:rPr lang="en-CA" dirty="0" smtClean="0"/>
+              <a:t>trade</a:t>
+            </a:r>
+          </a:p>
+          <a:p>
+            <a:r>
+              <a:rPr lang="en-CA" dirty="0" smtClean="0"/>
+              <a:t>Manage the </a:t>
+            </a:r>
+            <a:r>
+              <a:rPr lang="en-CA" dirty="0" smtClean="0"/>
+              <a:t>investment </a:t>
+            </a:r>
+            <a:r>
+              <a:rPr lang="en-CA" dirty="0" smtClean="0"/>
+              <a:t>portfolio</a:t>
+            </a:r>
+            <a:endParaRPr lang="en-CA" dirty="0"/>
           </a:p>
           <a:p>
             <a:pPr marL="0" indent="0">
@@ -3947,13 +4145,14 @@
           <a:bodyPr/>
           <a:lstStyle/>
           <a:p>
-            <a:pPr marL="0" indent="0">
+            <a:pPr marL="0" indent="0" algn="ctr">
               <a:buNone/>
             </a:pPr>
             <a:r>
               <a:rPr lang="en-CA" sz="3600" b="1" dirty="0" smtClean="0"/>
-              <a:t>Overview:</a:t>
-            </a:r>
+              <a:t>Overview</a:t>
+            </a:r>
+            <a:endParaRPr lang="en-CA" sz="3600" b="1" dirty="0" smtClean="0"/>
           </a:p>
           <a:p>
             <a:pPr marL="0" indent="0">
@@ -3964,8 +4163,13 @@
           <a:p>
             <a:r>
               <a:rPr lang="en-CA" dirty="0" smtClean="0"/>
-              <a:t>Analyst Chart</a:t>
-            </a:r>
+              <a:t>Analyst </a:t>
+            </a:r>
+            <a:r>
+              <a:rPr lang="en-CA" dirty="0" smtClean="0"/>
+              <a:t>Chart </a:t>
+            </a:r>
+            <a:endParaRPr lang="en-CA" dirty="0" smtClean="0"/>
           </a:p>
           <a:p>
             <a:r>
@@ -4035,13 +4239,13 @@
         </p:spPr>
         <p:txBody>
           <a:bodyPr>
-            <a:normAutofit fontScale="90000"/>
+            <a:noAutofit/>
           </a:bodyPr>
           <a:lstStyle/>
           <a:p>
             <a:r>
               <a:rPr lang="en-US" sz="3600" b="1" dirty="0" smtClean="0"/>
-              <a:t>GUI:</a:t>
+              <a:t>GUI</a:t>
             </a:r>
             <a:endParaRPr lang="en-US" sz="3600" b="1" dirty="0"/>
           </a:p>
@@ -4073,6 +4277,49 @@
           </a:prstGeom>
         </p:spPr>
       </p:pic>
+      <p:sp>
+        <p:nvSpPr>
+          <p:cNvPr id="5" name="Title 3"/>
+          <p:cNvSpPr txBox="1">
+            <a:spLocks/>
+          </p:cNvSpPr>
+          <p:nvPr/>
+        </p:nvSpPr>
+        <p:spPr>
+          <a:xfrm>
+            <a:off x="467544" y="1061120"/>
+            <a:ext cx="8075240" cy="1287760"/>
+          </a:xfrm>
+          <a:prstGeom prst="rect">
+            <a:avLst/>
+          </a:prstGeom>
+        </p:spPr>
+        <p:txBody>
+          <a:bodyPr vert="horz" lIns="91440" tIns="45720" rIns="91440" bIns="45720" rtlCol="0" anchor="ctr">
+            <a:normAutofit fontScale="97500"/>
+          </a:bodyPr>
+          <a:lstStyle>
+            <a:lvl1pPr algn="ctr" defTabSz="914400" rtl="0" eaLnBrk="1" latinLnBrk="0" hangingPunct="1">
+              <a:spcBef>
+                <a:spcPct val="0"/>
+              </a:spcBef>
+              <a:buNone/>
+              <a:defRPr sz="4400" kern="1200">
+                <a:solidFill>
+                  <a:schemeClr val="tx1"/>
+                </a:solidFill>
+                <a:latin typeface="+mj-lt"/>
+                <a:ea typeface="+mj-ea"/>
+                <a:cs typeface="+mj-cs"/>
+              </a:defRPr>
+            </a:lvl1pPr>
+          </a:lstStyle>
+          <a:p>
+            <a:pPr algn="l"/>
+            <a:endParaRPr lang="en-US" sz="3200" dirty="0"/>
+          </a:p>
+        </p:txBody>
+      </p:sp>
     </p:spTree>
     <p:extLst>
       <p:ext uri="{BB962C8B-B14F-4D97-AF65-F5344CB8AC3E}">
@@ -4129,52 +4376,33 @@
               <a:buNone/>
             </a:pPr>
             <a:r>
-              <a:rPr lang="en-CA" dirty="0" smtClean="0"/>
+              <a:rPr lang="en-CA" b="1" dirty="0" smtClean="0"/>
               <a:t>Problem </a:t>
             </a:r>
             <a:r>
               <a:rPr lang="en-CA" dirty="0" smtClean="0"/>
-              <a:t>:     </a:t>
-            </a:r>
-            <a:r>
-              <a:rPr lang="en-CA" dirty="0" smtClean="0"/>
-              <a:t>Install new library, try </a:t>
-            </a:r>
-            <a:r>
-              <a:rPr lang="en-CA" dirty="0" err="1" smtClean="0">
-                <a:hlinkClick r:id="rId2"/>
-              </a:rPr>
-              <a:t>DynamicDataDisplay</a:t>
-            </a:r>
-            <a:r>
-              <a:rPr lang="en-CA" dirty="0" smtClean="0"/>
+              <a:t>:     Install new </a:t>
+            </a:r>
+            <a:r>
+              <a:rPr lang="en-CA" dirty="0" smtClean="0"/>
+              <a:t>library</a:t>
+            </a:r>
+          </a:p>
+          <a:p>
+            <a:pPr marL="0" indent="0">
+              <a:buNone/>
+            </a:pPr>
+            <a:r>
+              <a:rPr lang="en-CA" dirty="0" smtClean="0"/>
+              <a:t>Try Dynamic Data Display</a:t>
+            </a:r>
+            <a:r>
+              <a:rPr lang="en-CA" dirty="0"/>
               <a:t>, </a:t>
             </a:r>
             <a:r>
-              <a:rPr lang="en-CA" dirty="0" err="1" smtClean="0">
-                <a:hlinkClick r:id="rId3"/>
-              </a:rPr>
-              <a:t>Visifire</a:t>
-            </a:r>
-            <a:r>
-              <a:rPr lang="en-CA" dirty="0" smtClean="0"/>
-              <a:t>, </a:t>
-            </a:r>
-            <a:r>
-              <a:rPr lang="en-CA" dirty="0">
-                <a:hlinkClick r:id="rId4"/>
-              </a:rPr>
-              <a:t>WPF </a:t>
-            </a:r>
-            <a:r>
-              <a:rPr lang="en-CA" dirty="0" smtClean="0">
-                <a:hlinkClick r:id="rId4"/>
-              </a:rPr>
-              <a:t>Toolkit</a:t>
-            </a:r>
-            <a:r>
-              <a:rPr lang="en-CA" dirty="0" smtClean="0"/>
-              <a:t>, </a:t>
+              <a:rPr lang="en-CA" dirty="0" smtClean="0"/>
+              <a:t>WPF Toolkit,  </a:t>
             </a:r>
             <a:r>
               <a:rPr lang="en-CA" dirty="0" err="1"/>
@@ -4182,12 +4410,33 @@
             </a:r>
             <a:r>
               <a:rPr lang="en-CA" dirty="0"/>
-              <a:t> Toolkit </a:t>
-            </a:r>
-            <a:r>
-              <a:rPr lang="en-CA" dirty="0" smtClean="0"/>
-              <a:t>Plus.</a:t>
-            </a:r>
+              <a:t> </a:t>
+            </a:r>
+            <a:r>
+              <a:rPr lang="en-CA" dirty="0"/>
+              <a:t>Toolkit </a:t>
+            </a:r>
+            <a:r>
+              <a:rPr lang="en-CA" dirty="0" smtClean="0"/>
+              <a:t>Plus,</a:t>
+            </a:r>
+            <a:r>
+              <a:rPr lang="en-CA" dirty="0"/>
+              <a:t> </a:t>
+            </a:r>
+            <a:r>
+              <a:rPr lang="en-CA" dirty="0" err="1" smtClean="0"/>
+              <a:t>DevExpress</a:t>
+            </a:r>
+            <a:r>
+              <a:rPr lang="en-CA" dirty="0" smtClean="0"/>
+              <a:t> , </a:t>
+            </a:r>
+            <a:r>
+              <a:rPr lang="en-CA" dirty="0" err="1" smtClean="0"/>
+              <a:t>Telerik</a:t>
+            </a:r>
+            <a:endParaRPr lang="en-CA" dirty="0" smtClean="0"/>
           </a:p>
           <a:p>
             <a:pPr marL="0" indent="0">
@@ -4200,38 +4449,37 @@
               <a:buNone/>
             </a:pPr>
             <a:r>
-              <a:rPr lang="en-CA" dirty="0" smtClean="0"/>
-              <a:t>Set the </a:t>
-            </a:r>
-            <a:r>
-              <a:rPr lang="en-CA" dirty="0" err="1" smtClean="0"/>
+              <a:rPr lang="en-CA" b="1" dirty="0" err="1" smtClean="0"/>
               <a:t>oxyPlot</a:t>
             </a:r>
             <a:r>
-              <a:rPr lang="en-CA" dirty="0" smtClean="0"/>
-              <a:t> library which is 2D plot open code generation library </a:t>
-            </a:r>
-            <a:endParaRPr lang="en-CA" dirty="0"/>
-          </a:p>
-          <a:p>
-            <a:pPr marL="0" indent="0">
-              <a:buNone/>
-            </a:pPr>
-            <a:endParaRPr lang="en-CA" dirty="0" smtClean="0"/>
-          </a:p>
-          <a:p>
-            <a:pPr marL="0" indent="0">
-              <a:buNone/>
-            </a:pPr>
-            <a:r>
-              <a:rPr lang="en-CA" dirty="0" smtClean="0"/>
-              <a:t>     </a:t>
-            </a:r>
-          </a:p>
-          <a:p>
-            <a:pPr marL="0" indent="0">
-              <a:buNone/>
-            </a:pPr>
+              <a:rPr lang="en-CA" b="1" dirty="0" smtClean="0"/>
+              <a:t>:</a:t>
+            </a:r>
+            <a:r>
+              <a:rPr lang="en-CA" dirty="0" smtClean="0"/>
+              <a:t> </a:t>
+            </a:r>
+            <a:r>
+              <a:rPr lang="en-CA" dirty="0" smtClean="0"/>
+              <a:t>2D plot </a:t>
+            </a:r>
+            <a:r>
+              <a:rPr lang="en-CA" dirty="0" smtClean="0"/>
+              <a:t>model from MIT</a:t>
+            </a:r>
+          </a:p>
+          <a:p>
+            <a:r>
+              <a:rPr lang="en-CA" dirty="0" smtClean="0"/>
+              <a:t> always check the update version before   installation</a:t>
+            </a:r>
+          </a:p>
+          <a:p>
+            <a:r>
+              <a:rPr lang="en-CA" dirty="0" smtClean="0"/>
+              <a:t> check the key word in entire solution to remove unsuccessful installation</a:t>
+            </a:r>
             <a:endParaRPr lang="en-CA" sz="3600" dirty="0"/>
           </a:p>
         </p:txBody>
@@ -4278,8 +4526,8 @@
         </p:nvSpPr>
         <p:spPr>
           <a:xfrm>
-            <a:off x="457200" y="404664"/>
-            <a:ext cx="8229600" cy="5721499"/>
+            <a:off x="457200" y="404665"/>
+            <a:ext cx="8291264" cy="936103"/>
           </a:xfrm>
         </p:spPr>
         <p:txBody>
@@ -4292,87 +4540,276 @@
               <a:buNone/>
             </a:pPr>
             <a:r>
+              <a:rPr lang="en-CA" b="1" dirty="0" smtClean="0"/>
+              <a:t>Problem </a:t>
+            </a:r>
+            <a:r>
               <a:rPr lang="en-CA" sz="3600" dirty="0" smtClean="0"/>
-              <a:t>Problem 2: </a:t>
+              <a:t>: </a:t>
+            </a:r>
+            <a:r>
+              <a:rPr lang="en-CA" dirty="0" smtClean="0"/>
+              <a:t>  </a:t>
+            </a:r>
+            <a:r>
+              <a:rPr lang="en-CA" dirty="0" smtClean="0"/>
+              <a:t>candle </a:t>
+            </a:r>
+            <a:r>
+              <a:rPr lang="en-CA" dirty="0" smtClean="0"/>
+              <a:t>stick</a:t>
+            </a:r>
+            <a:r>
+              <a:rPr lang="en-CA" dirty="0" smtClean="0"/>
+              <a:t>, </a:t>
+            </a:r>
+            <a:r>
+              <a:rPr lang="en-CA" dirty="0" smtClean="0"/>
+              <a:t>no rectangle in library</a:t>
             </a:r>
           </a:p>
           <a:p>
             <a:pPr marL="0" indent="0">
               <a:buNone/>
             </a:pPr>
-            <a:r>
-              <a:rPr lang="en-CA" dirty="0" smtClean="0"/>
-              <a:t> </a:t>
-            </a:r>
-            <a:endParaRPr lang="en-CA" dirty="0" smtClean="0"/>
-          </a:p>
+            <a:endParaRPr lang="en-CA" dirty="0"/>
+          </a:p>
+        </p:txBody>
+      </p:sp>
+      <p:pic>
+        <p:nvPicPr>
+          <p:cNvPr id="2050" name="Picture 2"/>
+          <p:cNvPicPr>
+            <a:picLocks noChangeAspect="1" noChangeArrowheads="1"/>
+          </p:cNvPicPr>
+          <p:nvPr/>
+        </p:nvPicPr>
+        <p:blipFill>
+          <a:blip r:embed="rId2">
+            <a:extLst>
+              <a:ext uri="{28A0092B-C50C-407E-A947-70E740481C1C}">
+                <a14:useLocalDpi xmlns:a14="http://schemas.microsoft.com/office/drawing/2010/main" val="0"/>
+              </a:ext>
+            </a:extLst>
+          </a:blip>
+          <a:srcRect/>
+          <a:stretch>
+            <a:fillRect/>
+          </a:stretch>
+        </p:blipFill>
+        <p:spPr bwMode="auto">
+          <a:xfrm>
+            <a:off x="827584" y="2348880"/>
+            <a:ext cx="2895600" cy="2809875"/>
+          </a:xfrm>
+          <a:prstGeom prst="rect">
+            <a:avLst/>
+          </a:prstGeom>
+          <a:noFill/>
+          <a:ln>
+            <a:noFill/>
+          </a:ln>
+          <a:extLst>
+            <a:ext uri="{909E8E84-426E-40DD-AFC4-6F175D3DCCD1}">
+              <a14:hiddenFill xmlns:a14="http://schemas.microsoft.com/office/drawing/2010/main">
+                <a:solidFill>
+                  <a:schemeClr val="accent1"/>
+                </a:solidFill>
+              </a14:hiddenFill>
+            </a:ext>
+            <a:ext uri="{91240B29-F687-4F45-9708-019B960494DF}">
+              <a14:hiddenLine xmlns:a14="http://schemas.microsoft.com/office/drawing/2010/main" w="9525">
+                <a:solidFill>
+                  <a:schemeClr val="tx1"/>
+                </a:solidFill>
+                <a:miter lim="800000"/>
+                <a:headEnd/>
+                <a:tailEnd/>
+              </a14:hiddenLine>
+            </a:ext>
+          </a:extLst>
+        </p:spPr>
+      </p:pic>
+      <p:sp>
+        <p:nvSpPr>
+          <p:cNvPr id="5" name="Content Placeholder 2"/>
+          <p:cNvSpPr txBox="1">
+            <a:spLocks/>
+          </p:cNvSpPr>
+          <p:nvPr/>
+        </p:nvSpPr>
+        <p:spPr>
+          <a:xfrm>
+            <a:off x="3759098" y="2348880"/>
+            <a:ext cx="4845350" cy="2809875"/>
+          </a:xfrm>
+          <a:prstGeom prst="rect">
+            <a:avLst/>
+          </a:prstGeom>
+        </p:spPr>
+        <p:txBody>
+          <a:bodyPr vert="horz" lIns="91440" tIns="45720" rIns="91440" bIns="45720" rtlCol="0">
+            <a:normAutofit/>
+          </a:bodyPr>
+          <a:lstStyle>
+            <a:lvl1pPr marL="342900" indent="-342900" algn="l" defTabSz="914400" rtl="0" eaLnBrk="1" latinLnBrk="0" hangingPunct="1">
+              <a:spcBef>
+                <a:spcPct val="20000"/>
+              </a:spcBef>
+              <a:buFont typeface="Arial" panose="020B0604020202020204" pitchFamily="34" charset="0"/>
+              <a:buChar char="•"/>
+              <a:defRPr sz="3200" kern="1200">
+                <a:solidFill>
+                  <a:schemeClr val="tx1"/>
+                </a:solidFill>
+                <a:latin typeface="+mn-lt"/>
+                <a:ea typeface="+mn-ea"/>
+                <a:cs typeface="+mn-cs"/>
+              </a:defRPr>
+            </a:lvl1pPr>
+            <a:lvl2pPr marL="742950" indent="-285750" algn="l" defTabSz="914400" rtl="0" eaLnBrk="1" latinLnBrk="0" hangingPunct="1">
+              <a:spcBef>
+                <a:spcPct val="20000"/>
+              </a:spcBef>
+              <a:buFont typeface="Arial" panose="020B0604020202020204" pitchFamily="34" charset="0"/>
+              <a:buChar char="–"/>
+              <a:defRPr sz="2800" kern="1200">
+                <a:solidFill>
+                  <a:schemeClr val="tx1"/>
+                </a:solidFill>
+                <a:latin typeface="+mn-lt"/>
+                <a:ea typeface="+mn-ea"/>
+                <a:cs typeface="+mn-cs"/>
+              </a:defRPr>
+            </a:lvl2pPr>
+            <a:lvl3pPr marL="1143000" indent="-228600" algn="l" defTabSz="914400" rtl="0" eaLnBrk="1" latinLnBrk="0" hangingPunct="1">
+              <a:spcBef>
+                <a:spcPct val="20000"/>
+              </a:spcBef>
+              <a:buFont typeface="Arial" panose="020B0604020202020204" pitchFamily="34" charset="0"/>
+              <a:buChar char="•"/>
+              <a:defRPr sz="2400" kern="1200">
+                <a:solidFill>
+                  <a:schemeClr val="tx1"/>
+                </a:solidFill>
+                <a:latin typeface="+mn-lt"/>
+                <a:ea typeface="+mn-ea"/>
+                <a:cs typeface="+mn-cs"/>
+              </a:defRPr>
+            </a:lvl3pPr>
+            <a:lvl4pPr marL="1600200" indent="-228600" algn="l" defTabSz="914400" rtl="0" eaLnBrk="1" latinLnBrk="0" hangingPunct="1">
+              <a:spcBef>
+                <a:spcPct val="20000"/>
+              </a:spcBef>
+              <a:buFont typeface="Arial" panose="020B0604020202020204" pitchFamily="34" charset="0"/>
+              <a:buChar char="–"/>
+              <a:defRPr sz="2000" kern="1200">
+                <a:solidFill>
+                  <a:schemeClr val="tx1"/>
+                </a:solidFill>
+                <a:latin typeface="+mn-lt"/>
+                <a:ea typeface="+mn-ea"/>
+                <a:cs typeface="+mn-cs"/>
+              </a:defRPr>
+            </a:lvl4pPr>
+            <a:lvl5pPr marL="2057400" indent="-228600" algn="l" defTabSz="914400" rtl="0" eaLnBrk="1" latinLnBrk="0" hangingPunct="1">
+              <a:spcBef>
+                <a:spcPct val="20000"/>
+              </a:spcBef>
+              <a:buFont typeface="Arial" panose="020B0604020202020204" pitchFamily="34" charset="0"/>
+              <a:buChar char="»"/>
+              <a:defRPr sz="2000" kern="1200">
+                <a:solidFill>
+                  <a:schemeClr val="tx1"/>
+                </a:solidFill>
+                <a:latin typeface="+mn-lt"/>
+                <a:ea typeface="+mn-ea"/>
+                <a:cs typeface="+mn-cs"/>
+              </a:defRPr>
+            </a:lvl5pPr>
+            <a:lvl6pPr marL="2514600" indent="-228600" algn="l" defTabSz="914400" rtl="0" eaLnBrk="1" latinLnBrk="0" hangingPunct="1">
+              <a:spcBef>
+                <a:spcPct val="20000"/>
+              </a:spcBef>
+              <a:buFont typeface="Arial" panose="020B0604020202020204" pitchFamily="34" charset="0"/>
+              <a:buChar char="•"/>
+              <a:defRPr sz="2000" kern="1200">
+                <a:solidFill>
+                  <a:schemeClr val="tx1"/>
+                </a:solidFill>
+                <a:latin typeface="+mn-lt"/>
+                <a:ea typeface="+mn-ea"/>
+                <a:cs typeface="+mn-cs"/>
+              </a:defRPr>
+            </a:lvl6pPr>
+            <a:lvl7pPr marL="2971800" indent="-228600" algn="l" defTabSz="914400" rtl="0" eaLnBrk="1" latinLnBrk="0" hangingPunct="1">
+              <a:spcBef>
+                <a:spcPct val="20000"/>
+              </a:spcBef>
+              <a:buFont typeface="Arial" panose="020B0604020202020204" pitchFamily="34" charset="0"/>
+              <a:buChar char="•"/>
+              <a:defRPr sz="2000" kern="1200">
+                <a:solidFill>
+                  <a:schemeClr val="tx1"/>
+                </a:solidFill>
+                <a:latin typeface="+mn-lt"/>
+                <a:ea typeface="+mn-ea"/>
+                <a:cs typeface="+mn-cs"/>
+              </a:defRPr>
+            </a:lvl7pPr>
+            <a:lvl8pPr marL="3429000" indent="-228600" algn="l" defTabSz="914400" rtl="0" eaLnBrk="1" latinLnBrk="0" hangingPunct="1">
+              <a:spcBef>
+                <a:spcPct val="20000"/>
+              </a:spcBef>
+              <a:buFont typeface="Arial" panose="020B0604020202020204" pitchFamily="34" charset="0"/>
+              <a:buChar char="•"/>
+              <a:defRPr sz="2000" kern="1200">
+                <a:solidFill>
+                  <a:schemeClr val="tx1"/>
+                </a:solidFill>
+                <a:latin typeface="+mn-lt"/>
+                <a:ea typeface="+mn-ea"/>
+                <a:cs typeface="+mn-cs"/>
+              </a:defRPr>
+            </a:lvl8pPr>
+            <a:lvl9pPr marL="3886200" indent="-228600" algn="l" defTabSz="914400" rtl="0" eaLnBrk="1" latinLnBrk="0" hangingPunct="1">
+              <a:spcBef>
+                <a:spcPct val="20000"/>
+              </a:spcBef>
+              <a:buFont typeface="Arial" panose="020B0604020202020204" pitchFamily="34" charset="0"/>
+              <a:buChar char="•"/>
+              <a:defRPr sz="2000" kern="1200">
+                <a:solidFill>
+                  <a:schemeClr val="tx1"/>
+                </a:solidFill>
+                <a:latin typeface="+mn-lt"/>
+                <a:ea typeface="+mn-ea"/>
+                <a:cs typeface="+mn-cs"/>
+              </a:defRPr>
+            </a:lvl9pPr>
+          </a:lstStyle>
           <a:p>
             <a:pPr marL="0" indent="0">
-              <a:buNone/>
-            </a:pPr>
-            <a:r>
-              <a:rPr lang="en-CA" dirty="0"/>
-              <a:t> </a:t>
-            </a:r>
-            <a:r>
-              <a:rPr lang="en-CA" dirty="0" smtClean="0"/>
-              <a:t>      </a:t>
-            </a:r>
-            <a:r>
-              <a:rPr lang="en-CA" dirty="0" smtClean="0"/>
-              <a:t>candle </a:t>
-            </a:r>
-            <a:r>
-              <a:rPr lang="en-CA" dirty="0" smtClean="0"/>
-              <a:t>line, no rectangle in library</a:t>
-            </a:r>
-          </a:p>
-          <a:p>
-            <a:pPr marL="0" indent="0">
-              <a:buNone/>
-            </a:pPr>
-            <a:r>
-              <a:rPr lang="en-CA" dirty="0" smtClean="0"/>
-              <a:t>        ( </a:t>
-            </a:r>
-            <a:r>
-              <a:rPr lang="en-CA" dirty="0" err="1" smtClean="0"/>
-              <a:t>oxyPlot</a:t>
-            </a:r>
-            <a:r>
-              <a:rPr lang="en-CA" dirty="0" smtClean="0"/>
-              <a:t>: 2D plot generation library )</a:t>
-            </a:r>
-          </a:p>
-          <a:p>
-            <a:pPr marL="0" indent="0">
+              <a:buFont typeface="Arial" panose="020B0604020202020204" pitchFamily="34" charset="0"/>
               <a:buNone/>
             </a:pPr>
             <a:endParaRPr lang="en-CA" dirty="0" smtClean="0"/>
           </a:p>
           <a:p>
             <a:pPr marL="0" indent="0">
+              <a:buFont typeface="Arial" panose="020B0604020202020204" pitchFamily="34" charset="0"/>
               <a:buNone/>
             </a:pPr>
-            <a:endParaRPr lang="en-CA" dirty="0" smtClean="0"/>
+            <a:r>
+              <a:rPr lang="en-CA" dirty="0" smtClean="0"/>
+              <a:t>Price calculation to generate 10 point with line connection </a:t>
+            </a:r>
           </a:p>
           <a:p>
             <a:pPr marL="0" indent="0">
+              <a:buFont typeface="Arial" panose="020B0604020202020204" pitchFamily="34" charset="0"/>
               <a:buNone/>
             </a:pPr>
-            <a:r>
-              <a:rPr lang="en-CA" dirty="0" smtClean="0"/>
-              <a:t>      draw by myself with price calculation</a:t>
-            </a:r>
-          </a:p>
-          <a:p>
-            <a:pPr marL="0" indent="0">
-              <a:buNone/>
-            </a:pPr>
-            <a:r>
-              <a:rPr lang="en-CA" dirty="0" smtClean="0"/>
-              <a:t> </a:t>
-            </a:r>
             <a:endParaRPr lang="en-CA" dirty="0"/>
           </a:p>
         </p:txBody>
@@ -4431,30 +4868,50 @@
               <a:buNone/>
             </a:pPr>
             <a:r>
-              <a:rPr lang="en-CA" dirty="0" smtClean="0"/>
-              <a:t>Problem </a:t>
-            </a:r>
-            <a:r>
-              <a:rPr lang="en-CA" dirty="0" smtClean="0"/>
-              <a:t>:  check </a:t>
-            </a:r>
-            <a:r>
-              <a:rPr lang="en-CA" dirty="0" smtClean="0"/>
-              <a:t>quantity and cost by stock ticker </a:t>
-            </a:r>
-            <a:r>
-              <a:rPr lang="en-CA" dirty="0" smtClean="0"/>
-              <a:t>  </a:t>
-            </a:r>
-            <a:r>
-              <a:rPr lang="en-CA" dirty="0" smtClean="0"/>
-              <a:t>write the right query without extra data.</a:t>
+              <a:rPr lang="en-CA" b="1" dirty="0" smtClean="0"/>
+              <a:t>Problem</a:t>
+            </a:r>
+            <a:r>
+              <a:rPr lang="en-CA" dirty="0" smtClean="0"/>
+              <a:t> : </a:t>
+            </a:r>
+            <a:r>
+              <a:rPr lang="en-CA" dirty="0" smtClean="0"/>
+              <a:t>Q</a:t>
+            </a:r>
+            <a:r>
+              <a:rPr lang="en-CA" dirty="0" smtClean="0"/>
+              <a:t>uery to get </a:t>
+            </a:r>
+            <a:r>
+              <a:rPr lang="en-CA" dirty="0" smtClean="0"/>
+              <a:t>quantity and </a:t>
+            </a:r>
+            <a:r>
+              <a:rPr lang="en-CA" dirty="0" smtClean="0"/>
+              <a:t>current value </a:t>
+            </a:r>
+            <a:r>
+              <a:rPr lang="en-CA" dirty="0" smtClean="0"/>
+              <a:t>by stock ticker </a:t>
+            </a:r>
+            <a:r>
+              <a:rPr lang="en-CA" dirty="0" smtClean="0"/>
+              <a:t>without </a:t>
+            </a:r>
+            <a:r>
+              <a:rPr lang="en-CA" dirty="0" smtClean="0"/>
+              <a:t>extra data.</a:t>
             </a:r>
           </a:p>
           <a:p>
             <a:pPr marL="0" indent="0">
               <a:buNone/>
             </a:pPr>
+            <a:r>
+              <a:rPr lang="en-CA" dirty="0" smtClean="0"/>
+              <a:t>  wrong: Set buy=true, sell=false</a:t>
+            </a:r>
             <a:endParaRPr lang="en-CA" dirty="0" smtClean="0"/>
           </a:p>
           <a:p>
@@ -4463,19 +4920,114 @@
             </a:pPr>
             <a:r>
               <a:rPr lang="en-CA" dirty="0" smtClean="0"/>
-              <a:t>    </a:t>
-            </a:r>
-            <a:r>
-              <a:rPr lang="en-CA" dirty="0" smtClean="0"/>
-              <a:t>1. Set </a:t>
-            </a:r>
-            <a:r>
-              <a:rPr lang="en-CA" dirty="0" smtClean="0"/>
-              <a:t>action buy=1, sell=-1 , none = 0</a:t>
-            </a:r>
-          </a:p>
-        </p:txBody>
-      </p:sp>
+              <a:t>  right:    Set </a:t>
+            </a:r>
+            <a:r>
+              <a:rPr lang="en-CA" dirty="0" smtClean="0"/>
+              <a:t>action </a:t>
+            </a:r>
+            <a:r>
+              <a:rPr lang="en-CA" dirty="0" smtClean="0"/>
+              <a:t>buy = 1</a:t>
+            </a:r>
+            <a:r>
+              <a:rPr lang="en-CA" dirty="0" smtClean="0"/>
+              <a:t>, </a:t>
+            </a:r>
+            <a:r>
+              <a:rPr lang="en-CA" dirty="0" smtClean="0"/>
+              <a:t>sell = -</a:t>
+            </a:r>
+            <a:r>
+              <a:rPr lang="en-CA" dirty="0" smtClean="0"/>
+              <a:t>1 , </a:t>
+            </a:r>
+            <a:r>
+              <a:rPr lang="en-CA" dirty="0" smtClean="0"/>
+              <a:t> </a:t>
+            </a:r>
+          </a:p>
+          <a:p>
+            <a:pPr marL="0" indent="0">
+              <a:buNone/>
+            </a:pPr>
+            <a:r>
+              <a:rPr lang="en-CA" dirty="0"/>
+              <a:t> </a:t>
+            </a:r>
+            <a:r>
+              <a:rPr lang="en-CA" dirty="0" smtClean="0"/>
+              <a:t>               </a:t>
+            </a:r>
+            <a:r>
+              <a:rPr lang="en-CA" dirty="0" smtClean="0"/>
+              <a:t>none(hold) </a:t>
+            </a:r>
+            <a:r>
+              <a:rPr lang="en-CA" dirty="0" smtClean="0"/>
+              <a:t>= </a:t>
+            </a:r>
+            <a:r>
+              <a:rPr lang="en-CA" dirty="0" smtClean="0"/>
+              <a:t>0</a:t>
+            </a:r>
+          </a:p>
+        </p:txBody>
+      </p:sp>
+      <p:pic>
+        <p:nvPicPr>
+          <p:cNvPr id="1027" name="Picture 3"/>
+          <p:cNvPicPr>
+            <a:picLocks noChangeAspect="1" noChangeArrowheads="1"/>
+          </p:cNvPicPr>
+          <p:nvPr/>
+        </p:nvPicPr>
+        <p:blipFill>
+          <a:blip r:embed="rId2">
+            <a:extLst>
+              <a:ext uri="{28A0092B-C50C-407E-A947-70E740481C1C}">
+                <a14:useLocalDpi xmlns:a14="http://schemas.microsoft.com/office/drawing/2010/main" val="0"/>
+              </a:ext>
+            </a:extLst>
+          </a:blip>
+          <a:srcRect/>
+          <a:stretch>
+            <a:fillRect/>
+          </a:stretch>
+        </p:blipFill>
+        <p:spPr bwMode="auto">
+          <a:xfrm>
+            <a:off x="827584" y="4365104"/>
+            <a:ext cx="6969043" cy="1585143"/>
+          </a:xfrm>
+          <a:prstGeom prst="rect">
+            <a:avLst/>
+          </a:prstGeom>
+          <a:noFill/>
+          <a:ln>
+            <a:noFill/>
+          </a:ln>
+          <a:extLst>
+            <a:ext uri="{909E8E84-426E-40DD-AFC4-6F175D3DCCD1}">
+              <a14:hiddenFill xmlns:a14="http://schemas.microsoft.com/office/drawing/2010/main">
+                <a:solidFill>
+                  <a:schemeClr val="accent1"/>
+                </a:solidFill>
+              </a14:hiddenFill>
+            </a:ext>
+            <a:ext uri="{91240B29-F687-4F45-9708-019B960494DF}">
+              <a14:hiddenLine xmlns:a14="http://schemas.microsoft.com/office/drawing/2010/main" w="9525">
+                <a:solidFill>
+                  <a:schemeClr val="tx1"/>
+                </a:solidFill>
+                <a:miter lim="800000"/>
+                <a:headEnd/>
+                <a:tailEnd/>
+              </a14:hiddenLine>
+            </a:ext>
+          </a:extLst>
+        </p:spPr>
+      </p:pic>
     </p:spTree>
     <p:extLst>
       <p:ext uri="{BB962C8B-B14F-4D97-AF65-F5344CB8AC3E}">
@@ -4577,7 +5129,6 @@
               <a:rPr lang="en-CA" sz="2000" dirty="0" smtClean="0"/>
               <a:t>   </a:t>
             </a:r>
-            <a:endParaRPr lang="en-CA" sz="2000" dirty="0" smtClean="0"/>
           </a:p>
           <a:p>
             <a:pPr marL="0" indent="0">
@@ -4755,7 +5306,6 @@
               <a:rPr lang="en-CA" sz="2400" dirty="0" smtClean="0"/>
               <a:t> </a:t>
             </a:r>
-            <a:endParaRPr lang="en-CA" sz="2400" dirty="0" smtClean="0"/>
           </a:p>
           <a:p>
             <a:pPr marL="0" indent="0">

--- a/Stock trade and analyst system.pptx
+++ b/Stock trade and analyst system.pptx
@@ -118,7 +118,7 @@
   </p:defaultTextStyle>
   <p:extLst>
     <p:ext uri="{EFAFB233-063F-42B5-8137-9DF3F51BA10A}">
-      <p15:sldGuideLst xmlns:p15="http://schemas.microsoft.com/office/powerpoint/2012/main" xmlns="">
+      <p15:sldGuideLst xmlns="" xmlns:p15="http://schemas.microsoft.com/office/powerpoint/2012/main">
         <p15:guide id="1" orient="horz" pos="2160">
           <p15:clr>
             <a:srgbClr val="A4A3A4"/>
@@ -316,7 +316,7 @@
           <a:p>
             <a:fld id="{503109C6-363A-48D5-B39C-EBA1940FCB8F}" type="datetimeFigureOut">
               <a:rPr lang="en-CA" smtClean="0"/>
-              <a:t>15/09/2016</a:t>
+              <a:t>16/09/2016</a:t>
             </a:fld>
             <a:endParaRPr lang="en-CA"/>
           </a:p>
@@ -486,7 +486,7 @@
           <a:p>
             <a:fld id="{503109C6-363A-48D5-B39C-EBA1940FCB8F}" type="datetimeFigureOut">
               <a:rPr lang="en-CA" smtClean="0"/>
-              <a:t>15/09/2016</a:t>
+              <a:t>16/09/2016</a:t>
             </a:fld>
             <a:endParaRPr lang="en-CA"/>
           </a:p>
@@ -666,7 +666,7 @@
           <a:p>
             <a:fld id="{503109C6-363A-48D5-B39C-EBA1940FCB8F}" type="datetimeFigureOut">
               <a:rPr lang="en-CA" smtClean="0"/>
-              <a:t>15/09/2016</a:t>
+              <a:t>16/09/2016</a:t>
             </a:fld>
             <a:endParaRPr lang="en-CA"/>
           </a:p>
@@ -836,7 +836,7 @@
           <a:p>
             <a:fld id="{503109C6-363A-48D5-B39C-EBA1940FCB8F}" type="datetimeFigureOut">
               <a:rPr lang="en-CA" smtClean="0"/>
-              <a:t>15/09/2016</a:t>
+              <a:t>16/09/2016</a:t>
             </a:fld>
             <a:endParaRPr lang="en-CA"/>
           </a:p>
@@ -1082,7 +1082,7 @@
           <a:p>
             <a:fld id="{503109C6-363A-48D5-B39C-EBA1940FCB8F}" type="datetimeFigureOut">
               <a:rPr lang="en-CA" smtClean="0"/>
-              <a:t>15/09/2016</a:t>
+              <a:t>16/09/2016</a:t>
             </a:fld>
             <a:endParaRPr lang="en-CA"/>
           </a:p>
@@ -1370,7 +1370,7 @@
           <a:p>
             <a:fld id="{503109C6-363A-48D5-B39C-EBA1940FCB8F}" type="datetimeFigureOut">
               <a:rPr lang="en-CA" smtClean="0"/>
-              <a:t>15/09/2016</a:t>
+              <a:t>16/09/2016</a:t>
             </a:fld>
             <a:endParaRPr lang="en-CA"/>
           </a:p>
@@ -1792,7 +1792,7 @@
           <a:p>
             <a:fld id="{503109C6-363A-48D5-B39C-EBA1940FCB8F}" type="datetimeFigureOut">
               <a:rPr lang="en-CA" smtClean="0"/>
-              <a:t>15/09/2016</a:t>
+              <a:t>16/09/2016</a:t>
             </a:fld>
             <a:endParaRPr lang="en-CA"/>
           </a:p>
@@ -1910,7 +1910,7 @@
           <a:p>
             <a:fld id="{503109C6-363A-48D5-B39C-EBA1940FCB8F}" type="datetimeFigureOut">
               <a:rPr lang="en-CA" smtClean="0"/>
-              <a:t>15/09/2016</a:t>
+              <a:t>16/09/2016</a:t>
             </a:fld>
             <a:endParaRPr lang="en-CA"/>
           </a:p>
@@ -2005,7 +2005,7 @@
           <a:p>
             <a:fld id="{503109C6-363A-48D5-B39C-EBA1940FCB8F}" type="datetimeFigureOut">
               <a:rPr lang="en-CA" smtClean="0"/>
-              <a:t>15/09/2016</a:t>
+              <a:t>16/09/2016</a:t>
             </a:fld>
             <a:endParaRPr lang="en-CA"/>
           </a:p>
@@ -2282,7 +2282,7 @@
           <a:p>
             <a:fld id="{503109C6-363A-48D5-B39C-EBA1940FCB8F}" type="datetimeFigureOut">
               <a:rPr lang="en-CA" smtClean="0"/>
-              <a:t>15/09/2016</a:t>
+              <a:t>16/09/2016</a:t>
             </a:fld>
             <a:endParaRPr lang="en-CA"/>
           </a:p>
@@ -2535,7 +2535,7 @@
           <a:p>
             <a:fld id="{503109C6-363A-48D5-B39C-EBA1940FCB8F}" type="datetimeFigureOut">
               <a:rPr lang="en-CA" smtClean="0"/>
-              <a:t>15/09/2016</a:t>
+              <a:t>16/09/2016</a:t>
             </a:fld>
             <a:endParaRPr lang="en-CA"/>
           </a:p>
@@ -2748,7 +2748,7 @@
           <a:p>
             <a:fld id="{503109C6-363A-48D5-B39C-EBA1940FCB8F}" type="datetimeFigureOut">
               <a:rPr lang="en-CA" smtClean="0"/>
-              <a:t>15/09/2016</a:t>
+              <a:t>16/09/2016</a:t>
             </a:fld>
             <a:endParaRPr lang="en-CA"/>
           </a:p>
@@ -3985,7 +3985,11 @@
             </a:pPr>
             <a:r>
               <a:rPr lang="en-CA" dirty="0" smtClean="0"/>
-              <a:t>People want to </a:t>
+              <a:t>Investors </a:t>
+            </a:r>
+            <a:r>
+              <a:rPr lang="en-CA" dirty="0" smtClean="0"/>
+              <a:t>want to </a:t>
             </a:r>
           </a:p>
           <a:p>
@@ -4041,43 +4045,19 @@
           <a:p>
             <a:r>
               <a:rPr lang="en-CA" dirty="0" smtClean="0"/>
-              <a:t>Analyse the </a:t>
-            </a:r>
+              <a:t>Analyse the history of a stock price</a:t>
+            </a:r>
+          </a:p>
+          <a:p>
             <a:r>
               <a:rPr lang="en-CA" dirty="0" smtClean="0"/>
-              <a:t>history of a stock </a:t>
-            </a:r>
+              <a:t>Make an informed decision of stock trade</a:t>
+            </a:r>
+          </a:p>
+          <a:p>
             <a:r>
               <a:rPr lang="en-CA" dirty="0" smtClean="0"/>
-              <a:t>price</a:t>
-            </a:r>
-          </a:p>
-          <a:p>
-            <a:r>
-              <a:rPr lang="en-CA" dirty="0" smtClean="0"/>
-              <a:t>Make </a:t>
-            </a:r>
-            <a:r>
-              <a:rPr lang="en-CA" dirty="0" smtClean="0"/>
-              <a:t>an informed decision of stock </a:t>
-            </a:r>
-            <a:r>
-              <a:rPr lang="en-CA" dirty="0" smtClean="0"/>
-              <a:t>trade</a:t>
-            </a:r>
-          </a:p>
-          <a:p>
-            <a:r>
-              <a:rPr lang="en-CA" dirty="0" smtClean="0"/>
-              <a:t>Manage the </a:t>
-            </a:r>
-            <a:r>
-              <a:rPr lang="en-CA" dirty="0" smtClean="0"/>
-              <a:t>investment </a:t>
-            </a:r>
-            <a:r>
-              <a:rPr lang="en-CA" dirty="0" smtClean="0"/>
-              <a:t>portfolio</a:t>
+              <a:t>Manage the investment portfolio</a:t>
             </a:r>
             <a:endParaRPr lang="en-CA" dirty="0"/>
           </a:p>
@@ -4152,7 +4132,6 @@
               <a:rPr lang="en-CA" sz="3600" b="1" dirty="0" smtClean="0"/>
               <a:t>Overview</a:t>
             </a:r>
-            <a:endParaRPr lang="en-CA" sz="3600" b="1" dirty="0" smtClean="0"/>
           </a:p>
           <a:p>
             <a:pPr marL="0" indent="0">
@@ -4163,13 +4142,8 @@
           <a:p>
             <a:r>
               <a:rPr lang="en-CA" dirty="0" smtClean="0"/>
-              <a:t>Analyst </a:t>
-            </a:r>
-            <a:r>
-              <a:rPr lang="en-CA" dirty="0" smtClean="0"/>
-              <a:t>Chart </a:t>
-            </a:r>
-            <a:endParaRPr lang="en-CA" dirty="0" smtClean="0"/>
+              <a:t>Analyst Chart </a:t>
+            </a:r>
           </a:p>
           <a:p>
             <a:r>
@@ -4381,11 +4355,7 @@
             </a:r>
             <a:r>
               <a:rPr lang="en-CA" dirty="0" smtClean="0"/>
-              <a:t>:     Install new </a:t>
-            </a:r>
-            <a:r>
-              <a:rPr lang="en-CA" dirty="0" smtClean="0"/>
-              <a:t>library</a:t>
+              <a:t>:     Install new library</a:t>
             </a:r>
           </a:p>
           <a:p>
@@ -4410,11 +4380,7 @@
             </a:r>
             <a:r>
               <a:rPr lang="en-CA" dirty="0"/>
-              <a:t> </a:t>
-            </a:r>
-            <a:r>
-              <a:rPr lang="en-CA" dirty="0"/>
-              <a:t>Toolkit </a:t>
+              <a:t> Toolkit </a:t>
             </a:r>
             <a:r>
               <a:rPr lang="en-CA" dirty="0" smtClean="0"/>
@@ -4458,15 +4424,7 @@
             </a:r>
             <a:r>
               <a:rPr lang="en-CA" dirty="0" smtClean="0"/>
-              <a:t> </a:t>
-            </a:r>
-            <a:r>
-              <a:rPr lang="en-CA" dirty="0" smtClean="0"/>
-              <a:t>2D plot </a:t>
-            </a:r>
-            <a:r>
-              <a:rPr lang="en-CA" dirty="0" smtClean="0"/>
-              <a:t>model from MIT</a:t>
+              <a:t> 2D plot model from MIT</a:t>
             </a:r>
           </a:p>
           <a:p>
@@ -4549,23 +4507,7 @@
             </a:r>
             <a:r>
               <a:rPr lang="en-CA" dirty="0" smtClean="0"/>
-              <a:t>  </a:t>
-            </a:r>
-            <a:r>
-              <a:rPr lang="en-CA" dirty="0" smtClean="0"/>
-              <a:t>candle </a:t>
-            </a:r>
-            <a:r>
-              <a:rPr lang="en-CA" dirty="0" smtClean="0"/>
-              <a:t>stick</a:t>
-            </a:r>
-            <a:r>
-              <a:rPr lang="en-CA" dirty="0" smtClean="0"/>
-              <a:t>, </a:t>
-            </a:r>
-            <a:r>
-              <a:rPr lang="en-CA" dirty="0" smtClean="0"/>
-              <a:t>no rectangle in library</a:t>
+              <a:t>  candle stick, no rectangle in library</a:t>
             </a:r>
           </a:p>
           <a:p>
@@ -4873,78 +4815,30 @@
             </a:r>
             <a:r>
               <a:rPr lang="en-CA" dirty="0" smtClean="0"/>
-              <a:t> : </a:t>
-            </a:r>
+              <a:t> : Query to get quantity and current value by stock ticker without extra data.</a:t>
+            </a:r>
+          </a:p>
+          <a:p>
+            <a:pPr marL="0" indent="0">
+              <a:buNone/>
+            </a:pPr>
             <a:r>
               <a:rPr lang="en-CA" dirty="0" smtClean="0"/>
-              <a:t>Q</a:t>
+              <a:t>  wrong: Set </a:t>
             </a:r>
             <a:r>
               <a:rPr lang="en-CA" dirty="0" smtClean="0"/>
-              <a:t>uery to get </a:t>
-            </a:r>
+              <a:t>buy=true or 1, sell=false or 0</a:t>
+            </a:r>
+            <a:endParaRPr lang="en-CA" dirty="0" smtClean="0"/>
+          </a:p>
+          <a:p>
+            <a:pPr marL="0" indent="0">
+              <a:buNone/>
+            </a:pPr>
             <a:r>
               <a:rPr lang="en-CA" dirty="0" smtClean="0"/>
-              <a:t>quantity and </a:t>
-            </a:r>
-            <a:r>
-              <a:rPr lang="en-CA" dirty="0" smtClean="0"/>
-              <a:t>current value </a:t>
-            </a:r>
-            <a:r>
-              <a:rPr lang="en-CA" dirty="0" smtClean="0"/>
-              <a:t>by stock ticker </a:t>
-            </a:r>
-            <a:r>
-              <a:rPr lang="en-CA" dirty="0" smtClean="0"/>
-              <a:t>without </a:t>
-            </a:r>
-            <a:r>
-              <a:rPr lang="en-CA" dirty="0" smtClean="0"/>
-              <a:t>extra data.</a:t>
-            </a:r>
-          </a:p>
-          <a:p>
-            <a:pPr marL="0" indent="0">
-              <a:buNone/>
-            </a:pPr>
-            <a:r>
-              <a:rPr lang="en-CA" dirty="0" smtClean="0"/>
-              <a:t>  wrong: Set buy=true, sell=false</a:t>
-            </a:r>
-            <a:endParaRPr lang="en-CA" dirty="0" smtClean="0"/>
-          </a:p>
-          <a:p>
-            <a:pPr marL="0" indent="0">
-              <a:buNone/>
-            </a:pPr>
-            <a:r>
-              <a:rPr lang="en-CA" dirty="0" smtClean="0"/>
-              <a:t>  right:    Set </a:t>
-            </a:r>
-            <a:r>
-              <a:rPr lang="en-CA" dirty="0" smtClean="0"/>
-              <a:t>action </a:t>
-            </a:r>
-            <a:r>
-              <a:rPr lang="en-CA" dirty="0" smtClean="0"/>
-              <a:t>buy = 1</a:t>
-            </a:r>
-            <a:r>
-              <a:rPr lang="en-CA" dirty="0" smtClean="0"/>
-              <a:t>, </a:t>
-            </a:r>
-            <a:r>
-              <a:rPr lang="en-CA" dirty="0" smtClean="0"/>
-              <a:t>sell = -</a:t>
-            </a:r>
-            <a:r>
-              <a:rPr lang="en-CA" dirty="0" smtClean="0"/>
-              <a:t>1 , </a:t>
-            </a:r>
-            <a:r>
-              <a:rPr lang="en-CA" dirty="0" smtClean="0"/>
-              <a:t> </a:t>
+              <a:t>  right:    Set action buy = 1, sell = -1 ,  </a:t>
             </a:r>
           </a:p>
           <a:p>
@@ -4957,19 +4851,7 @@
             </a:r>
             <a:r>
               <a:rPr lang="en-CA" dirty="0" smtClean="0"/>
-              <a:t>               </a:t>
-            </a:r>
-            <a:r>
-              <a:rPr lang="en-CA" dirty="0" smtClean="0"/>
-              <a:t>none(hold) </a:t>
-            </a:r>
-            <a:r>
-              <a:rPr lang="en-CA" dirty="0" smtClean="0"/>
-              <a:t>= </a:t>
-            </a:r>
-            <a:r>
-              <a:rPr lang="en-CA" dirty="0" smtClean="0"/>
-              <a:t>0</a:t>
+              <a:t>               none(hold) = 0</a:t>
             </a:r>
           </a:p>
         </p:txBody>

--- a/Stock trade and analyst system.pptx
+++ b/Stock trade and analyst system.pptx
@@ -15,8 +15,9 @@
     <p:sldId id="263" r:id="rId9"/>
     <p:sldId id="264" r:id="rId10"/>
     <p:sldId id="271" r:id="rId11"/>
-    <p:sldId id="269" r:id="rId12"/>
-    <p:sldId id="270" r:id="rId13"/>
+    <p:sldId id="272" r:id="rId12"/>
+    <p:sldId id="269" r:id="rId13"/>
+    <p:sldId id="270" r:id="rId14"/>
   </p:sldIdLst>
   <p:sldSz cx="9144000" cy="6858000" type="screen4x3"/>
   <p:notesSz cx="6858000" cy="9144000"/>
@@ -117,7 +118,7 @@
   </p:defaultTextStyle>
   <p:extLst>
     <p:ext uri="{EFAFB233-063F-42B5-8137-9DF3F51BA10A}">
-      <p15:sldGuideLst xmlns:p15="http://schemas.microsoft.com/office/powerpoint/2012/main">
+      <p15:sldGuideLst xmlns="" xmlns:p15="http://schemas.microsoft.com/office/powerpoint/2012/main">
         <p15:guide id="1" orient="horz" pos="2160">
           <p15:clr>
             <a:srgbClr val="A4A3A4"/>
@@ -315,7 +316,7 @@
           <a:p>
             <a:fld id="{503109C6-363A-48D5-B39C-EBA1940FCB8F}" type="datetimeFigureOut">
               <a:rPr lang="en-CA" smtClean="0"/>
-              <a:t>15/09/2016</a:t>
+              <a:t>16/09/2016</a:t>
             </a:fld>
             <a:endParaRPr lang="en-CA"/>
           </a:p>
@@ -485,7 +486,7 @@
           <a:p>
             <a:fld id="{503109C6-363A-48D5-B39C-EBA1940FCB8F}" type="datetimeFigureOut">
               <a:rPr lang="en-CA" smtClean="0"/>
-              <a:t>15/09/2016</a:t>
+              <a:t>16/09/2016</a:t>
             </a:fld>
             <a:endParaRPr lang="en-CA"/>
           </a:p>
@@ -665,7 +666,7 @@
           <a:p>
             <a:fld id="{503109C6-363A-48D5-B39C-EBA1940FCB8F}" type="datetimeFigureOut">
               <a:rPr lang="en-CA" smtClean="0"/>
-              <a:t>15/09/2016</a:t>
+              <a:t>16/09/2016</a:t>
             </a:fld>
             <a:endParaRPr lang="en-CA"/>
           </a:p>
@@ -835,7 +836,7 @@
           <a:p>
             <a:fld id="{503109C6-363A-48D5-B39C-EBA1940FCB8F}" type="datetimeFigureOut">
               <a:rPr lang="en-CA" smtClean="0"/>
-              <a:t>15/09/2016</a:t>
+              <a:t>16/09/2016</a:t>
             </a:fld>
             <a:endParaRPr lang="en-CA"/>
           </a:p>
@@ -1081,7 +1082,7 @@
           <a:p>
             <a:fld id="{503109C6-363A-48D5-B39C-EBA1940FCB8F}" type="datetimeFigureOut">
               <a:rPr lang="en-CA" smtClean="0"/>
-              <a:t>15/09/2016</a:t>
+              <a:t>16/09/2016</a:t>
             </a:fld>
             <a:endParaRPr lang="en-CA"/>
           </a:p>
@@ -1369,7 +1370,7 @@
           <a:p>
             <a:fld id="{503109C6-363A-48D5-B39C-EBA1940FCB8F}" type="datetimeFigureOut">
               <a:rPr lang="en-CA" smtClean="0"/>
-              <a:t>15/09/2016</a:t>
+              <a:t>16/09/2016</a:t>
             </a:fld>
             <a:endParaRPr lang="en-CA"/>
           </a:p>
@@ -1791,7 +1792,7 @@
           <a:p>
             <a:fld id="{503109C6-363A-48D5-B39C-EBA1940FCB8F}" type="datetimeFigureOut">
               <a:rPr lang="en-CA" smtClean="0"/>
-              <a:t>15/09/2016</a:t>
+              <a:t>16/09/2016</a:t>
             </a:fld>
             <a:endParaRPr lang="en-CA"/>
           </a:p>
@@ -1909,7 +1910,7 @@
           <a:p>
             <a:fld id="{503109C6-363A-48D5-B39C-EBA1940FCB8F}" type="datetimeFigureOut">
               <a:rPr lang="en-CA" smtClean="0"/>
-              <a:t>15/09/2016</a:t>
+              <a:t>16/09/2016</a:t>
             </a:fld>
             <a:endParaRPr lang="en-CA"/>
           </a:p>
@@ -2004,7 +2005,7 @@
           <a:p>
             <a:fld id="{503109C6-363A-48D5-B39C-EBA1940FCB8F}" type="datetimeFigureOut">
               <a:rPr lang="en-CA" smtClean="0"/>
-              <a:t>15/09/2016</a:t>
+              <a:t>16/09/2016</a:t>
             </a:fld>
             <a:endParaRPr lang="en-CA"/>
           </a:p>
@@ -2281,7 +2282,7 @@
           <a:p>
             <a:fld id="{503109C6-363A-48D5-B39C-EBA1940FCB8F}" type="datetimeFigureOut">
               <a:rPr lang="en-CA" smtClean="0"/>
-              <a:t>15/09/2016</a:t>
+              <a:t>16/09/2016</a:t>
             </a:fld>
             <a:endParaRPr lang="en-CA"/>
           </a:p>
@@ -2534,7 +2535,7 @@
           <a:p>
             <a:fld id="{503109C6-363A-48D5-B39C-EBA1940FCB8F}" type="datetimeFigureOut">
               <a:rPr lang="en-CA" smtClean="0"/>
-              <a:t>15/09/2016</a:t>
+              <a:t>16/09/2016</a:t>
             </a:fld>
             <a:endParaRPr lang="en-CA"/>
           </a:p>
@@ -2747,7 +2748,7 @@
           <a:p>
             <a:fld id="{503109C6-363A-48D5-B39C-EBA1940FCB8F}" type="datetimeFigureOut">
               <a:rPr lang="en-CA" smtClean="0"/>
-              <a:t>15/09/2016</a:t>
+              <a:t>16/09/2016</a:t>
             </a:fld>
             <a:endParaRPr lang="en-CA"/>
           </a:p>
@@ -3645,6 +3646,123 @@
         </p:nvSpPr>
         <p:spPr>
           <a:xfrm>
+            <a:off x="539552" y="620688"/>
+            <a:ext cx="8229600" cy="5721499"/>
+          </a:xfrm>
+        </p:spPr>
+        <p:txBody>
+          <a:bodyPr/>
+          <a:lstStyle/>
+          <a:p>
+            <a:pPr marL="0" indent="0">
+              <a:buNone/>
+            </a:pPr>
+            <a:r>
+              <a:rPr lang="en-CA" b="1" dirty="0" smtClean="0"/>
+              <a:t>What we learn</a:t>
+            </a:r>
+          </a:p>
+          <a:p>
+            <a:pPr marL="0" indent="0">
+              <a:buNone/>
+            </a:pPr>
+            <a:endParaRPr lang="en-CA" b="1" dirty="0" smtClean="0"/>
+          </a:p>
+          <a:p>
+            <a:r>
+              <a:rPr lang="en-CA" dirty="0"/>
+              <a:t>If database can do well for you, do not </a:t>
+            </a:r>
+            <a:r>
+              <a:rPr lang="en-CA" dirty="0" smtClean="0"/>
+              <a:t>code</a:t>
+            </a:r>
+          </a:p>
+          <a:p>
+            <a:r>
+              <a:rPr lang="en-CA" dirty="0" smtClean="0"/>
+              <a:t>Save all the action of database as query</a:t>
+            </a:r>
+          </a:p>
+          <a:p>
+            <a:endParaRPr lang="en-CA" i="1" dirty="0" smtClean="0"/>
+          </a:p>
+          <a:p>
+            <a:endParaRPr lang="en-CA" i="1" dirty="0"/>
+          </a:p>
+          <a:p>
+            <a:pPr marL="0" indent="0">
+              <a:buNone/>
+            </a:pPr>
+            <a:endParaRPr lang="en-CA" b="1" dirty="0" smtClean="0"/>
+          </a:p>
+          <a:p>
+            <a:pPr marL="0" indent="0">
+              <a:buNone/>
+            </a:pPr>
+            <a:endParaRPr lang="en-CA" b="1" dirty="0" smtClean="0"/>
+          </a:p>
+          <a:p>
+            <a:pPr marL="0" indent="0">
+              <a:buNone/>
+            </a:pPr>
+            <a:r>
+              <a:rPr lang="en-CA" sz="2400" dirty="0"/>
+              <a:t> </a:t>
+            </a:r>
+            <a:endParaRPr lang="en-CA" sz="2000" dirty="0"/>
+          </a:p>
+        </p:txBody>
+      </p:sp>
+    </p:spTree>
+    <p:extLst>
+      <p:ext uri="{BB962C8B-B14F-4D97-AF65-F5344CB8AC3E}">
+        <p14:creationId xmlns:p14="http://schemas.microsoft.com/office/powerpoint/2010/main" val="1590797358"/>
+      </p:ext>
+    </p:extLst>
+  </p:cSld>
+  <p:clrMapOvr>
+    <a:masterClrMapping/>
+  </p:clrMapOvr>
+  <p:timing>
+    <p:tnLst>
+      <p:par>
+        <p:cTn id="1" dur="indefinite" restart="never" nodeType="tmRoot"/>
+      </p:par>
+    </p:tnLst>
+  </p:timing>
+</p:sld>
+</file>
+
+<file path=ppt/slides/slide12.xml><?xml version="1.0" encoding="utf-8"?>
+<p:sld xmlns:a="http://schemas.openxmlformats.org/drawingml/2006/main" xmlns:r="http://schemas.openxmlformats.org/officeDocument/2006/relationships" xmlns:p="http://schemas.openxmlformats.org/presentationml/2006/main">
+  <p:cSld>
+    <p:spTree>
+      <p:nvGrpSpPr>
+        <p:cNvPr id="1" name=""/>
+        <p:cNvGrpSpPr/>
+        <p:nvPr/>
+      </p:nvGrpSpPr>
+      <p:grpSpPr>
+        <a:xfrm>
+          <a:off x="0" y="0"/>
+          <a:ext cx="0" cy="0"/>
+          <a:chOff x="0" y="0"/>
+          <a:chExt cx="0" cy="0"/>
+        </a:xfrm>
+      </p:grpSpPr>
+      <p:sp>
+        <p:nvSpPr>
+          <p:cNvPr id="3" name="Content Placeholder 2"/>
+          <p:cNvSpPr>
+            <a:spLocks noGrp="1"/>
+          </p:cNvSpPr>
+          <p:nvPr>
+            <p:ph idx="1"/>
+          </p:nvPr>
+        </p:nvSpPr>
+        <p:spPr>
+          <a:xfrm>
             <a:off x="457200" y="404664"/>
             <a:ext cx="8229600" cy="5721499"/>
           </a:xfrm>
@@ -3678,21 +3796,13 @@
           <a:p>
             <a:r>
               <a:rPr lang="en-CA" sz="3400" dirty="0" smtClean="0"/>
-              <a:t>Layout </a:t>
-            </a:r>
+              <a:t>Layout design</a:t>
+            </a:r>
+          </a:p>
+          <a:p>
             <a:r>
               <a:rPr lang="en-CA" sz="3400" dirty="0" smtClean="0"/>
-              <a:t>design</a:t>
-            </a:r>
-          </a:p>
-          <a:p>
-            <a:r>
-              <a:rPr lang="en-CA" sz="3400" dirty="0" smtClean="0"/>
-              <a:t>Risk </a:t>
-            </a:r>
-            <a:r>
-              <a:rPr lang="en-CA" sz="3400" dirty="0" smtClean="0"/>
-              <a:t>analyst</a:t>
+              <a:t>Risk analyst</a:t>
             </a:r>
           </a:p>
           <a:p>
@@ -3729,7 +3839,7 @@
 </p:sld>
 </file>
 
-<file path=ppt/slides/slide12.xml><?xml version="1.0" encoding="utf-8"?>
+<file path=ppt/slides/slide13.xml><?xml version="1.0" encoding="utf-8"?>
 <p:sld xmlns:a="http://schemas.openxmlformats.org/drawingml/2006/main" xmlns:r="http://schemas.openxmlformats.org/officeDocument/2006/relationships" xmlns:p="http://schemas.openxmlformats.org/presentationml/2006/main">
   <p:cSld>
     <p:spTree>
@@ -3856,7 +3966,9 @@
           </a:xfrm>
         </p:spPr>
         <p:txBody>
-          <a:bodyPr/>
+          <a:bodyPr>
+            <a:normAutofit lnSpcReduction="10000"/>
+          </a:bodyPr>
           <a:lstStyle/>
           <a:p>
             <a:pPr marL="0" indent="0" algn="ctr">
@@ -3868,20 +3980,86 @@
             </a:r>
           </a:p>
           <a:p>
-            <a:pPr marL="0" indent="0" algn="ctr">
+            <a:pPr marL="0" indent="0">
               <a:buNone/>
             </a:pPr>
-            <a:endParaRPr lang="en-CA" sz="3600" b="1" dirty="0" smtClean="0"/>
+            <a:r>
+              <a:rPr lang="en-CA" dirty="0" smtClean="0"/>
+              <a:t>Investors </a:t>
+            </a:r>
+            <a:r>
+              <a:rPr lang="en-CA" dirty="0" smtClean="0"/>
+              <a:t>want to </a:t>
+            </a:r>
+          </a:p>
+          <a:p>
+            <a:r>
+              <a:rPr lang="en-CA" dirty="0" smtClean="0"/>
+              <a:t>practice </a:t>
+            </a:r>
+            <a:r>
+              <a:rPr lang="en-CA" dirty="0"/>
+              <a:t>trading stocks </a:t>
+            </a:r>
+            <a:endParaRPr lang="en-CA" dirty="0" smtClean="0"/>
+          </a:p>
+          <a:p>
+            <a:r>
+              <a:rPr lang="en-CA" dirty="0" smtClean="0"/>
+              <a:t>no </a:t>
+            </a:r>
+            <a:r>
+              <a:rPr lang="en-CA" dirty="0"/>
+              <a:t>financial </a:t>
+            </a:r>
+            <a:r>
+              <a:rPr lang="en-CA" dirty="0" smtClean="0"/>
+              <a:t>risk</a:t>
+            </a:r>
+          </a:p>
+          <a:p>
+            <a:r>
+              <a:rPr lang="en-CA" dirty="0"/>
+              <a:t>different investment strategies</a:t>
+            </a:r>
+            <a:r>
+              <a:rPr lang="en-CA" dirty="0" smtClean="0"/>
+              <a:t> </a:t>
+            </a:r>
           </a:p>
           <a:p>
             <a:pPr marL="0" indent="0">
               <a:buNone/>
             </a:pPr>
-            <a:r>
-              <a:rPr lang="en-CA" sz="2400" b="1" dirty="0" smtClean="0"/>
-              <a:t>The purpose is to provide to investor a tool for analysing the history of a stock price, make an informed decision of stock trade, and management his investment portfolio.</a:t>
-            </a:r>
-            <a:endParaRPr lang="en-CA" sz="2400" b="1" dirty="0"/>
+            <a:endParaRPr lang="en-CA" dirty="0" smtClean="0"/>
+          </a:p>
+          <a:p>
+            <a:pPr marL="0" indent="0">
+              <a:buNone/>
+            </a:pPr>
+            <a:r>
+              <a:rPr lang="en-CA" dirty="0" smtClean="0"/>
+              <a:t>The system can</a:t>
+            </a:r>
+          </a:p>
+          <a:p>
+            <a:r>
+              <a:rPr lang="en-CA" dirty="0" smtClean="0"/>
+              <a:t>Analyse the history of a stock price</a:t>
+            </a:r>
+          </a:p>
+          <a:p>
+            <a:r>
+              <a:rPr lang="en-CA" dirty="0" smtClean="0"/>
+              <a:t>Make an informed decision of stock trade</a:t>
+            </a:r>
+          </a:p>
+          <a:p>
+            <a:r>
+              <a:rPr lang="en-CA" dirty="0" smtClean="0"/>
+              <a:t>Manage the investment portfolio</a:t>
+            </a:r>
+            <a:endParaRPr lang="en-CA" dirty="0"/>
           </a:p>
           <a:p>
             <a:pPr marL="0" indent="0">
@@ -3947,12 +4125,12 @@
           <a:bodyPr/>
           <a:lstStyle/>
           <a:p>
-            <a:pPr marL="0" indent="0">
+            <a:pPr marL="0" indent="0" algn="ctr">
               <a:buNone/>
             </a:pPr>
             <a:r>
               <a:rPr lang="en-CA" sz="3600" b="1" dirty="0" smtClean="0"/>
-              <a:t>Overview:</a:t>
+              <a:t>Overview</a:t>
             </a:r>
           </a:p>
           <a:p>
@@ -3964,7 +4142,7 @@
           <a:p>
             <a:r>
               <a:rPr lang="en-CA" dirty="0" smtClean="0"/>
-              <a:t>Analyst Chart</a:t>
+              <a:t>Analyst Chart </a:t>
             </a:r>
           </a:p>
           <a:p>
@@ -4035,13 +4213,13 @@
         </p:spPr>
         <p:txBody>
           <a:bodyPr>
-            <a:normAutofit fontScale="90000"/>
+            <a:noAutofit/>
           </a:bodyPr>
           <a:lstStyle/>
           <a:p>
             <a:r>
               <a:rPr lang="en-US" sz="3600" b="1" dirty="0" smtClean="0"/>
-              <a:t>GUI:</a:t>
+              <a:t>GUI</a:t>
             </a:r>
             <a:endParaRPr lang="en-US" sz="3600" b="1" dirty="0"/>
           </a:p>
@@ -4073,6 +4251,49 @@
           </a:prstGeom>
         </p:spPr>
       </p:pic>
+      <p:sp>
+        <p:nvSpPr>
+          <p:cNvPr id="5" name="Title 3"/>
+          <p:cNvSpPr txBox="1">
+            <a:spLocks/>
+          </p:cNvSpPr>
+          <p:nvPr/>
+        </p:nvSpPr>
+        <p:spPr>
+          <a:xfrm>
+            <a:off x="467544" y="1061120"/>
+            <a:ext cx="8075240" cy="1287760"/>
+          </a:xfrm>
+          <a:prstGeom prst="rect">
+            <a:avLst/>
+          </a:prstGeom>
+        </p:spPr>
+        <p:txBody>
+          <a:bodyPr vert="horz" lIns="91440" tIns="45720" rIns="91440" bIns="45720" rtlCol="0" anchor="ctr">
+            <a:normAutofit fontScale="97500"/>
+          </a:bodyPr>
+          <a:lstStyle>
+            <a:lvl1pPr algn="ctr" defTabSz="914400" rtl="0" eaLnBrk="1" latinLnBrk="0" hangingPunct="1">
+              <a:spcBef>
+                <a:spcPct val="0"/>
+              </a:spcBef>
+              <a:buNone/>
+              <a:defRPr sz="4400" kern="1200">
+                <a:solidFill>
+                  <a:schemeClr val="tx1"/>
+                </a:solidFill>
+                <a:latin typeface="+mj-lt"/>
+                <a:ea typeface="+mj-ea"/>
+                <a:cs typeface="+mj-cs"/>
+              </a:defRPr>
+            </a:lvl1pPr>
+          </a:lstStyle>
+          <a:p>
+            <a:pPr algn="l"/>
+            <a:endParaRPr lang="en-US" sz="3200" dirty="0"/>
+          </a:p>
+        </p:txBody>
+      </p:sp>
     </p:spTree>
     <p:extLst>
       <p:ext uri="{BB962C8B-B14F-4D97-AF65-F5344CB8AC3E}">
@@ -4129,52 +4350,29 @@
               <a:buNone/>
             </a:pPr>
             <a:r>
+              <a:rPr lang="en-CA" b="1" dirty="0" smtClean="0"/>
+              <a:t>Problem </a:t>
+            </a:r>
+            <a:r>
               <a:rPr lang="en-CA" dirty="0" smtClean="0"/>
-              <a:t>Problem </a:t>
-            </a:r>
+              <a:t>:     Install new library</a:t>
+            </a:r>
+          </a:p>
+          <a:p>
+            <a:pPr marL="0" indent="0">
+              <a:buNone/>
+            </a:pPr>
             <a:r>
               <a:rPr lang="en-CA" dirty="0" smtClean="0"/>
-              <a:t>:     </a:t>
+              <a:t>Try Dynamic Data Display</a:t>
+            </a:r>
+            <a:r>
+              <a:rPr lang="en-CA" dirty="0"/>
+              <a:t>, </a:t>
             </a:r>
             <a:r>
               <a:rPr lang="en-CA" dirty="0" smtClean="0"/>
-              <a:t>Install new library, try </a:t>
-            </a:r>
-            <a:r>
-              <a:rPr lang="en-CA" dirty="0" err="1" smtClean="0">
-                <a:hlinkClick r:id="rId2"/>
-              </a:rPr>
-              <a:t>DynamicDataDisplay</a:t>
-            </a:r>
-            <a:r>
-              <a:rPr lang="en-CA" dirty="0" smtClean="0"/>
-              <a:t>, </a:t>
-            </a:r>
-            <a:r>
-              <a:rPr lang="en-CA" dirty="0" err="1" smtClean="0">
-                <a:hlinkClick r:id="rId3"/>
-              </a:rPr>
-              <a:t>Visifire</a:t>
-            </a:r>
-            <a:r>
-              <a:rPr lang="en-CA" dirty="0" smtClean="0"/>
-              <a:t>, </a:t>
-            </a:r>
-            <a:r>
-              <a:rPr lang="en-CA" dirty="0">
-                <a:hlinkClick r:id="rId4"/>
-              </a:rPr>
-              <a:t>WPF </a:t>
-            </a:r>
-            <a:r>
-              <a:rPr lang="en-CA" dirty="0" smtClean="0">
-                <a:hlinkClick r:id="rId4"/>
-              </a:rPr>
-              <a:t>Toolkit</a:t>
-            </a:r>
-            <a:r>
-              <a:rPr lang="en-CA" dirty="0" smtClean="0"/>
-              <a:t>, </a:t>
+              <a:t>WPF Toolkit,  </a:t>
             </a:r>
             <a:r>
               <a:rPr lang="en-CA" dirty="0" err="1"/>
@@ -4186,8 +4384,25 @@
             </a:r>
             <a:r>
               <a:rPr lang="en-CA" dirty="0" smtClean="0"/>
-              <a:t>Plus.</a:t>
-            </a:r>
+              <a:t>Plus,</a:t>
+            </a:r>
+            <a:r>
+              <a:rPr lang="en-CA" dirty="0"/>
+              <a:t> </a:t>
+            </a:r>
+            <a:r>
+              <a:rPr lang="en-CA" dirty="0" err="1" smtClean="0"/>
+              <a:t>DevExpress</a:t>
+            </a:r>
+            <a:r>
+              <a:rPr lang="en-CA" dirty="0" smtClean="0"/>
+              <a:t> , </a:t>
+            </a:r>
+            <a:r>
+              <a:rPr lang="en-CA" dirty="0" err="1" smtClean="0"/>
+              <a:t>Telerik</a:t>
+            </a:r>
+            <a:endParaRPr lang="en-CA" dirty="0" smtClean="0"/>
           </a:p>
           <a:p>
             <a:pPr marL="0" indent="0">
@@ -4200,38 +4415,29 @@
               <a:buNone/>
             </a:pPr>
             <a:r>
+              <a:rPr lang="en-CA" b="1" dirty="0" err="1" smtClean="0"/>
+              <a:t>oxyPlot</a:t>
+            </a:r>
+            <a:r>
+              <a:rPr lang="en-CA" b="1" dirty="0" smtClean="0"/>
+              <a:t>:</a:t>
+            </a:r>
+            <a:r>
               <a:rPr lang="en-CA" dirty="0" smtClean="0"/>
-              <a:t>Set the </a:t>
-            </a:r>
-            <a:r>
-              <a:rPr lang="en-CA" dirty="0" err="1" smtClean="0"/>
-              <a:t>oxyPlot</a:t>
-            </a:r>
+              <a:t> 2D plot model from MIT</a:t>
+            </a:r>
+          </a:p>
+          <a:p>
             <a:r>
               <a:rPr lang="en-CA" dirty="0" smtClean="0"/>
-              <a:t> library which is 2D plot open code generation library </a:t>
-            </a:r>
-            <a:endParaRPr lang="en-CA" dirty="0"/>
-          </a:p>
-          <a:p>
-            <a:pPr marL="0" indent="0">
-              <a:buNone/>
-            </a:pPr>
-            <a:endParaRPr lang="en-CA" dirty="0" smtClean="0"/>
-          </a:p>
-          <a:p>
-            <a:pPr marL="0" indent="0">
-              <a:buNone/>
-            </a:pPr>
+              <a:t> always check the update version before   installation</a:t>
+            </a:r>
+          </a:p>
+          <a:p>
             <a:r>
               <a:rPr lang="en-CA" dirty="0" smtClean="0"/>
-              <a:t>     </a:t>
-            </a:r>
-          </a:p>
-          <a:p>
-            <a:pPr marL="0" indent="0">
-              <a:buNone/>
-            </a:pPr>
+              <a:t> check the key word in entire solution to remove unsuccessful installation</a:t>
+            </a:r>
             <a:endParaRPr lang="en-CA" sz="3600" dirty="0"/>
           </a:p>
         </p:txBody>
@@ -4278,8 +4484,8 @@
         </p:nvSpPr>
         <p:spPr>
           <a:xfrm>
-            <a:off x="457200" y="404664"/>
-            <a:ext cx="8229600" cy="5721499"/>
+            <a:off x="457200" y="404665"/>
+            <a:ext cx="8291264" cy="936103"/>
           </a:xfrm>
         </p:spPr>
         <p:txBody>
@@ -4292,87 +4498,260 @@
               <a:buNone/>
             </a:pPr>
             <a:r>
+              <a:rPr lang="en-CA" b="1" dirty="0" smtClean="0"/>
+              <a:t>Problem </a:t>
+            </a:r>
+            <a:r>
               <a:rPr lang="en-CA" sz="3600" dirty="0" smtClean="0"/>
-              <a:t>Problem 2: </a:t>
+              <a:t>: </a:t>
+            </a:r>
+            <a:r>
+              <a:rPr lang="en-CA" dirty="0" smtClean="0"/>
+              <a:t>  candle stick, no rectangle in library</a:t>
             </a:r>
           </a:p>
           <a:p>
             <a:pPr marL="0" indent="0">
               <a:buNone/>
             </a:pPr>
-            <a:r>
-              <a:rPr lang="en-CA" dirty="0" smtClean="0"/>
-              <a:t> </a:t>
-            </a:r>
-            <a:endParaRPr lang="en-CA" dirty="0" smtClean="0"/>
-          </a:p>
+            <a:endParaRPr lang="en-CA" dirty="0"/>
+          </a:p>
+        </p:txBody>
+      </p:sp>
+      <p:pic>
+        <p:nvPicPr>
+          <p:cNvPr id="2050" name="Picture 2"/>
+          <p:cNvPicPr>
+            <a:picLocks noChangeAspect="1" noChangeArrowheads="1"/>
+          </p:cNvPicPr>
+          <p:nvPr/>
+        </p:nvPicPr>
+        <p:blipFill>
+          <a:blip r:embed="rId2">
+            <a:extLst>
+              <a:ext uri="{28A0092B-C50C-407E-A947-70E740481C1C}">
+                <a14:useLocalDpi xmlns:a14="http://schemas.microsoft.com/office/drawing/2010/main" val="0"/>
+              </a:ext>
+            </a:extLst>
+          </a:blip>
+          <a:srcRect/>
+          <a:stretch>
+            <a:fillRect/>
+          </a:stretch>
+        </p:blipFill>
+        <p:spPr bwMode="auto">
+          <a:xfrm>
+            <a:off x="827584" y="2348880"/>
+            <a:ext cx="2895600" cy="2809875"/>
+          </a:xfrm>
+          <a:prstGeom prst="rect">
+            <a:avLst/>
+          </a:prstGeom>
+          <a:noFill/>
+          <a:ln>
+            <a:noFill/>
+          </a:ln>
+          <a:extLst>
+            <a:ext uri="{909E8E84-426E-40DD-AFC4-6F175D3DCCD1}">
+              <a14:hiddenFill xmlns:a14="http://schemas.microsoft.com/office/drawing/2010/main">
+                <a:solidFill>
+                  <a:schemeClr val="accent1"/>
+                </a:solidFill>
+              </a14:hiddenFill>
+            </a:ext>
+            <a:ext uri="{91240B29-F687-4F45-9708-019B960494DF}">
+              <a14:hiddenLine xmlns:a14="http://schemas.microsoft.com/office/drawing/2010/main" w="9525">
+                <a:solidFill>
+                  <a:schemeClr val="tx1"/>
+                </a:solidFill>
+                <a:miter lim="800000"/>
+                <a:headEnd/>
+                <a:tailEnd/>
+              </a14:hiddenLine>
+            </a:ext>
+          </a:extLst>
+        </p:spPr>
+      </p:pic>
+      <p:sp>
+        <p:nvSpPr>
+          <p:cNvPr id="5" name="Content Placeholder 2"/>
+          <p:cNvSpPr txBox="1">
+            <a:spLocks/>
+          </p:cNvSpPr>
+          <p:nvPr/>
+        </p:nvSpPr>
+        <p:spPr>
+          <a:xfrm>
+            <a:off x="3759098" y="2348880"/>
+            <a:ext cx="4845350" cy="2809875"/>
+          </a:xfrm>
+          <a:prstGeom prst="rect">
+            <a:avLst/>
+          </a:prstGeom>
+        </p:spPr>
+        <p:txBody>
+          <a:bodyPr vert="horz" lIns="91440" tIns="45720" rIns="91440" bIns="45720" rtlCol="0">
+            <a:normAutofit/>
+          </a:bodyPr>
+          <a:lstStyle>
+            <a:lvl1pPr marL="342900" indent="-342900" algn="l" defTabSz="914400" rtl="0" eaLnBrk="1" latinLnBrk="0" hangingPunct="1">
+              <a:spcBef>
+                <a:spcPct val="20000"/>
+              </a:spcBef>
+              <a:buFont typeface="Arial" panose="020B0604020202020204" pitchFamily="34" charset="0"/>
+              <a:buChar char="•"/>
+              <a:defRPr sz="3200" kern="1200">
+                <a:solidFill>
+                  <a:schemeClr val="tx1"/>
+                </a:solidFill>
+                <a:latin typeface="+mn-lt"/>
+                <a:ea typeface="+mn-ea"/>
+                <a:cs typeface="+mn-cs"/>
+              </a:defRPr>
+            </a:lvl1pPr>
+            <a:lvl2pPr marL="742950" indent="-285750" algn="l" defTabSz="914400" rtl="0" eaLnBrk="1" latinLnBrk="0" hangingPunct="1">
+              <a:spcBef>
+                <a:spcPct val="20000"/>
+              </a:spcBef>
+              <a:buFont typeface="Arial" panose="020B0604020202020204" pitchFamily="34" charset="0"/>
+              <a:buChar char="–"/>
+              <a:defRPr sz="2800" kern="1200">
+                <a:solidFill>
+                  <a:schemeClr val="tx1"/>
+                </a:solidFill>
+                <a:latin typeface="+mn-lt"/>
+                <a:ea typeface="+mn-ea"/>
+                <a:cs typeface="+mn-cs"/>
+              </a:defRPr>
+            </a:lvl2pPr>
+            <a:lvl3pPr marL="1143000" indent="-228600" algn="l" defTabSz="914400" rtl="0" eaLnBrk="1" latinLnBrk="0" hangingPunct="1">
+              <a:spcBef>
+                <a:spcPct val="20000"/>
+              </a:spcBef>
+              <a:buFont typeface="Arial" panose="020B0604020202020204" pitchFamily="34" charset="0"/>
+              <a:buChar char="•"/>
+              <a:defRPr sz="2400" kern="1200">
+                <a:solidFill>
+                  <a:schemeClr val="tx1"/>
+                </a:solidFill>
+                <a:latin typeface="+mn-lt"/>
+                <a:ea typeface="+mn-ea"/>
+                <a:cs typeface="+mn-cs"/>
+              </a:defRPr>
+            </a:lvl3pPr>
+            <a:lvl4pPr marL="1600200" indent="-228600" algn="l" defTabSz="914400" rtl="0" eaLnBrk="1" latinLnBrk="0" hangingPunct="1">
+              <a:spcBef>
+                <a:spcPct val="20000"/>
+              </a:spcBef>
+              <a:buFont typeface="Arial" panose="020B0604020202020204" pitchFamily="34" charset="0"/>
+              <a:buChar char="–"/>
+              <a:defRPr sz="2000" kern="1200">
+                <a:solidFill>
+                  <a:schemeClr val="tx1"/>
+                </a:solidFill>
+                <a:latin typeface="+mn-lt"/>
+                <a:ea typeface="+mn-ea"/>
+                <a:cs typeface="+mn-cs"/>
+              </a:defRPr>
+            </a:lvl4pPr>
+            <a:lvl5pPr marL="2057400" indent="-228600" algn="l" defTabSz="914400" rtl="0" eaLnBrk="1" latinLnBrk="0" hangingPunct="1">
+              <a:spcBef>
+                <a:spcPct val="20000"/>
+              </a:spcBef>
+              <a:buFont typeface="Arial" panose="020B0604020202020204" pitchFamily="34" charset="0"/>
+              <a:buChar char="»"/>
+              <a:defRPr sz="2000" kern="1200">
+                <a:solidFill>
+                  <a:schemeClr val="tx1"/>
+                </a:solidFill>
+                <a:latin typeface="+mn-lt"/>
+                <a:ea typeface="+mn-ea"/>
+                <a:cs typeface="+mn-cs"/>
+              </a:defRPr>
+            </a:lvl5pPr>
+            <a:lvl6pPr marL="2514600" indent="-228600" algn="l" defTabSz="914400" rtl="0" eaLnBrk="1" latinLnBrk="0" hangingPunct="1">
+              <a:spcBef>
+                <a:spcPct val="20000"/>
+              </a:spcBef>
+              <a:buFont typeface="Arial" panose="020B0604020202020204" pitchFamily="34" charset="0"/>
+              <a:buChar char="•"/>
+              <a:defRPr sz="2000" kern="1200">
+                <a:solidFill>
+                  <a:schemeClr val="tx1"/>
+                </a:solidFill>
+                <a:latin typeface="+mn-lt"/>
+                <a:ea typeface="+mn-ea"/>
+                <a:cs typeface="+mn-cs"/>
+              </a:defRPr>
+            </a:lvl6pPr>
+            <a:lvl7pPr marL="2971800" indent="-228600" algn="l" defTabSz="914400" rtl="0" eaLnBrk="1" latinLnBrk="0" hangingPunct="1">
+              <a:spcBef>
+                <a:spcPct val="20000"/>
+              </a:spcBef>
+              <a:buFont typeface="Arial" panose="020B0604020202020204" pitchFamily="34" charset="0"/>
+              <a:buChar char="•"/>
+              <a:defRPr sz="2000" kern="1200">
+                <a:solidFill>
+                  <a:schemeClr val="tx1"/>
+                </a:solidFill>
+                <a:latin typeface="+mn-lt"/>
+                <a:ea typeface="+mn-ea"/>
+                <a:cs typeface="+mn-cs"/>
+              </a:defRPr>
+            </a:lvl7pPr>
+            <a:lvl8pPr marL="3429000" indent="-228600" algn="l" defTabSz="914400" rtl="0" eaLnBrk="1" latinLnBrk="0" hangingPunct="1">
+              <a:spcBef>
+                <a:spcPct val="20000"/>
+              </a:spcBef>
+              <a:buFont typeface="Arial" panose="020B0604020202020204" pitchFamily="34" charset="0"/>
+              <a:buChar char="•"/>
+              <a:defRPr sz="2000" kern="1200">
+                <a:solidFill>
+                  <a:schemeClr val="tx1"/>
+                </a:solidFill>
+                <a:latin typeface="+mn-lt"/>
+                <a:ea typeface="+mn-ea"/>
+                <a:cs typeface="+mn-cs"/>
+              </a:defRPr>
+            </a:lvl8pPr>
+            <a:lvl9pPr marL="3886200" indent="-228600" algn="l" defTabSz="914400" rtl="0" eaLnBrk="1" latinLnBrk="0" hangingPunct="1">
+              <a:spcBef>
+                <a:spcPct val="20000"/>
+              </a:spcBef>
+              <a:buFont typeface="Arial" panose="020B0604020202020204" pitchFamily="34" charset="0"/>
+              <a:buChar char="•"/>
+              <a:defRPr sz="2000" kern="1200">
+                <a:solidFill>
+                  <a:schemeClr val="tx1"/>
+                </a:solidFill>
+                <a:latin typeface="+mn-lt"/>
+                <a:ea typeface="+mn-ea"/>
+                <a:cs typeface="+mn-cs"/>
+              </a:defRPr>
+            </a:lvl9pPr>
+          </a:lstStyle>
           <a:p>
             <a:pPr marL="0" indent="0">
-              <a:buNone/>
-            </a:pPr>
-            <a:r>
-              <a:rPr lang="en-CA" dirty="0"/>
-              <a:t> </a:t>
-            </a:r>
-            <a:r>
-              <a:rPr lang="en-CA" dirty="0" smtClean="0"/>
-              <a:t>      </a:t>
-            </a:r>
-            <a:r>
-              <a:rPr lang="en-CA" dirty="0" smtClean="0"/>
-              <a:t>candle </a:t>
-            </a:r>
-            <a:r>
-              <a:rPr lang="en-CA" dirty="0" smtClean="0"/>
-              <a:t>line, no rectangle in library</a:t>
-            </a:r>
-          </a:p>
-          <a:p>
-            <a:pPr marL="0" indent="0">
-              <a:buNone/>
-            </a:pPr>
-            <a:r>
-              <a:rPr lang="en-CA" dirty="0" smtClean="0"/>
-              <a:t>        ( </a:t>
-            </a:r>
-            <a:r>
-              <a:rPr lang="en-CA" dirty="0" err="1" smtClean="0"/>
-              <a:t>oxyPlot</a:t>
-            </a:r>
-            <a:r>
-              <a:rPr lang="en-CA" dirty="0" smtClean="0"/>
-              <a:t>: 2D plot generation library )</a:t>
-            </a:r>
-          </a:p>
-          <a:p>
-            <a:pPr marL="0" indent="0">
+              <a:buFont typeface="Arial" panose="020B0604020202020204" pitchFamily="34" charset="0"/>
               <a:buNone/>
             </a:pPr>
             <a:endParaRPr lang="en-CA" dirty="0" smtClean="0"/>
           </a:p>
           <a:p>
             <a:pPr marL="0" indent="0">
+              <a:buFont typeface="Arial" panose="020B0604020202020204" pitchFamily="34" charset="0"/>
               <a:buNone/>
             </a:pPr>
-            <a:endParaRPr lang="en-CA" dirty="0" smtClean="0"/>
+            <a:r>
+              <a:rPr lang="en-CA" dirty="0" smtClean="0"/>
+              <a:t>Price calculation to generate 10 point with line connection </a:t>
+            </a:r>
           </a:p>
           <a:p>
             <a:pPr marL="0" indent="0">
+              <a:buFont typeface="Arial" panose="020B0604020202020204" pitchFamily="34" charset="0"/>
               <a:buNone/>
             </a:pPr>
-            <a:r>
-              <a:rPr lang="en-CA" dirty="0" smtClean="0"/>
-              <a:t>      draw by myself with price calculation</a:t>
-            </a:r>
-          </a:p>
-          <a:p>
-            <a:pPr marL="0" indent="0">
-              <a:buNone/>
-            </a:pPr>
-            <a:r>
-              <a:rPr lang="en-CA" dirty="0" smtClean="0"/>
-              <a:t> </a:t>
-            </a:r>
             <a:endParaRPr lang="en-CA" dirty="0"/>
           </a:p>
         </p:txBody>
@@ -4431,51 +4810,106 @@
               <a:buNone/>
             </a:pPr>
             <a:r>
+              <a:rPr lang="en-CA" b="1" dirty="0" smtClean="0"/>
+              <a:t>Problem</a:t>
+            </a:r>
+            <a:r>
               <a:rPr lang="en-CA" dirty="0" smtClean="0"/>
-              <a:t>Problem </a:t>
-            </a:r>
+              <a:t> : Query to get quantity and current value by stock ticker without extra data.</a:t>
+            </a:r>
+          </a:p>
+          <a:p>
+            <a:pPr marL="0" indent="0">
+              <a:buNone/>
+            </a:pPr>
             <a:r>
               <a:rPr lang="en-CA" dirty="0" smtClean="0"/>
-              <a:t>:  check </a:t>
+              <a:t>  wrong: Set </a:t>
             </a:r>
             <a:r>
               <a:rPr lang="en-CA" dirty="0" smtClean="0"/>
-              <a:t>quantity and cost by stock ticker </a:t>
-            </a:r>
+              <a:t>buy=true or 1, sell=false or 0</a:t>
+            </a:r>
+            <a:endParaRPr lang="en-CA" dirty="0" smtClean="0"/>
+          </a:p>
+          <a:p>
+            <a:pPr marL="0" indent="0">
+              <a:buNone/>
+            </a:pPr>
             <a:r>
               <a:rPr lang="en-CA" dirty="0" smtClean="0"/>
-              <a:t>  </a:t>
+              <a:t>  right:    Set action buy = 1, sell = -1 ,  </a:t>
+            </a:r>
+          </a:p>
+          <a:p>
+            <a:pPr marL="0" indent="0">
+              <a:buNone/>
+            </a:pPr>
+            <a:r>
+              <a:rPr lang="en-CA" dirty="0"/>
+              <a:t> </a:t>
             </a:r>
             <a:r>
               <a:rPr lang="en-CA" dirty="0" smtClean="0"/>
-              <a:t>write the right query without extra data.</a:t>
-            </a:r>
-          </a:p>
-          <a:p>
-            <a:pPr marL="0" indent="0">
-              <a:buNone/>
-            </a:pPr>
-            <a:endParaRPr lang="en-CA" dirty="0" smtClean="0"/>
-          </a:p>
-          <a:p>
-            <a:pPr marL="0" indent="0">
-              <a:buNone/>
-            </a:pPr>
-            <a:r>
-              <a:rPr lang="en-CA" dirty="0" smtClean="0"/>
-              <a:t>    </a:t>
-            </a:r>
-            <a:r>
-              <a:rPr lang="en-CA" dirty="0" smtClean="0"/>
-              <a:t>1. Set </a:t>
-            </a:r>
-            <a:r>
-              <a:rPr lang="en-CA" dirty="0" smtClean="0"/>
-              <a:t>action buy=1, sell=-1 , none = 0</a:t>
-            </a:r>
-          </a:p>
-        </p:txBody>
-      </p:sp>
+              <a:t>               none(hold) = 0</a:t>
+            </a:r>
+          </a:p>
+        </p:txBody>
+      </p:sp>
+      <p:pic>
+        <p:nvPicPr>
+          <p:cNvPr id="1027" name="Picture 3"/>
+          <p:cNvPicPr>
+            <a:picLocks noChangeAspect="1" noChangeArrowheads="1"/>
+          </p:cNvPicPr>
+          <p:nvPr/>
+        </p:nvPicPr>
+        <p:blipFill>
+          <a:blip r:embed="rId2">
+            <a:extLst>
+              <a:ext uri="{28A0092B-C50C-407E-A947-70E740481C1C}">
+                <a14:useLocalDpi xmlns:a14="http://schemas.microsoft.com/office/drawing/2010/main" val="0"/>
+              </a:ext>
+            </a:extLst>
+          </a:blip>
+          <a:srcRect/>
+          <a:stretch>
+            <a:fillRect/>
+          </a:stretch>
+        </p:blipFill>
+        <p:spPr bwMode="auto">
+          <a:xfrm>
+            <a:off x="827584" y="4365104"/>
+            <a:ext cx="6969043" cy="1585143"/>
+          </a:xfrm>
+          <a:prstGeom prst="rect">
+            <a:avLst/>
+          </a:prstGeom>
+          <a:noFill/>
+          <a:ln>
+            <a:noFill/>
+          </a:ln>
+          <a:extLst>
+            <a:ext uri="{909E8E84-426E-40DD-AFC4-6F175D3DCCD1}">
+              <a14:hiddenFill xmlns:a14="http://schemas.microsoft.com/office/drawing/2010/main">
+                <a:solidFill>
+                  <a:schemeClr val="accent1"/>
+                </a:solidFill>
+              </a14:hiddenFill>
+            </a:ext>
+            <a:ext uri="{91240B29-F687-4F45-9708-019B960494DF}">
+              <a14:hiddenLine xmlns:a14="http://schemas.microsoft.com/office/drawing/2010/main" w="9525">
+                <a:solidFill>
+                  <a:schemeClr val="tx1"/>
+                </a:solidFill>
+                <a:miter lim="800000"/>
+                <a:headEnd/>
+                <a:tailEnd/>
+              </a14:hiddenLine>
+            </a:ext>
+          </a:extLst>
+        </p:spPr>
+      </p:pic>
     </p:spTree>
     <p:extLst>
       <p:ext uri="{BB962C8B-B14F-4D97-AF65-F5344CB8AC3E}">
@@ -4577,7 +5011,6 @@
               <a:rPr lang="en-CA" sz="2000" dirty="0" smtClean="0"/>
               <a:t>   </a:t>
             </a:r>
-            <a:endParaRPr lang="en-CA" sz="2000" dirty="0" smtClean="0"/>
           </a:p>
           <a:p>
             <a:pPr marL="0" indent="0">
@@ -4755,7 +5188,6 @@
               <a:rPr lang="en-CA" sz="2400" dirty="0" smtClean="0"/>
               <a:t> </a:t>
             </a:r>
-            <a:endParaRPr lang="en-CA" sz="2400" dirty="0" smtClean="0"/>
           </a:p>
           <a:p>
             <a:pPr marL="0" indent="0">

--- a/Stock trade and analyst system.pptx
+++ b/Stock trade and analyst system.pptx
@@ -15,9 +15,8 @@
     <p:sldId id="263" r:id="rId9"/>
     <p:sldId id="264" r:id="rId10"/>
     <p:sldId id="271" r:id="rId11"/>
-    <p:sldId id="272" r:id="rId12"/>
-    <p:sldId id="269" r:id="rId13"/>
-    <p:sldId id="270" r:id="rId14"/>
+    <p:sldId id="269" r:id="rId12"/>
+    <p:sldId id="270" r:id="rId13"/>
   </p:sldIdLst>
   <p:sldSz cx="9144000" cy="6858000" type="screen4x3"/>
   <p:notesSz cx="6858000" cy="9144000"/>
@@ -118,7 +117,7 @@
   </p:defaultTextStyle>
   <p:extLst>
     <p:ext uri="{EFAFB233-063F-42B5-8137-9DF3F51BA10A}">
-      <p15:sldGuideLst xmlns="" xmlns:p15="http://schemas.microsoft.com/office/powerpoint/2012/main">
+      <p15:sldGuideLst xmlns:p15="http://schemas.microsoft.com/office/powerpoint/2012/main">
         <p15:guide id="1" orient="horz" pos="2160">
           <p15:clr>
             <a:srgbClr val="A4A3A4"/>
@@ -3473,6 +3472,21 @@
   <p:clrMapOvr>
     <a:masterClrMapping/>
   </p:clrMapOvr>
+  <mc:AlternateContent xmlns:mc="http://schemas.openxmlformats.org/markup-compatibility/2006">
+    <mc:Choice xmlns:p14="http://schemas.microsoft.com/office/powerpoint/2010/main" Requires="p14">
+      <p:transition spd="slow" p14:dur="2000" advTm="60611"/>
+    </mc:Choice>
+    <mc:Fallback>
+      <p:transition spd="slow" advTm="60611"/>
+    </mc:Fallback>
+  </mc:AlternateContent>
+  <p:timing>
+    <p:tnLst>
+      <p:par>
+        <p:cTn id="1" dur="indefinite" restart="never" nodeType="tmRoot"/>
+      </p:par>
+    </p:tnLst>
+  </p:timing>
 </p:sld>
 </file>
 
@@ -3607,6 +3621,14 @@
   <p:clrMapOvr>
     <a:masterClrMapping/>
   </p:clrMapOvr>
+  <mc:AlternateContent xmlns:mc="http://schemas.openxmlformats.org/markup-compatibility/2006">
+    <mc:Choice xmlns:p14="http://schemas.microsoft.com/office/powerpoint/2010/main" Requires="p14">
+      <p:transition spd="slow" p14:dur="2000" advTm="70583"/>
+    </mc:Choice>
+    <mc:Fallback>
+      <p:transition spd="slow" advTm="70583"/>
+    </mc:Fallback>
+  </mc:AlternateContent>
   <p:timing>
     <p:tnLst>
       <p:par>
@@ -3646,84 +3668,87 @@
         </p:nvSpPr>
         <p:spPr>
           <a:xfrm>
-            <a:off x="539552" y="620688"/>
+            <a:off x="457200" y="404664"/>
             <a:ext cx="8229600" cy="5721499"/>
           </a:xfrm>
         </p:spPr>
         <p:txBody>
-          <a:bodyPr/>
+          <a:bodyPr>
+            <a:normAutofit/>
+          </a:bodyPr>
           <a:lstStyle/>
           <a:p>
             <a:pPr marL="0" indent="0">
               <a:buNone/>
             </a:pPr>
             <a:r>
-              <a:rPr lang="en-CA" b="1" dirty="0" smtClean="0"/>
-              <a:t>What we learn</a:t>
-            </a:r>
+              <a:rPr lang="en-CA" sz="3900" b="1" dirty="0" smtClean="0"/>
+              <a:t>Future work</a:t>
+            </a:r>
+          </a:p>
+          <a:p>
+            <a:r>
+              <a:rPr lang="en-CA" sz="3400" dirty="0" smtClean="0"/>
+              <a:t>Live data</a:t>
+            </a:r>
+          </a:p>
+          <a:p>
+            <a:r>
+              <a:rPr lang="en-CA" sz="3400" dirty="0" smtClean="0"/>
+              <a:t>Trend Lines on Chart</a:t>
+            </a:r>
+          </a:p>
+          <a:p>
+            <a:r>
+              <a:rPr lang="en-CA" sz="3400" dirty="0" smtClean="0"/>
+              <a:t>Layout design</a:t>
+            </a:r>
+          </a:p>
+          <a:p>
+            <a:r>
+              <a:rPr lang="en-CA" sz="3400" dirty="0" smtClean="0"/>
+              <a:t>Risk analyst</a:t>
+            </a:r>
+          </a:p>
+          <a:p>
+            <a:r>
+              <a:rPr lang="en-CA" sz="3400" dirty="0" smtClean="0"/>
+              <a:t>Delete portfolio and edit portfolio transaction data</a:t>
+            </a:r>
+            <a:endParaRPr lang="en-CA" sz="3600" dirty="0" smtClean="0"/>
           </a:p>
           <a:p>
             <a:pPr marL="0" indent="0">
               <a:buNone/>
             </a:pPr>
-            <a:endParaRPr lang="en-CA" b="1" dirty="0" smtClean="0"/>
-          </a:p>
-          <a:p>
-            <a:r>
-              <a:rPr lang="en-CA" dirty="0"/>
-              <a:t>If database can do well for you, do not </a:t>
-            </a:r>
-            <a:r>
-              <a:rPr lang="en-CA" dirty="0" smtClean="0"/>
-              <a:t>code</a:t>
-            </a:r>
-          </a:p>
-          <a:p>
-            <a:r>
-              <a:rPr lang="en-CA" dirty="0" smtClean="0"/>
-              <a:t>Save all the action of database as query</a:t>
-            </a:r>
-          </a:p>
-          <a:p>
-            <a:endParaRPr lang="en-CA" i="1" dirty="0" smtClean="0"/>
-          </a:p>
-          <a:p>
-            <a:endParaRPr lang="en-CA" i="1" dirty="0"/>
+            <a:endParaRPr lang="en-CA" sz="3600" b="1" dirty="0" smtClean="0"/>
           </a:p>
           <a:p>
             <a:pPr marL="0" indent="0">
               <a:buNone/>
             </a:pPr>
-            <a:endParaRPr lang="en-CA" b="1" dirty="0" smtClean="0"/>
-          </a:p>
-          <a:p>
-            <a:pPr marL="0" indent="0">
-              <a:buNone/>
-            </a:pPr>
-            <a:endParaRPr lang="en-CA" b="1" dirty="0" smtClean="0"/>
-          </a:p>
-          <a:p>
-            <a:pPr marL="0" indent="0">
-              <a:buNone/>
-            </a:pPr>
-            <a:r>
-              <a:rPr lang="en-CA" sz="2400" dirty="0"/>
-              <a:t> </a:t>
-            </a:r>
-            <a:endParaRPr lang="en-CA" sz="2000" dirty="0"/>
+            <a:endParaRPr lang="en-CA" dirty="0"/>
           </a:p>
         </p:txBody>
       </p:sp>
     </p:spTree>
     <p:extLst>
       <p:ext uri="{BB962C8B-B14F-4D97-AF65-F5344CB8AC3E}">
-        <p14:creationId xmlns:p14="http://schemas.microsoft.com/office/powerpoint/2010/main" val="1590797358"/>
+        <p14:creationId xmlns:p14="http://schemas.microsoft.com/office/powerpoint/2010/main" val="2680175932"/>
       </p:ext>
     </p:extLst>
   </p:cSld>
   <p:clrMapOvr>
     <a:masterClrMapping/>
   </p:clrMapOvr>
+  <mc:AlternateContent xmlns:mc="http://schemas.openxmlformats.org/markup-compatibility/2006">
+    <mc:Choice xmlns:p14="http://schemas.microsoft.com/office/powerpoint/2010/main" Requires="p14">
+      <p:transition spd="slow" p14:dur="2000" advTm="63815"/>
+    </mc:Choice>
+    <mc:Fallback>
+      <p:transition spd="slow" advTm="63815"/>
+    </mc:Fallback>
+  </mc:AlternateContent>
   <p:timing>
     <p:tnLst>
       <p:par>
@@ -3773,44 +3798,13 @@
           </a:bodyPr>
           <a:lstStyle/>
           <a:p>
-            <a:pPr marL="0" indent="0">
+            <a:pPr marL="0" indent="0" algn="ctr">
               <a:buNone/>
             </a:pPr>
             <a:r>
-              <a:rPr lang="en-CA" sz="3900" b="1" dirty="0" smtClean="0"/>
-              <a:t>Future work</a:t>
-            </a:r>
-          </a:p>
-          <a:p>
-            <a:r>
-              <a:rPr lang="en-CA" sz="3400" dirty="0" smtClean="0"/>
-              <a:t>Live data</a:t>
-            </a:r>
-          </a:p>
-          <a:p>
-            <a:r>
-              <a:rPr lang="en-CA" sz="3400" dirty="0" smtClean="0"/>
-              <a:t>Trend Lines on Chart</a:t>
-            </a:r>
-          </a:p>
-          <a:p>
-            <a:r>
-              <a:rPr lang="en-CA" sz="3400" dirty="0" smtClean="0"/>
-              <a:t>Layout design</a:t>
-            </a:r>
-          </a:p>
-          <a:p>
-            <a:r>
-              <a:rPr lang="en-CA" sz="3400" dirty="0" smtClean="0"/>
-              <a:t>Risk analyst</a:t>
-            </a:r>
-          </a:p>
-          <a:p>
-            <a:r>
-              <a:rPr lang="en-CA" sz="3400" dirty="0" smtClean="0"/>
-              <a:t>Delete portfolio and edit portfolio transaction data</a:t>
-            </a:r>
-            <a:endParaRPr lang="en-CA" sz="3600" dirty="0" smtClean="0"/>
+              <a:rPr lang="en-CA" sz="3600" b="1" dirty="0" smtClean="0"/>
+              <a:t>Summary</a:t>
+            </a:r>
           </a:p>
           <a:p>
             <a:pPr marL="0" indent="0">
@@ -3819,10 +3813,29 @@
             <a:endParaRPr lang="en-CA" sz="3600" b="1" dirty="0" smtClean="0"/>
           </a:p>
           <a:p>
+            <a:r>
+              <a:rPr lang="en-CA" sz="2000" b="1" dirty="0" smtClean="0"/>
+              <a:t>Show candle like stock history chart (daily chart)</a:t>
+            </a:r>
+          </a:p>
+          <a:p>
+            <a:r>
+              <a:rPr lang="en-CA" sz="2000" b="1" dirty="0" smtClean="0"/>
+              <a:t>Make paper trade</a:t>
+            </a:r>
+          </a:p>
+          <a:p>
+            <a:r>
+              <a:rPr lang="en-CA" sz="2000" b="1" dirty="0" smtClean="0"/>
+              <a:t>Do investment portfolio management</a:t>
+            </a:r>
+            <a:endParaRPr lang="en-CA" sz="2000" b="1" dirty="0"/>
+          </a:p>
+          <a:p>
             <a:pPr marL="0" indent="0">
               <a:buNone/>
             </a:pPr>
-            <a:endParaRPr lang="en-CA" dirty="0"/>
+            <a:endParaRPr lang="en-CA" sz="3600" b="1" dirty="0"/>
           </a:p>
         </p:txBody>
       </p:sp>
@@ -3836,99 +3849,21 @@
   <p:clrMapOvr>
     <a:masterClrMapping/>
   </p:clrMapOvr>
-</p:sld>
-</file>
-
-<file path=ppt/slides/slide13.xml><?xml version="1.0" encoding="utf-8"?>
-<p:sld xmlns:a="http://schemas.openxmlformats.org/drawingml/2006/main" xmlns:r="http://schemas.openxmlformats.org/officeDocument/2006/relationships" xmlns:p="http://schemas.openxmlformats.org/presentationml/2006/main">
-  <p:cSld>
-    <p:spTree>
-      <p:nvGrpSpPr>
-        <p:cNvPr id="1" name=""/>
-        <p:cNvGrpSpPr/>
-        <p:nvPr/>
-      </p:nvGrpSpPr>
-      <p:grpSpPr>
-        <a:xfrm>
-          <a:off x="0" y="0"/>
-          <a:ext cx="0" cy="0"/>
-          <a:chOff x="0" y="0"/>
-          <a:chExt cx="0" cy="0"/>
-        </a:xfrm>
-      </p:grpSpPr>
-      <p:sp>
-        <p:nvSpPr>
-          <p:cNvPr id="3" name="Content Placeholder 2"/>
-          <p:cNvSpPr>
-            <a:spLocks noGrp="1"/>
-          </p:cNvSpPr>
-          <p:nvPr>
-            <p:ph idx="1"/>
-          </p:nvPr>
-        </p:nvSpPr>
-        <p:spPr>
-          <a:xfrm>
-            <a:off x="457200" y="404664"/>
-            <a:ext cx="8229600" cy="5721499"/>
-          </a:xfrm>
-        </p:spPr>
-        <p:txBody>
-          <a:bodyPr>
-            <a:normAutofit/>
-          </a:bodyPr>
-          <a:lstStyle/>
-          <a:p>
-            <a:pPr marL="0" indent="0" algn="ctr">
-              <a:buNone/>
-            </a:pPr>
-            <a:r>
-              <a:rPr lang="en-CA" sz="3600" b="1" dirty="0" smtClean="0"/>
-              <a:t>Summary</a:t>
-            </a:r>
-          </a:p>
-          <a:p>
-            <a:pPr marL="0" indent="0">
-              <a:buNone/>
-            </a:pPr>
-            <a:endParaRPr lang="en-CA" sz="3600" b="1" dirty="0" smtClean="0"/>
-          </a:p>
-          <a:p>
-            <a:r>
-              <a:rPr lang="en-CA" sz="2000" b="1" dirty="0" smtClean="0"/>
-              <a:t>Show candle like stock history chart (daily chart)</a:t>
-            </a:r>
-          </a:p>
-          <a:p>
-            <a:r>
-              <a:rPr lang="en-CA" sz="2000" b="1" dirty="0" smtClean="0"/>
-              <a:t>Make paper trade</a:t>
-            </a:r>
-          </a:p>
-          <a:p>
-            <a:r>
-              <a:rPr lang="en-CA" sz="2000" b="1" dirty="0" smtClean="0"/>
-              <a:t>Do investment portfolio management</a:t>
-            </a:r>
-            <a:endParaRPr lang="en-CA" sz="2000" b="1" dirty="0"/>
-          </a:p>
-          <a:p>
-            <a:pPr marL="0" indent="0">
-              <a:buNone/>
-            </a:pPr>
-            <a:endParaRPr lang="en-CA" sz="3600" b="1" dirty="0"/>
-          </a:p>
-        </p:txBody>
-      </p:sp>
-    </p:spTree>
-    <p:extLst>
-      <p:ext uri="{BB962C8B-B14F-4D97-AF65-F5344CB8AC3E}">
-        <p14:creationId xmlns:p14="http://schemas.microsoft.com/office/powerpoint/2010/main" val="2680175932"/>
-      </p:ext>
-    </p:extLst>
-  </p:cSld>
-  <p:clrMapOvr>
-    <a:masterClrMapping/>
-  </p:clrMapOvr>
+  <mc:AlternateContent xmlns:mc="http://schemas.openxmlformats.org/markup-compatibility/2006">
+    <mc:Choice xmlns:p14="http://schemas.microsoft.com/office/powerpoint/2010/main" Requires="p14">
+      <p:transition spd="slow" p14:dur="2000" advTm="50285"/>
+    </mc:Choice>
+    <mc:Fallback>
+      <p:transition spd="slow" advTm="50285"/>
+    </mc:Fallback>
+  </mc:AlternateContent>
+  <p:timing>
+    <p:tnLst>
+      <p:par>
+        <p:cTn id="1" dur="indefinite" restart="never" nodeType="tmRoot"/>
+      </p:par>
+    </p:tnLst>
+  </p:timing>
 </p:sld>
 </file>
 
@@ -3967,7 +3902,7 @@
         </p:spPr>
         <p:txBody>
           <a:bodyPr>
-            <a:normAutofit lnSpcReduction="10000"/>
+            <a:normAutofit/>
           </a:bodyPr>
           <a:lstStyle/>
           <a:p>
@@ -3987,40 +3922,27 @@
               <a:rPr lang="en-CA" dirty="0" smtClean="0"/>
               <a:t>Investors </a:t>
             </a:r>
+            <a:endParaRPr lang="en-CA" dirty="0" smtClean="0"/>
+          </a:p>
+          <a:p>
             <a:r>
               <a:rPr lang="en-CA" dirty="0" smtClean="0"/>
-              <a:t>want to </a:t>
-            </a:r>
-          </a:p>
-          <a:p>
+              <a:t>Paper trading</a:t>
+            </a:r>
+            <a:endParaRPr lang="en-CA" dirty="0" smtClean="0"/>
+          </a:p>
+          <a:p>
+            <a:r>
+              <a:rPr lang="en-CA" dirty="0"/>
+              <a:t>D</a:t>
+            </a:r>
             <a:r>
               <a:rPr lang="en-CA" dirty="0" smtClean="0"/>
-              <a:t>practice </a:t>
+              <a:t>ifferent </a:t>
             </a:r>
             <a:r>
               <a:rPr lang="en-CA" dirty="0"/>
-              <a:t>trading stocks </a:t>
-            </a:r>
-            <a:endParaRPr lang="en-CA" dirty="0" smtClean="0"/>
-          </a:p>
-          <a:p>
-            <a:r>
-              <a:rPr lang="en-CA" dirty="0" smtClean="0"/>
-              <a:t>no </a:t>
-            </a:r>
-            <a:r>
-              <a:rPr lang="en-CA" dirty="0"/>
-              <a:t>financial </a:t>
-            </a:r>
-            <a:r>
-              <a:rPr lang="en-CA" dirty="0" smtClean="0"/>
-              <a:t>risk</a:t>
-            </a:r>
-          </a:p>
-          <a:p>
-            <a:r>
-              <a:rPr lang="en-CA" dirty="0"/>
-              <a:t>different investment strategies</a:t>
+              <a:t>investment strategies</a:t>
             </a:r>
             <a:r>
               <a:rPr lang="en-CA" dirty="0" smtClean="0"/>
@@ -4085,6 +4007,21 @@
   <p:clrMapOvr>
     <a:masterClrMapping/>
   </p:clrMapOvr>
+  <mc:AlternateContent xmlns:mc="http://schemas.openxmlformats.org/markup-compatibility/2006">
+    <mc:Choice xmlns:p14="http://schemas.microsoft.com/office/powerpoint/2010/main" Requires="p14">
+      <p:transition spd="slow" p14:dur="2000" advTm="71151"/>
+    </mc:Choice>
+    <mc:Fallback>
+      <p:transition spd="slow" advTm="71151"/>
+    </mc:Fallback>
+  </mc:AlternateContent>
+  <p:timing>
+    <p:tnLst>
+      <p:par>
+        <p:cTn id="1" dur="indefinite" restart="never" nodeType="tmRoot"/>
+      </p:par>
+    </p:tnLst>
+  </p:timing>
 </p:sld>
 </file>
 
@@ -4175,6 +4112,21 @@
   <p:clrMapOvr>
     <a:masterClrMapping/>
   </p:clrMapOvr>
+  <mc:AlternateContent xmlns:mc="http://schemas.openxmlformats.org/markup-compatibility/2006">
+    <mc:Choice xmlns:p14="http://schemas.microsoft.com/office/powerpoint/2010/main" Requires="p14">
+      <p:transition spd="slow" p14:dur="2000" advTm="41108"/>
+    </mc:Choice>
+    <mc:Fallback>
+      <p:transition spd="slow" advTm="41108"/>
+    </mc:Fallback>
+  </mc:AlternateContent>
+  <p:timing>
+    <p:tnLst>
+      <p:par>
+        <p:cTn id="1" dur="indefinite" restart="never" nodeType="tmRoot"/>
+      </p:par>
+    </p:tnLst>
+  </p:timing>
 </p:sld>
 </file>
 
@@ -4304,6 +4256,21 @@
   <p:clrMapOvr>
     <a:masterClrMapping/>
   </p:clrMapOvr>
+  <mc:AlternateContent xmlns:mc="http://schemas.openxmlformats.org/markup-compatibility/2006">
+    <mc:Choice xmlns:p14="http://schemas.microsoft.com/office/powerpoint/2010/main" Requires="p14">
+      <p:transition spd="slow" p14:dur="2000" advTm="60791"/>
+    </mc:Choice>
+    <mc:Fallback>
+      <p:transition spd="slow" advTm="60791"/>
+    </mc:Fallback>
+  </mc:AlternateContent>
+  <p:timing>
+    <p:tnLst>
+      <p:par>
+        <p:cTn id="1" dur="indefinite" restart="never" nodeType="tmRoot"/>
+      </p:par>
+    </p:tnLst>
+  </p:timing>
 </p:sld>
 </file>
 
@@ -4408,7 +4375,7 @@
             <a:pPr marL="0" indent="0">
               <a:buNone/>
             </a:pPr>
-            <a:endParaRPr lang="en-CA" dirty="0"/>
+            <a:endParaRPr lang="en-CA" sz="1000" dirty="0"/>
           </a:p>
           <a:p>
             <a:pPr marL="0" indent="0">
@@ -4428,9 +4395,26 @@
             </a:r>
           </a:p>
           <a:p>
+            <a:pPr marL="0" indent="0">
+              <a:buNone/>
+            </a:pPr>
             <a:r>
               <a:rPr lang="en-CA" dirty="0" smtClean="0"/>
-              <a:t> always check the update version before   installation</a:t>
+              <a:t> </a:t>
+            </a:r>
+            <a:r>
+              <a:rPr lang="en-CA" b="1" dirty="0" smtClean="0"/>
+              <a:t>Tip: </a:t>
+            </a:r>
+          </a:p>
+          <a:p>
+            <a:r>
+              <a:rPr lang="en-CA" dirty="0" smtClean="0"/>
+              <a:t>always </a:t>
+            </a:r>
+            <a:r>
+              <a:rPr lang="en-CA" dirty="0" smtClean="0"/>
+              <a:t>check the update version before   installation</a:t>
             </a:r>
           </a:p>
           <a:p>
@@ -4452,6 +4436,21 @@
   <p:clrMapOvr>
     <a:masterClrMapping/>
   </p:clrMapOvr>
+  <mc:AlternateContent xmlns:mc="http://schemas.openxmlformats.org/markup-compatibility/2006">
+    <mc:Choice xmlns:p14="http://schemas.microsoft.com/office/powerpoint/2010/main" Requires="p14">
+      <p:transition spd="slow" p14:dur="2000" advTm="87817"/>
+    </mc:Choice>
+    <mc:Fallback>
+      <p:transition spd="slow" advTm="87817"/>
+    </mc:Fallback>
+  </mc:AlternateContent>
+  <p:timing>
+    <p:tnLst>
+      <p:par>
+        <p:cTn id="1" dur="indefinite" restart="never" nodeType="tmRoot"/>
+      </p:par>
+    </p:tnLst>
+  </p:timing>
 </p:sld>
 </file>
 
@@ -4756,6 +4755,188 @@
           </a:p>
         </p:txBody>
       </p:sp>
+      <p:sp>
+        <p:nvSpPr>
+          <p:cNvPr id="6" name="Content Placeholder 2"/>
+          <p:cNvSpPr txBox="1">
+            <a:spLocks/>
+          </p:cNvSpPr>
+          <p:nvPr/>
+        </p:nvSpPr>
+        <p:spPr>
+          <a:xfrm>
+            <a:off x="786408" y="5301208"/>
+            <a:ext cx="7632848" cy="1296144"/>
+          </a:xfrm>
+          <a:prstGeom prst="rect">
+            <a:avLst/>
+          </a:prstGeom>
+        </p:spPr>
+        <p:txBody>
+          <a:bodyPr vert="horz" lIns="91440" tIns="45720" rIns="91440" bIns="45720" rtlCol="0">
+            <a:normAutofit/>
+          </a:bodyPr>
+          <a:lstStyle>
+            <a:lvl1pPr marL="342900" indent="-342900" algn="l" defTabSz="914400" rtl="0" eaLnBrk="1" latinLnBrk="0" hangingPunct="1">
+              <a:spcBef>
+                <a:spcPct val="20000"/>
+              </a:spcBef>
+              <a:buFont typeface="Arial" panose="020B0604020202020204" pitchFamily="34" charset="0"/>
+              <a:buChar char="•"/>
+              <a:defRPr sz="3200" kern="1200">
+                <a:solidFill>
+                  <a:schemeClr val="tx1"/>
+                </a:solidFill>
+                <a:latin typeface="+mn-lt"/>
+                <a:ea typeface="+mn-ea"/>
+                <a:cs typeface="+mn-cs"/>
+              </a:defRPr>
+            </a:lvl1pPr>
+            <a:lvl2pPr marL="742950" indent="-285750" algn="l" defTabSz="914400" rtl="0" eaLnBrk="1" latinLnBrk="0" hangingPunct="1">
+              <a:spcBef>
+                <a:spcPct val="20000"/>
+              </a:spcBef>
+              <a:buFont typeface="Arial" panose="020B0604020202020204" pitchFamily="34" charset="0"/>
+              <a:buChar char="–"/>
+              <a:defRPr sz="2800" kern="1200">
+                <a:solidFill>
+                  <a:schemeClr val="tx1"/>
+                </a:solidFill>
+                <a:latin typeface="+mn-lt"/>
+                <a:ea typeface="+mn-ea"/>
+                <a:cs typeface="+mn-cs"/>
+              </a:defRPr>
+            </a:lvl2pPr>
+            <a:lvl3pPr marL="1143000" indent="-228600" algn="l" defTabSz="914400" rtl="0" eaLnBrk="1" latinLnBrk="0" hangingPunct="1">
+              <a:spcBef>
+                <a:spcPct val="20000"/>
+              </a:spcBef>
+              <a:buFont typeface="Arial" panose="020B0604020202020204" pitchFamily="34" charset="0"/>
+              <a:buChar char="•"/>
+              <a:defRPr sz="2400" kern="1200">
+                <a:solidFill>
+                  <a:schemeClr val="tx1"/>
+                </a:solidFill>
+                <a:latin typeface="+mn-lt"/>
+                <a:ea typeface="+mn-ea"/>
+                <a:cs typeface="+mn-cs"/>
+              </a:defRPr>
+            </a:lvl3pPr>
+            <a:lvl4pPr marL="1600200" indent="-228600" algn="l" defTabSz="914400" rtl="0" eaLnBrk="1" latinLnBrk="0" hangingPunct="1">
+              <a:spcBef>
+                <a:spcPct val="20000"/>
+              </a:spcBef>
+              <a:buFont typeface="Arial" panose="020B0604020202020204" pitchFamily="34" charset="0"/>
+              <a:buChar char="–"/>
+              <a:defRPr sz="2000" kern="1200">
+                <a:solidFill>
+                  <a:schemeClr val="tx1"/>
+                </a:solidFill>
+                <a:latin typeface="+mn-lt"/>
+                <a:ea typeface="+mn-ea"/>
+                <a:cs typeface="+mn-cs"/>
+              </a:defRPr>
+            </a:lvl4pPr>
+            <a:lvl5pPr marL="2057400" indent="-228600" algn="l" defTabSz="914400" rtl="0" eaLnBrk="1" latinLnBrk="0" hangingPunct="1">
+              <a:spcBef>
+                <a:spcPct val="20000"/>
+              </a:spcBef>
+              <a:buFont typeface="Arial" panose="020B0604020202020204" pitchFamily="34" charset="0"/>
+              <a:buChar char="»"/>
+              <a:defRPr sz="2000" kern="1200">
+                <a:solidFill>
+                  <a:schemeClr val="tx1"/>
+                </a:solidFill>
+                <a:latin typeface="+mn-lt"/>
+                <a:ea typeface="+mn-ea"/>
+                <a:cs typeface="+mn-cs"/>
+              </a:defRPr>
+            </a:lvl5pPr>
+            <a:lvl6pPr marL="2514600" indent="-228600" algn="l" defTabSz="914400" rtl="0" eaLnBrk="1" latinLnBrk="0" hangingPunct="1">
+              <a:spcBef>
+                <a:spcPct val="20000"/>
+              </a:spcBef>
+              <a:buFont typeface="Arial" panose="020B0604020202020204" pitchFamily="34" charset="0"/>
+              <a:buChar char="•"/>
+              <a:defRPr sz="2000" kern="1200">
+                <a:solidFill>
+                  <a:schemeClr val="tx1"/>
+                </a:solidFill>
+                <a:latin typeface="+mn-lt"/>
+                <a:ea typeface="+mn-ea"/>
+                <a:cs typeface="+mn-cs"/>
+              </a:defRPr>
+            </a:lvl6pPr>
+            <a:lvl7pPr marL="2971800" indent="-228600" algn="l" defTabSz="914400" rtl="0" eaLnBrk="1" latinLnBrk="0" hangingPunct="1">
+              <a:spcBef>
+                <a:spcPct val="20000"/>
+              </a:spcBef>
+              <a:buFont typeface="Arial" panose="020B0604020202020204" pitchFamily="34" charset="0"/>
+              <a:buChar char="•"/>
+              <a:defRPr sz="2000" kern="1200">
+                <a:solidFill>
+                  <a:schemeClr val="tx1"/>
+                </a:solidFill>
+                <a:latin typeface="+mn-lt"/>
+                <a:ea typeface="+mn-ea"/>
+                <a:cs typeface="+mn-cs"/>
+              </a:defRPr>
+            </a:lvl7pPr>
+            <a:lvl8pPr marL="3429000" indent="-228600" algn="l" defTabSz="914400" rtl="0" eaLnBrk="1" latinLnBrk="0" hangingPunct="1">
+              <a:spcBef>
+                <a:spcPct val="20000"/>
+              </a:spcBef>
+              <a:buFont typeface="Arial" panose="020B0604020202020204" pitchFamily="34" charset="0"/>
+              <a:buChar char="•"/>
+              <a:defRPr sz="2000" kern="1200">
+                <a:solidFill>
+                  <a:schemeClr val="tx1"/>
+                </a:solidFill>
+                <a:latin typeface="+mn-lt"/>
+                <a:ea typeface="+mn-ea"/>
+                <a:cs typeface="+mn-cs"/>
+              </a:defRPr>
+            </a:lvl8pPr>
+            <a:lvl9pPr marL="3886200" indent="-228600" algn="l" defTabSz="914400" rtl="0" eaLnBrk="1" latinLnBrk="0" hangingPunct="1">
+              <a:spcBef>
+                <a:spcPct val="20000"/>
+              </a:spcBef>
+              <a:buFont typeface="Arial" panose="020B0604020202020204" pitchFamily="34" charset="0"/>
+              <a:buChar char="•"/>
+              <a:defRPr sz="2000" kern="1200">
+                <a:solidFill>
+                  <a:schemeClr val="tx1"/>
+                </a:solidFill>
+                <a:latin typeface="+mn-lt"/>
+                <a:ea typeface="+mn-ea"/>
+                <a:cs typeface="+mn-cs"/>
+              </a:defRPr>
+            </a:lvl9pPr>
+          </a:lstStyle>
+          <a:p>
+            <a:pPr marL="0" indent="0">
+              <a:buFont typeface="Arial" panose="020B0604020202020204" pitchFamily="34" charset="0"/>
+              <a:buNone/>
+            </a:pPr>
+            <a:r>
+              <a:rPr lang="en-CA" b="1" dirty="0" smtClean="0"/>
+              <a:t>Tip: </a:t>
+            </a:r>
+            <a:r>
+              <a:rPr lang="en-CA" dirty="0" smtClean="0"/>
+              <a:t>Write your code if you are trouble with other library</a:t>
+            </a:r>
+            <a:endParaRPr lang="en-CA" dirty="0" smtClean="0"/>
+          </a:p>
+          <a:p>
+            <a:pPr marL="0" indent="0">
+              <a:buFont typeface="Arial" panose="020B0604020202020204" pitchFamily="34" charset="0"/>
+              <a:buNone/>
+            </a:pPr>
+            <a:endParaRPr lang="en-CA" dirty="0"/>
+          </a:p>
+        </p:txBody>
+      </p:sp>
     </p:spTree>
     <p:extLst>
       <p:ext uri="{BB962C8B-B14F-4D97-AF65-F5344CB8AC3E}">
@@ -4766,6 +4947,21 @@
   <p:clrMapOvr>
     <a:masterClrMapping/>
   </p:clrMapOvr>
+  <mc:AlternateContent xmlns:mc="http://schemas.openxmlformats.org/markup-compatibility/2006">
+    <mc:Choice xmlns:p14="http://schemas.microsoft.com/office/powerpoint/2010/main" Requires="p14">
+      <p:transition spd="slow" p14:dur="2000" advTm="71047"/>
+    </mc:Choice>
+    <mc:Fallback>
+      <p:transition spd="slow" advTm="71047"/>
+    </mc:Fallback>
+  </mc:AlternateContent>
+  <p:timing>
+    <p:tnLst>
+      <p:par>
+        <p:cTn id="1" dur="indefinite" restart="never" nodeType="tmRoot"/>
+      </p:par>
+    </p:tnLst>
+  </p:timing>
 </p:sld>
 </file>
 
@@ -4803,7 +4999,9 @@
           </a:xfrm>
         </p:spPr>
         <p:txBody>
-          <a:bodyPr/>
+          <a:bodyPr>
+            <a:normAutofit/>
+          </a:bodyPr>
           <a:lstStyle/>
           <a:p>
             <a:pPr marL="0" indent="0">
@@ -4824,13 +5022,8 @@
             </a:pPr>
             <a:r>
               <a:rPr lang="en-CA" dirty="0" smtClean="0"/>
-              <a:t>  wrong: Set </a:t>
-            </a:r>
-            <a:r>
-              <a:rPr lang="en-CA" dirty="0" smtClean="0"/>
-              <a:t>buy=true or 1, sell=false or 0</a:t>
-            </a:r>
-            <a:endParaRPr lang="en-CA" dirty="0" smtClean="0"/>
+              <a:t>  wrong: Set buy=true or 1, sell=false or 0</a:t>
+            </a:r>
           </a:p>
           <a:p>
             <a:pPr marL="0" indent="0">
@@ -4851,8 +5044,53 @@
             </a:r>
             <a:r>
               <a:rPr lang="en-CA" dirty="0" smtClean="0"/>
-              <a:t>               none(hold) = 0</a:t>
-            </a:r>
+              <a:t>               none(hold) = </a:t>
+            </a:r>
+            <a:r>
+              <a:rPr lang="en-CA" dirty="0" smtClean="0"/>
+              <a:t>0</a:t>
+            </a:r>
+          </a:p>
+          <a:p>
+            <a:pPr marL="0" indent="0">
+              <a:buNone/>
+            </a:pPr>
+            <a:endParaRPr lang="en-CA" dirty="0"/>
+          </a:p>
+          <a:p>
+            <a:pPr marL="0" indent="0">
+              <a:buNone/>
+            </a:pPr>
+            <a:endParaRPr lang="en-CA" dirty="0" smtClean="0"/>
+          </a:p>
+          <a:p>
+            <a:pPr marL="0" indent="0">
+              <a:buNone/>
+            </a:pPr>
+            <a:endParaRPr lang="en-CA" dirty="0"/>
+          </a:p>
+          <a:p>
+            <a:pPr marL="0" indent="0">
+              <a:buNone/>
+            </a:pPr>
+            <a:r>
+              <a:rPr lang="en-CA" b="1" dirty="0" smtClean="0"/>
+              <a:t>Tip: </a:t>
+            </a:r>
+            <a:r>
+              <a:rPr lang="en-CA" dirty="0" smtClean="0"/>
+              <a:t>If </a:t>
+            </a:r>
+            <a:r>
+              <a:rPr lang="en-CA" dirty="0"/>
+              <a:t>database can do well for you, do not code</a:t>
+            </a:r>
+          </a:p>
+          <a:p>
+            <a:pPr marL="0" indent="0">
+              <a:buNone/>
+            </a:pPr>
+            <a:endParaRPr lang="en-CA" dirty="0" smtClean="0"/>
           </a:p>
         </p:txBody>
       </p:sp>
@@ -4879,7 +5117,7 @@
         </p:blipFill>
         <p:spPr bwMode="auto">
           <a:xfrm>
-            <a:off x="827584" y="4365104"/>
+            <a:off x="827584" y="3299626"/>
             <a:ext cx="6969043" cy="1585143"/>
           </a:xfrm>
           <a:prstGeom prst="rect">
@@ -4920,6 +5158,14 @@
   <p:clrMapOvr>
     <a:masterClrMapping/>
   </p:clrMapOvr>
+  <mc:AlternateContent xmlns:mc="http://schemas.openxmlformats.org/markup-compatibility/2006">
+    <mc:Choice xmlns:p14="http://schemas.microsoft.com/office/powerpoint/2010/main" Requires="p14">
+      <p:transition spd="slow" p14:dur="2000" advTm="81040"/>
+    </mc:Choice>
+    <mc:Fallback>
+      <p:transition spd="slow" advTm="81040"/>
+    </mc:Fallback>
+  </mc:AlternateContent>
   <p:timing>
     <p:tnLst>
       <p:par>
@@ -5087,6 +5333,14 @@
   <p:clrMapOvr>
     <a:masterClrMapping/>
   </p:clrMapOvr>
+  <mc:AlternateContent xmlns:mc="http://schemas.openxmlformats.org/markup-compatibility/2006">
+    <mc:Choice xmlns:p14="http://schemas.microsoft.com/office/powerpoint/2010/main" Requires="p14">
+      <p:transition spd="slow" p14:dur="2000" advTm="71104"/>
+    </mc:Choice>
+    <mc:Fallback>
+      <p:transition spd="slow" advTm="71104"/>
+    </mc:Fallback>
+  </mc:AlternateContent>
   <p:timing>
     <p:tnLst>
       <p:par>
@@ -5203,6 +5457,54 @@
           </a:p>
         </p:txBody>
       </p:sp>
+      <p:pic>
+        <p:nvPicPr>
+          <p:cNvPr id="2" name="Picture 1"/>
+          <p:cNvPicPr>
+            <a:picLocks noChangeAspect="1"/>
+          </p:cNvPicPr>
+          <p:nvPr/>
+        </p:nvPicPr>
+        <p:blipFill>
+          <a:blip r:embed="rId2"/>
+          <a:stretch>
+            <a:fillRect/>
+          </a:stretch>
+        </p:blipFill>
+        <p:spPr>
+          <a:xfrm>
+            <a:off x="611561" y="2708920"/>
+            <a:ext cx="4067574" cy="2880320"/>
+          </a:xfrm>
+          <a:prstGeom prst="rect">
+            <a:avLst/>
+          </a:prstGeom>
+        </p:spPr>
+      </p:pic>
+      <p:pic>
+        <p:nvPicPr>
+          <p:cNvPr id="4" name="Picture 3"/>
+          <p:cNvPicPr>
+            <a:picLocks noChangeAspect="1"/>
+          </p:cNvPicPr>
+          <p:nvPr/>
+        </p:nvPicPr>
+        <p:blipFill>
+          <a:blip r:embed="rId3"/>
+          <a:stretch>
+            <a:fillRect/>
+          </a:stretch>
+        </p:blipFill>
+        <p:spPr>
+          <a:xfrm>
+            <a:off x="4843725" y="2841300"/>
+            <a:ext cx="3760837" cy="2713268"/>
+          </a:xfrm>
+          <a:prstGeom prst="rect">
+            <a:avLst/>
+          </a:prstGeom>
+        </p:spPr>
+      </p:pic>
     </p:spTree>
     <p:extLst>
       <p:ext uri="{BB962C8B-B14F-4D97-AF65-F5344CB8AC3E}">
@@ -5213,6 +5515,14 @@
   <p:clrMapOvr>
     <a:masterClrMapping/>
   </p:clrMapOvr>
+  <mc:AlternateContent xmlns:mc="http://schemas.openxmlformats.org/markup-compatibility/2006">
+    <mc:Choice xmlns:p14="http://schemas.microsoft.com/office/powerpoint/2010/main" Requires="p14">
+      <p:transition spd="slow" p14:dur="2000" advTm="63310"/>
+    </mc:Choice>
+    <mc:Fallback>
+      <p:transition spd="slow" advTm="63310"/>
+    </mc:Fallback>
+  </mc:AlternateContent>
   <p:timing>
     <p:tnLst>
       <p:par>
